--- a/TC/509 - Ngày Giờ Qua.pptx
+++ b/TC/509 - Ngày Giờ Qua.pptx
@@ -151,6 +151,22 @@
       </a:defRPr>
     </a:lvl9pPr>
   </p:defaultTextStyle>
+  <p:extLst>
+    <p:ext uri="{EFAFB233-063F-42B5-8137-9DF3F51BA10A}">
+      <p15:sldGuideLst xmlns:p15="http://schemas.microsoft.com/office/powerpoint/2012/main">
+        <p15:guide id="1" orient="horz" pos="2160">
+          <p15:clr>
+            <a:srgbClr val="A4A3A4"/>
+          </p15:clr>
+        </p15:guide>
+        <p15:guide id="2" pos="2880">
+          <p15:clr>
+            <a:srgbClr val="A4A3A4"/>
+          </p15:clr>
+        </p15:guide>
+      </p15:sldGuideLst>
+    </p:ext>
+  </p:extLst>
 </p:presentation>
 </file>
 
@@ -192,10 +208,9 @@
           <a:lstStyle/>
           <a:p>
             <a:r>
-              <a:rPr lang="en-US" smtClean="0"/>
+              <a:rPr lang="en-US"/>
               <a:t>Click to edit Master title style</a:t>
             </a:r>
-            <a:endParaRPr lang="en-US"/>
           </a:p>
         </p:txBody>
       </p:sp>
@@ -311,10 +326,9 @@
           </a:lstStyle>
           <a:p>
             <a:r>
-              <a:rPr lang="en-US" smtClean="0"/>
+              <a:rPr lang="en-US"/>
               <a:t>Click to edit Master subtitle style</a:t>
             </a:r>
-            <a:endParaRPr lang="en-US"/>
           </a:p>
         </p:txBody>
       </p:sp>
@@ -345,7 +359,7 @@
               <a:pPr>
                 <a:defRPr/>
               </a:pPr>
-              <a:t>17/09/2012</a:t>
+              <a:t>12/8/19</a:t>
             </a:fld>
             <a:endParaRPr lang="en-US"/>
           </a:p>
@@ -456,10 +470,9 @@
           <a:lstStyle/>
           <a:p>
             <a:r>
-              <a:rPr lang="en-US" smtClean="0"/>
+              <a:rPr lang="en-US"/>
               <a:t>Click to edit Master title style</a:t>
             </a:r>
-            <a:endParaRPr lang="en-US"/>
           </a:p>
         </p:txBody>
       </p:sp>
@@ -575,10 +588,9 @@
           </a:lstStyle>
           <a:p>
             <a:r>
-              <a:rPr lang="en-US" smtClean="0"/>
+              <a:rPr lang="en-US"/>
               <a:t>Click to edit Master subtitle style</a:t>
             </a:r>
-            <a:endParaRPr lang="en-US"/>
           </a:p>
         </p:txBody>
       </p:sp>
@@ -609,7 +621,7 @@
               <a:pPr>
                 <a:defRPr/>
               </a:pPr>
-              <a:t>17/09/2012</a:t>
+              <a:t>12/8/19</a:t>
             </a:fld>
             <a:endParaRPr lang="en-US"/>
           </a:p>
@@ -745,7 +757,7 @@
           <a:p>
             <a:pPr lvl="0"/>
             <a:r>
-              <a:rPr lang="en-US" smtClean="0"/>
+              <a:rPr lang="en-US"/>
               <a:t>Click to edit Master title style</a:t>
             </a:r>
           </a:p>
@@ -787,35 +799,35 @@
           <a:p>
             <a:pPr lvl="0"/>
             <a:r>
-              <a:rPr lang="en-US" smtClean="0"/>
+              <a:rPr lang="en-US"/>
               <a:t>Click to edit Master text styles</a:t>
             </a:r>
           </a:p>
           <a:p>
             <a:pPr lvl="1"/>
             <a:r>
-              <a:rPr lang="en-US" smtClean="0"/>
+              <a:rPr lang="en-US"/>
               <a:t>Second level</a:t>
             </a:r>
           </a:p>
           <a:p>
             <a:pPr lvl="2"/>
             <a:r>
-              <a:rPr lang="en-US" smtClean="0"/>
+              <a:rPr lang="en-US"/>
               <a:t>Third level</a:t>
             </a:r>
           </a:p>
           <a:p>
             <a:pPr lvl="3"/>
             <a:r>
-              <a:rPr lang="en-US" smtClean="0"/>
+              <a:rPr lang="en-US"/>
               <a:t>Fourth level</a:t>
             </a:r>
           </a:p>
           <a:p>
             <a:pPr lvl="4"/>
             <a:r>
-              <a:rPr lang="en-US" smtClean="0"/>
+              <a:rPr lang="en-US"/>
               <a:t>Fifth level</a:t>
             </a:r>
           </a:p>
@@ -869,7 +881,7 @@
               <a:pPr>
                 <a:defRPr/>
               </a:pPr>
-              <a:t>17/09/2012</a:t>
+              <a:t>12/8/19</a:t>
             </a:fld>
             <a:endParaRPr lang="en-US"/>
           </a:p>
@@ -1454,7 +1466,7 @@
           <a:p>
             <a:pPr lvl="0"/>
             <a:r>
-              <a:rPr lang="en-US" smtClean="0"/>
+              <a:rPr lang="en-US"/>
               <a:t>Click to edit Master title style</a:t>
             </a:r>
           </a:p>
@@ -1496,35 +1508,35 @@
           <a:p>
             <a:pPr lvl="0"/>
             <a:r>
-              <a:rPr lang="en-US" smtClean="0"/>
+              <a:rPr lang="en-US"/>
               <a:t>Click to edit Master text styles</a:t>
             </a:r>
           </a:p>
           <a:p>
             <a:pPr lvl="1"/>
             <a:r>
-              <a:rPr lang="en-US" smtClean="0"/>
+              <a:rPr lang="en-US"/>
               <a:t>Second level</a:t>
             </a:r>
           </a:p>
           <a:p>
             <a:pPr lvl="2"/>
             <a:r>
-              <a:rPr lang="en-US" smtClean="0"/>
+              <a:rPr lang="en-US"/>
               <a:t>Third level</a:t>
             </a:r>
           </a:p>
           <a:p>
             <a:pPr lvl="3"/>
             <a:r>
-              <a:rPr lang="en-US" smtClean="0"/>
+              <a:rPr lang="en-US"/>
               <a:t>Fourth level</a:t>
             </a:r>
           </a:p>
           <a:p>
             <a:pPr lvl="4"/>
             <a:r>
-              <a:rPr lang="en-US" smtClean="0"/>
+              <a:rPr lang="en-US"/>
               <a:t>Fifth level</a:t>
             </a:r>
           </a:p>
@@ -1578,7 +1590,7 @@
               <a:pPr>
                 <a:defRPr/>
               </a:pPr>
-              <a:t>17/09/2012</a:t>
+              <a:t>12/8/19</a:t>
             </a:fld>
             <a:endParaRPr lang="en-US"/>
           </a:p>
@@ -2176,7 +2188,7 @@
               <a:defRPr/>
             </a:pPr>
             <a:r>
-              <a:rPr lang="en-US" sz="8000" b="1" spc="50">
+              <a:rPr lang="en-US" sz="8000" b="1" spc="50" dirty="0" err="1">
                 <a:ln w="11430"/>
                 <a:gradFill>
                   <a:gsLst>
@@ -2207,6 +2219,35 @@
               </a:rPr>
               <a:t>Ngaøy</a:t>
             </a:r>
+            <a:endParaRPr lang="en-US" sz="8000" b="1" spc="50" dirty="0">
+              <a:ln w="11430"/>
+              <a:gradFill>
+                <a:gsLst>
+                  <a:gs pos="25000">
+                    <a:schemeClr val="accent2">
+                      <a:satMod val="155000"/>
+                    </a:schemeClr>
+                  </a:gs>
+                  <a:gs pos="100000">
+                    <a:schemeClr val="accent2">
+                      <a:shade val="45000"/>
+                      <a:satMod val="165000"/>
+                    </a:schemeClr>
+                  </a:gs>
+                </a:gsLst>
+                <a:lin ang="5400000"/>
+              </a:gradFill>
+              <a:effectLst>
+                <a:outerShdw blurRad="76200" dist="50800" dir="5400000" algn="tl" rotWithShape="0">
+                  <a:srgbClr val="000000">
+                    <a:alpha val="65000"/>
+                  </a:srgbClr>
+                </a:outerShdw>
+              </a:effectLst>
+              <a:latin typeface="VNI-Thufap1" pitchFamily="2" charset="0"/>
+              <a:ea typeface="+mj-ea"/>
+              <a:cs typeface="+mj-cs"/>
+            </a:endParaRPr>
           </a:p>
           <a:p>
             <a:pPr algn="ctr" fontAlgn="auto">
@@ -2222,7 +2263,7 @@
               <a:defRPr/>
             </a:pPr>
             <a:r>
-              <a:rPr lang="en-US" sz="8000" b="1" spc="50">
+              <a:rPr lang="en-US" sz="8000" b="1" spc="50" dirty="0" err="1">
                 <a:ln w="11430"/>
                 <a:gradFill>
                   <a:gsLst>
@@ -2251,7 +2292,39 @@
                 <a:ea typeface="+mj-ea"/>
                 <a:cs typeface="+mj-cs"/>
               </a:rPr>
-              <a:t>Giôø </a:t>
+              <a:t>Giôø</a:t>
+            </a:r>
+            <a:r>
+              <a:rPr lang="en-US" sz="8000" b="1" spc="50" dirty="0">
+                <a:ln w="11430"/>
+                <a:gradFill>
+                  <a:gsLst>
+                    <a:gs pos="25000">
+                      <a:schemeClr val="accent2">
+                        <a:satMod val="155000"/>
+                      </a:schemeClr>
+                    </a:gs>
+                    <a:gs pos="100000">
+                      <a:schemeClr val="accent2">
+                        <a:shade val="45000"/>
+                        <a:satMod val="165000"/>
+                      </a:schemeClr>
+                    </a:gs>
+                  </a:gsLst>
+                  <a:lin ang="5400000"/>
+                </a:gradFill>
+                <a:effectLst>
+                  <a:outerShdw blurRad="76200" dist="50800" dir="5400000" algn="tl" rotWithShape="0">
+                    <a:srgbClr val="000000">
+                      <a:alpha val="65000"/>
+                    </a:srgbClr>
+                  </a:outerShdw>
+                </a:effectLst>
+                <a:latin typeface="VNI-Thufap1" pitchFamily="2" charset="0"/>
+                <a:ea typeface="+mj-ea"/>
+                <a:cs typeface="+mj-cs"/>
+              </a:rPr>
+              <a:t> </a:t>
             </a:r>
           </a:p>
           <a:p>
@@ -2268,7 +2341,7 @@
               <a:defRPr/>
             </a:pPr>
             <a:r>
-              <a:rPr lang="en-US" sz="8000" b="1" spc="50">
+              <a:rPr lang="en-US" sz="8000" b="1" spc="50" dirty="0">
                 <a:ln w="11430"/>
                 <a:gradFill>
                   <a:gsLst>
@@ -2333,7 +2406,7 @@
               <a:defRPr/>
             </a:pPr>
             <a:r>
-              <a:rPr lang="en-US" sz="3600" b="1" smtClean="0">
+              <a:rPr lang="en-US" sz="3600" b="1" dirty="0">
                 <a:effectLst>
                   <a:glow rad="139700">
                     <a:schemeClr val="bg1">
@@ -2341,24 +2414,12 @@
                     </a:schemeClr>
                   </a:glow>
                 </a:effectLst>
-                <a:latin typeface="VNI-Eurasia" pitchFamily="2" charset="0"/>
+                <a:latin typeface="VNI-Times" pitchFamily="2" charset="0"/>
                 <a:ea typeface="+mj-ea"/>
                 <a:cs typeface="+mj-cs"/>
               </a:rPr>
               <a:t>TOÂN VINH CHUÙA – THAÙNH CA 509</a:t>
             </a:r>
-            <a:endParaRPr lang="en-US" sz="3600" b="1">
-              <a:effectLst>
-                <a:glow rad="139700">
-                  <a:schemeClr val="bg1">
-                    <a:alpha val="40000"/>
-                  </a:schemeClr>
-                </a:glow>
-              </a:effectLst>
-              <a:latin typeface="VNI-Eurasia" pitchFamily="2" charset="0"/>
-              <a:ea typeface="+mj-ea"/>
-              <a:cs typeface="+mj-cs"/>
-            </a:endParaRPr>
           </a:p>
         </p:txBody>
       </p:sp>
@@ -2644,92 +2705,500 @@
               <a:defRPr/>
             </a:pPr>
             <a:r>
-              <a:rPr lang="en-US" sz="4400" b="1">
-                <a:effectLst>
-                  <a:glow rad="101600">
-                    <a:schemeClr val="bg1">
-                      <a:alpha val="60000"/>
-                    </a:schemeClr>
-                  </a:glow>
-                </a:effectLst>
-                <a:latin typeface="HP-Aptima" pitchFamily="34" charset="0"/>
+              <a:rPr lang="en-US" sz="4400" b="1" dirty="0">
+                <a:effectLst>
+                  <a:glow rad="101600">
+                    <a:schemeClr val="bg1">
+                      <a:alpha val="60000"/>
+                    </a:schemeClr>
+                  </a:glow>
+                </a:effectLst>
+                <a:latin typeface="VNI-Times" pitchFamily="2" charset="0"/>
                 <a:ea typeface="+mj-ea"/>
                 <a:cs typeface="+mj-cs"/>
               </a:rPr>
               <a:t>3. </a:t>
             </a:r>
             <a:r>
-              <a:rPr lang="en-US" sz="6600" b="1">
-                <a:effectLst>
-                  <a:glow rad="101600">
-                    <a:schemeClr val="bg1">
-                      <a:alpha val="60000"/>
-                    </a:schemeClr>
-                  </a:glow>
-                </a:effectLst>
-                <a:latin typeface="HP-Aptima" pitchFamily="34" charset="0"/>
-                <a:ea typeface="+mj-ea"/>
-                <a:cs typeface="+mj-cs"/>
-              </a:rPr>
-              <a:t>Ngaøy huøng </a:t>
-            </a:r>
-            <a:r>
-              <a:rPr lang="en-US" sz="6600" b="1" smtClean="0">
-                <a:effectLst>
-                  <a:glow rad="101600">
-                    <a:schemeClr val="bg1">
-                      <a:alpha val="60000"/>
-                    </a:schemeClr>
-                  </a:glow>
-                </a:effectLst>
-                <a:latin typeface="HP-Aptima" pitchFamily="34" charset="0"/>
-                <a:ea typeface="+mj-ea"/>
-                <a:cs typeface="+mj-cs"/>
-              </a:rPr>
-              <a:t>thieâng, </a:t>
-            </a:r>
-            <a:r>
-              <a:rPr lang="en-US" sz="6600" b="1">
-                <a:effectLst>
-                  <a:glow rad="101600">
-                    <a:schemeClr val="bg1">
-                      <a:alpha val="60000"/>
-                    </a:schemeClr>
-                  </a:glow>
-                </a:effectLst>
-                <a:latin typeface="HP-Aptima" pitchFamily="34" charset="0"/>
-                <a:ea typeface="+mj-ea"/>
-                <a:cs typeface="+mj-cs"/>
-              </a:rPr>
-              <a:t>non soâng huøng thieâng vui haùt lôùn tieáng, khaép haûi xuyeân, höôûng phöôùc </a:t>
-            </a:r>
-            <a:r>
-              <a:rPr lang="en-US" sz="6600" b="1" smtClean="0">
-                <a:effectLst>
-                  <a:glow rad="101600">
-                    <a:schemeClr val="bg1">
-                      <a:alpha val="60000"/>
-                    </a:schemeClr>
-                  </a:glow>
-                </a:effectLst>
-                <a:latin typeface="HP-Aptima" pitchFamily="34" charset="0"/>
-                <a:ea typeface="+mj-ea"/>
-                <a:cs typeface="+mj-cs"/>
-              </a:rPr>
-              <a:t>thieâng.</a:t>
-            </a:r>
-            <a:endParaRPr lang="en-US" sz="6600" b="1">
-              <a:effectLst>
-                <a:glow rad="101600">
-                  <a:schemeClr val="bg1">
-                    <a:alpha val="60000"/>
-                  </a:schemeClr>
-                </a:glow>
-              </a:effectLst>
-              <a:latin typeface="HP-Aptima" pitchFamily="34" charset="0"/>
-              <a:ea typeface="+mj-ea"/>
-              <a:cs typeface="+mj-cs"/>
-            </a:endParaRPr>
+              <a:rPr lang="en-US" sz="6600" b="1" dirty="0" err="1">
+                <a:effectLst>
+                  <a:glow rad="101600">
+                    <a:schemeClr val="bg1">
+                      <a:alpha val="60000"/>
+                    </a:schemeClr>
+                  </a:glow>
+                </a:effectLst>
+                <a:latin typeface="VNI-Times" pitchFamily="2" charset="0"/>
+                <a:ea typeface="+mj-ea"/>
+                <a:cs typeface="+mj-cs"/>
+              </a:rPr>
+              <a:t>Ngaøy</a:t>
+            </a:r>
+            <a:r>
+              <a:rPr lang="en-US" sz="6600" b="1" dirty="0">
+                <a:effectLst>
+                  <a:glow rad="101600">
+                    <a:schemeClr val="bg1">
+                      <a:alpha val="60000"/>
+                    </a:schemeClr>
+                  </a:glow>
+                </a:effectLst>
+                <a:latin typeface="VNI-Times" pitchFamily="2" charset="0"/>
+                <a:ea typeface="+mj-ea"/>
+                <a:cs typeface="+mj-cs"/>
+              </a:rPr>
+              <a:t> </a:t>
+            </a:r>
+            <a:r>
+              <a:rPr lang="en-US" sz="6600" b="1" dirty="0" err="1">
+                <a:effectLst>
+                  <a:glow rad="101600">
+                    <a:schemeClr val="bg1">
+                      <a:alpha val="60000"/>
+                    </a:schemeClr>
+                  </a:glow>
+                </a:effectLst>
+                <a:latin typeface="VNI-Times" pitchFamily="2" charset="0"/>
+                <a:ea typeface="+mj-ea"/>
+                <a:cs typeface="+mj-cs"/>
+              </a:rPr>
+              <a:t>huøng</a:t>
+            </a:r>
+            <a:r>
+              <a:rPr lang="en-US" sz="6600" b="1" dirty="0">
+                <a:effectLst>
+                  <a:glow rad="101600">
+                    <a:schemeClr val="bg1">
+                      <a:alpha val="60000"/>
+                    </a:schemeClr>
+                  </a:glow>
+                </a:effectLst>
+                <a:latin typeface="VNI-Times" pitchFamily="2" charset="0"/>
+                <a:ea typeface="+mj-ea"/>
+                <a:cs typeface="+mj-cs"/>
+              </a:rPr>
+              <a:t> </a:t>
+            </a:r>
+            <a:r>
+              <a:rPr lang="en-US" sz="6600" b="1" dirty="0" err="1">
+                <a:effectLst>
+                  <a:glow rad="101600">
+                    <a:schemeClr val="bg1">
+                      <a:alpha val="60000"/>
+                    </a:schemeClr>
+                  </a:glow>
+                </a:effectLst>
+                <a:latin typeface="VNI-Times" pitchFamily="2" charset="0"/>
+                <a:ea typeface="+mj-ea"/>
+                <a:cs typeface="+mj-cs"/>
+              </a:rPr>
+              <a:t>thieâng</a:t>
+            </a:r>
+            <a:r>
+              <a:rPr lang="en-US" sz="6600" b="1" dirty="0">
+                <a:effectLst>
+                  <a:glow rad="101600">
+                    <a:schemeClr val="bg1">
+                      <a:alpha val="60000"/>
+                    </a:schemeClr>
+                  </a:glow>
+                </a:effectLst>
+                <a:latin typeface="VNI-Times" pitchFamily="2" charset="0"/>
+                <a:ea typeface="+mj-ea"/>
+                <a:cs typeface="+mj-cs"/>
+              </a:rPr>
+              <a:t>, non </a:t>
+            </a:r>
+            <a:r>
+              <a:rPr lang="en-US" sz="6600" b="1" dirty="0" err="1">
+                <a:effectLst>
+                  <a:glow rad="101600">
+                    <a:schemeClr val="bg1">
+                      <a:alpha val="60000"/>
+                    </a:schemeClr>
+                  </a:glow>
+                </a:effectLst>
+                <a:latin typeface="VNI-Times" pitchFamily="2" charset="0"/>
+                <a:ea typeface="+mj-ea"/>
+                <a:cs typeface="+mj-cs"/>
+              </a:rPr>
+              <a:t>soâng</a:t>
+            </a:r>
+            <a:r>
+              <a:rPr lang="en-US" sz="6600" b="1" dirty="0">
+                <a:effectLst>
+                  <a:glow rad="101600">
+                    <a:schemeClr val="bg1">
+                      <a:alpha val="60000"/>
+                    </a:schemeClr>
+                  </a:glow>
+                </a:effectLst>
+                <a:latin typeface="VNI-Times" pitchFamily="2" charset="0"/>
+                <a:ea typeface="+mj-ea"/>
+                <a:cs typeface="+mj-cs"/>
+              </a:rPr>
+              <a:t> </a:t>
+            </a:r>
+            <a:r>
+              <a:rPr lang="en-US" sz="6600" b="1" dirty="0" err="1">
+                <a:effectLst>
+                  <a:glow rad="101600">
+                    <a:schemeClr val="bg1">
+                      <a:alpha val="60000"/>
+                    </a:schemeClr>
+                  </a:glow>
+                </a:effectLst>
+                <a:latin typeface="VNI-Times" pitchFamily="2" charset="0"/>
+                <a:ea typeface="+mj-ea"/>
+                <a:cs typeface="+mj-cs"/>
+              </a:rPr>
+              <a:t>huøng</a:t>
+            </a:r>
+            <a:r>
+              <a:rPr lang="en-US" sz="6600" b="1" dirty="0">
+                <a:effectLst>
+                  <a:glow rad="101600">
+                    <a:schemeClr val="bg1">
+                      <a:alpha val="60000"/>
+                    </a:schemeClr>
+                  </a:glow>
+                </a:effectLst>
+                <a:latin typeface="VNI-Times" pitchFamily="2" charset="0"/>
+                <a:ea typeface="+mj-ea"/>
+                <a:cs typeface="+mj-cs"/>
+              </a:rPr>
+              <a:t> </a:t>
+            </a:r>
+            <a:r>
+              <a:rPr lang="en-US" sz="6600" b="1" dirty="0" err="1">
+                <a:effectLst>
+                  <a:glow rad="101600">
+                    <a:schemeClr val="bg1">
+                      <a:alpha val="60000"/>
+                    </a:schemeClr>
+                  </a:glow>
+                </a:effectLst>
+                <a:latin typeface="VNI-Times" pitchFamily="2" charset="0"/>
+                <a:ea typeface="+mj-ea"/>
+                <a:cs typeface="+mj-cs"/>
+              </a:rPr>
+              <a:t>thieâng</a:t>
+            </a:r>
+            <a:r>
+              <a:rPr lang="en-US" sz="6600" b="1" dirty="0">
+                <a:effectLst>
+                  <a:glow rad="101600">
+                    <a:schemeClr val="bg1">
+                      <a:alpha val="60000"/>
+                    </a:schemeClr>
+                  </a:glow>
+                </a:effectLst>
+                <a:latin typeface="VNI-Times" pitchFamily="2" charset="0"/>
+                <a:ea typeface="+mj-ea"/>
+                <a:cs typeface="+mj-cs"/>
+              </a:rPr>
+              <a:t> </a:t>
+            </a:r>
+            <a:r>
+              <a:rPr lang="en-US" sz="6600" b="1" dirty="0" err="1">
+                <a:effectLst>
+                  <a:glow rad="101600">
+                    <a:schemeClr val="bg1">
+                      <a:alpha val="60000"/>
+                    </a:schemeClr>
+                  </a:glow>
+                </a:effectLst>
+                <a:latin typeface="VNI-Times" pitchFamily="2" charset="0"/>
+                <a:ea typeface="+mj-ea"/>
+                <a:cs typeface="+mj-cs"/>
+              </a:rPr>
+              <a:t>vui</a:t>
+            </a:r>
+            <a:r>
+              <a:rPr lang="en-US" sz="6600" b="1" dirty="0">
+                <a:effectLst>
+                  <a:glow rad="101600">
+                    <a:schemeClr val="bg1">
+                      <a:alpha val="60000"/>
+                    </a:schemeClr>
+                  </a:glow>
+                </a:effectLst>
+                <a:latin typeface="VNI-Times" pitchFamily="2" charset="0"/>
+                <a:ea typeface="+mj-ea"/>
+                <a:cs typeface="+mj-cs"/>
+              </a:rPr>
+              <a:t> </a:t>
+            </a:r>
+            <a:r>
+              <a:rPr lang="en-US" sz="6600" b="1" dirty="0" err="1">
+                <a:effectLst>
+                  <a:glow rad="101600">
+                    <a:schemeClr val="bg1">
+                      <a:alpha val="60000"/>
+                    </a:schemeClr>
+                  </a:glow>
+                </a:effectLst>
+                <a:latin typeface="VNI-Times" pitchFamily="2" charset="0"/>
+                <a:ea typeface="+mj-ea"/>
+                <a:cs typeface="+mj-cs"/>
+              </a:rPr>
+              <a:t>haùt</a:t>
+            </a:r>
+            <a:r>
+              <a:rPr lang="en-US" sz="6600" b="1" dirty="0">
+                <a:effectLst>
+                  <a:glow rad="101600">
+                    <a:schemeClr val="bg1">
+                      <a:alpha val="60000"/>
+                    </a:schemeClr>
+                  </a:glow>
+                </a:effectLst>
+                <a:latin typeface="VNI-Times" pitchFamily="2" charset="0"/>
+                <a:ea typeface="+mj-ea"/>
+                <a:cs typeface="+mj-cs"/>
+              </a:rPr>
+              <a:t> </a:t>
+            </a:r>
+            <a:r>
+              <a:rPr lang="en-US" sz="6600" b="1" dirty="0" err="1">
+                <a:effectLst>
+                  <a:glow rad="101600">
+                    <a:schemeClr val="bg1">
+                      <a:alpha val="60000"/>
+                    </a:schemeClr>
+                  </a:glow>
+                </a:effectLst>
+                <a:latin typeface="VNI-Times" pitchFamily="2" charset="0"/>
+                <a:ea typeface="+mj-ea"/>
+                <a:cs typeface="+mj-cs"/>
+              </a:rPr>
+              <a:t>lôùn</a:t>
+            </a:r>
+            <a:r>
+              <a:rPr lang="en-US" sz="6600" b="1" dirty="0">
+                <a:effectLst>
+                  <a:glow rad="101600">
+                    <a:schemeClr val="bg1">
+                      <a:alpha val="60000"/>
+                    </a:schemeClr>
+                  </a:glow>
+                </a:effectLst>
+                <a:latin typeface="VNI-Times" pitchFamily="2" charset="0"/>
+                <a:ea typeface="+mj-ea"/>
+                <a:cs typeface="+mj-cs"/>
+              </a:rPr>
+              <a:t> </a:t>
+            </a:r>
+            <a:r>
+              <a:rPr lang="en-US" sz="6600" b="1" dirty="0" err="1">
+                <a:effectLst>
+                  <a:glow rad="101600">
+                    <a:schemeClr val="bg1">
+                      <a:alpha val="60000"/>
+                    </a:schemeClr>
+                  </a:glow>
+                </a:effectLst>
+                <a:latin typeface="VNI-Times" pitchFamily="2" charset="0"/>
+                <a:ea typeface="+mj-ea"/>
+                <a:cs typeface="+mj-cs"/>
+              </a:rPr>
+              <a:t>tieáng</a:t>
+            </a:r>
+            <a:r>
+              <a:rPr lang="en-US" sz="6600" b="1" dirty="0">
+                <a:effectLst>
+                  <a:glow rad="101600">
+                    <a:schemeClr val="bg1">
+                      <a:alpha val="60000"/>
+                    </a:schemeClr>
+                  </a:glow>
+                </a:effectLst>
+                <a:latin typeface="VNI-Times" pitchFamily="2" charset="0"/>
+                <a:ea typeface="+mj-ea"/>
+                <a:cs typeface="+mj-cs"/>
+              </a:rPr>
+              <a:t>, </a:t>
+            </a:r>
+            <a:r>
+              <a:rPr lang="en-US" sz="6600" b="1" dirty="0" err="1">
+                <a:effectLst>
+                  <a:glow rad="101600">
+                    <a:schemeClr val="bg1">
+                      <a:alpha val="60000"/>
+                    </a:schemeClr>
+                  </a:glow>
+                </a:effectLst>
+                <a:latin typeface="VNI-Times" pitchFamily="2" charset="0"/>
+                <a:ea typeface="+mj-ea"/>
+                <a:cs typeface="+mj-cs"/>
+              </a:rPr>
+              <a:t>khaép</a:t>
+            </a:r>
+            <a:r>
+              <a:rPr lang="en-US" sz="6600" b="1" dirty="0">
+                <a:effectLst>
+                  <a:glow rad="101600">
+                    <a:schemeClr val="bg1">
+                      <a:alpha val="60000"/>
+                    </a:schemeClr>
+                  </a:glow>
+                </a:effectLst>
+                <a:latin typeface="VNI-Times" pitchFamily="2" charset="0"/>
+                <a:ea typeface="+mj-ea"/>
+                <a:cs typeface="+mj-cs"/>
+              </a:rPr>
+              <a:t> </a:t>
+            </a:r>
+            <a:r>
+              <a:rPr lang="en-US" sz="6600" b="1" dirty="0" err="1">
+                <a:effectLst>
+                  <a:glow rad="101600">
+                    <a:schemeClr val="bg1">
+                      <a:alpha val="60000"/>
+                    </a:schemeClr>
+                  </a:glow>
+                </a:effectLst>
+                <a:latin typeface="VNI-Times" pitchFamily="2" charset="0"/>
+                <a:ea typeface="+mj-ea"/>
+                <a:cs typeface="+mj-cs"/>
+              </a:rPr>
+              <a:t>haûi</a:t>
+            </a:r>
+            <a:r>
+              <a:rPr lang="en-US" sz="6600" b="1" dirty="0">
+                <a:effectLst>
+                  <a:glow rad="101600">
+                    <a:schemeClr val="bg1">
+                      <a:alpha val="60000"/>
+                    </a:schemeClr>
+                  </a:glow>
+                </a:effectLst>
+                <a:latin typeface="VNI-Times" pitchFamily="2" charset="0"/>
+                <a:ea typeface="+mj-ea"/>
+                <a:cs typeface="+mj-cs"/>
+              </a:rPr>
+              <a:t> </a:t>
+            </a:r>
+            <a:r>
+              <a:rPr lang="en-US" sz="6600" b="1" dirty="0" err="1">
+                <a:effectLst>
+                  <a:glow rad="101600">
+                    <a:schemeClr val="bg1">
+                      <a:alpha val="60000"/>
+                    </a:schemeClr>
+                  </a:glow>
+                </a:effectLst>
+                <a:latin typeface="VNI-Times" pitchFamily="2" charset="0"/>
+                <a:ea typeface="+mj-ea"/>
+                <a:cs typeface="+mj-cs"/>
+              </a:rPr>
+              <a:t>xuyeân</a:t>
+            </a:r>
+            <a:r>
+              <a:rPr lang="en-US" sz="6600" b="1" dirty="0">
+                <a:effectLst>
+                  <a:glow rad="101600">
+                    <a:schemeClr val="bg1">
+                      <a:alpha val="60000"/>
+                    </a:schemeClr>
+                  </a:glow>
+                </a:effectLst>
+                <a:latin typeface="VNI-Times" pitchFamily="2" charset="0"/>
+                <a:ea typeface="+mj-ea"/>
+                <a:cs typeface="+mj-cs"/>
+              </a:rPr>
+              <a:t>, </a:t>
+            </a:r>
+            <a:r>
+              <a:rPr lang="en-US" sz="6600" b="1" dirty="0" err="1">
+                <a:effectLst>
+                  <a:glow rad="101600">
+                    <a:schemeClr val="bg1">
+                      <a:alpha val="60000"/>
+                    </a:schemeClr>
+                  </a:glow>
+                </a:effectLst>
+                <a:latin typeface="VNI-Times" pitchFamily="2" charset="0"/>
+                <a:ea typeface="+mj-ea"/>
+                <a:cs typeface="+mj-cs"/>
+              </a:rPr>
+              <a:t>höôûng</a:t>
+            </a:r>
+            <a:r>
+              <a:rPr lang="en-US" sz="6600" b="1" dirty="0">
+                <a:effectLst>
+                  <a:glow rad="101600">
+                    <a:schemeClr val="bg1">
+                      <a:alpha val="60000"/>
+                    </a:schemeClr>
+                  </a:glow>
+                </a:effectLst>
+                <a:latin typeface="VNI-Times" pitchFamily="2" charset="0"/>
+                <a:ea typeface="+mj-ea"/>
+                <a:cs typeface="+mj-cs"/>
+              </a:rPr>
+              <a:t> </a:t>
+            </a:r>
+            <a:r>
+              <a:rPr lang="en-US" sz="6600" b="1" dirty="0" err="1">
+                <a:effectLst>
+                  <a:glow rad="101600">
+                    <a:schemeClr val="bg1">
+                      <a:alpha val="60000"/>
+                    </a:schemeClr>
+                  </a:glow>
+                </a:effectLst>
+                <a:latin typeface="VNI-Times" pitchFamily="2" charset="0"/>
+                <a:ea typeface="+mj-ea"/>
+                <a:cs typeface="+mj-cs"/>
+              </a:rPr>
+              <a:t>phöôùc</a:t>
+            </a:r>
+            <a:r>
+              <a:rPr lang="en-US" sz="6600" b="1" dirty="0">
+                <a:effectLst>
+                  <a:glow rad="101600">
+                    <a:schemeClr val="bg1">
+                      <a:alpha val="60000"/>
+                    </a:schemeClr>
+                  </a:glow>
+                </a:effectLst>
+                <a:latin typeface="VNI-Times" pitchFamily="2" charset="0"/>
+                <a:ea typeface="+mj-ea"/>
+                <a:cs typeface="+mj-cs"/>
+              </a:rPr>
+              <a:t> </a:t>
+            </a:r>
+            <a:r>
+              <a:rPr lang="en-US" sz="6600" b="1" dirty="0" err="1">
+                <a:effectLst>
+                  <a:glow rad="101600">
+                    <a:schemeClr val="bg1">
+                      <a:alpha val="60000"/>
+                    </a:schemeClr>
+                  </a:glow>
+                </a:effectLst>
+                <a:latin typeface="VNI-Times" pitchFamily="2" charset="0"/>
+                <a:ea typeface="+mj-ea"/>
+                <a:cs typeface="+mj-cs"/>
+              </a:rPr>
+              <a:t>thieâng</a:t>
+            </a:r>
+            <a:r>
+              <a:rPr lang="en-US" sz="6600" b="1" dirty="0">
+                <a:effectLst>
+                  <a:glow rad="101600">
+                    <a:schemeClr val="bg1">
+                      <a:alpha val="60000"/>
+                    </a:schemeClr>
+                  </a:glow>
+                </a:effectLst>
+                <a:latin typeface="VNI-Times" pitchFamily="2" charset="0"/>
+                <a:ea typeface="+mj-ea"/>
+                <a:cs typeface="+mj-cs"/>
+              </a:rPr>
+              <a:t>.</a:t>
+            </a:r>
           </a:p>
           <a:p>
             <a:pPr algn="ctr" fontAlgn="auto">
@@ -2741,7 +3210,7 @@
               </a:spcAft>
               <a:defRPr/>
             </a:pPr>
-            <a:endParaRPr lang="en-US" sz="6600" b="1">
+            <a:endParaRPr lang="en-US" sz="6600" b="1" dirty="0">
               <a:effectLst>
                 <a:glow rad="101600">
                   <a:schemeClr val="bg1">
@@ -2749,7 +3218,7 @@
                   </a:schemeClr>
                 </a:glow>
               </a:effectLst>
-              <a:latin typeface="HP-Aptima" pitchFamily="34" charset="0"/>
+              <a:latin typeface="VNI-Times" pitchFamily="2" charset="0"/>
               <a:ea typeface="+mj-ea"/>
               <a:cs typeface="+mj-cs"/>
             </a:endParaRPr>
@@ -2792,7 +3261,7 @@
               <a:defRPr/>
             </a:pPr>
             <a:r>
-              <a:rPr lang="en-US" sz="3600" b="1" smtClean="0">
+              <a:rPr lang="en-US" sz="3600" b="1" dirty="0">
                 <a:solidFill>
                   <a:srgbClr val="FFFF00"/>
                 </a:solidFill>
@@ -2801,25 +3270,12 @@
                     <a:schemeClr val="tx1"/>
                   </a:glow>
                 </a:effectLst>
-                <a:latin typeface="VNI-Garam" pitchFamily="34" charset="0"/>
+                <a:latin typeface="VNI-Times" pitchFamily="2" charset="0"/>
                 <a:ea typeface="+mj-ea"/>
                 <a:cs typeface="+mj-cs"/>
               </a:rPr>
               <a:t>TC 509  –  NGAØY GIÔØ QUA</a:t>
             </a:r>
-            <a:endParaRPr lang="en-US" sz="3600" b="1">
-              <a:solidFill>
-                <a:srgbClr val="FFFF00"/>
-              </a:solidFill>
-              <a:effectLst>
-                <a:glow rad="101600">
-                  <a:schemeClr val="tx1"/>
-                </a:glow>
-              </a:effectLst>
-              <a:latin typeface="VNI-Garam" pitchFamily="34" charset="0"/>
-              <a:ea typeface="+mj-ea"/>
-              <a:cs typeface="+mj-cs"/>
-            </a:endParaRPr>
           </a:p>
         </p:txBody>
       </p:sp>
@@ -2828,25 +3284,18 @@
   <p:clrMapOvr>
     <a:masterClrMapping/>
   </p:clrMapOvr>
-  <mc:AlternateContent xmlns:mc="http://schemas.openxmlformats.org/markup-compatibility/2006">
-    <mc:Choice xmlns:p14="http://schemas.microsoft.com/office/powerpoint/2010/main" Requires="p14">
+  <mc:AlternateContent xmlns:mc="http://schemas.openxmlformats.org/markup-compatibility/2006" xmlns:p14="http://schemas.microsoft.com/office/powerpoint/2010/main">
+    <mc:Choice Requires="p14">
       <p:transition spd="med" p14:dur="700">
         <p:fade/>
       </p:transition>
     </mc:Choice>
-    <mc:Fallback>
+    <mc:Fallback xmlns="">
       <p:transition spd="med">
         <p:fade/>
       </p:transition>
     </mc:Fallback>
   </mc:AlternateContent>
-  <p:timing>
-    <p:tnLst>
-      <p:par>
-        <p:cTn id="1" dur="indefinite" restart="never" nodeType="tmRoot"/>
-      </p:par>
-    </p:tnLst>
-  </p:timing>
 </p:sld>
 </file>
 
@@ -2898,93 +3347,498 @@
               <a:defRPr/>
             </a:pPr>
             <a:r>
-              <a:rPr lang="en-US" sz="6600" b="1" smtClean="0">
-                <a:effectLst>
-                  <a:glow rad="101600">
-                    <a:schemeClr val="bg1">
-                      <a:alpha val="60000"/>
-                    </a:schemeClr>
-                  </a:glow>
-                </a:effectLst>
-                <a:latin typeface="HP-Aptima" pitchFamily="34" charset="0"/>
-                <a:ea typeface="+mj-ea"/>
-                <a:cs typeface="+mj-cs"/>
-              </a:rPr>
-              <a:t>Nguyeän </a:t>
-            </a:r>
-            <a:r>
-              <a:rPr lang="en-US" sz="6600" b="1">
-                <a:effectLst>
-                  <a:glow rad="101600">
-                    <a:schemeClr val="bg1">
-                      <a:alpha val="60000"/>
-                    </a:schemeClr>
-                  </a:glow>
-                </a:effectLst>
-                <a:latin typeface="HP-Aptima" pitchFamily="34" charset="0"/>
-                <a:ea typeface="+mj-ea"/>
-                <a:cs typeface="+mj-cs"/>
-              </a:rPr>
-              <a:t>cuøng nhau treân con ñöôøng thieâng naêm môùi cöù tieán, </a:t>
-            </a:r>
-            <a:r>
-              <a:rPr lang="en-US" sz="6600" b="1" smtClean="0">
-                <a:effectLst>
-                  <a:glow rad="101600">
-                    <a:schemeClr val="bg1">
-                      <a:alpha val="60000"/>
-                    </a:schemeClr>
-                  </a:glow>
-                </a:effectLst>
-                <a:latin typeface="HP-Aptima" pitchFamily="34" charset="0"/>
-                <a:ea typeface="+mj-ea"/>
-                <a:cs typeface="+mj-cs"/>
-              </a:rPr>
-              <a:t/>
+              <a:rPr lang="en-US" sz="6600" b="1" dirty="0" err="1">
+                <a:effectLst>
+                  <a:glow rad="101600">
+                    <a:schemeClr val="bg1">
+                      <a:alpha val="60000"/>
+                    </a:schemeClr>
+                  </a:glow>
+                </a:effectLst>
+                <a:latin typeface="VNI-Times" pitchFamily="2" charset="0"/>
+                <a:ea typeface="+mj-ea"/>
+                <a:cs typeface="+mj-cs"/>
+              </a:rPr>
+              <a:t>Nguyeän</a:t>
+            </a:r>
+            <a:r>
+              <a:rPr lang="en-US" sz="6600" b="1" dirty="0">
+                <a:effectLst>
+                  <a:glow rad="101600">
+                    <a:schemeClr val="bg1">
+                      <a:alpha val="60000"/>
+                    </a:schemeClr>
+                  </a:glow>
+                </a:effectLst>
+                <a:latin typeface="VNI-Times" pitchFamily="2" charset="0"/>
+                <a:ea typeface="+mj-ea"/>
+                <a:cs typeface="+mj-cs"/>
+              </a:rPr>
+              <a:t> </a:t>
+            </a:r>
+            <a:r>
+              <a:rPr lang="en-US" sz="6600" b="1" dirty="0" err="1">
+                <a:effectLst>
+                  <a:glow rad="101600">
+                    <a:schemeClr val="bg1">
+                      <a:alpha val="60000"/>
+                    </a:schemeClr>
+                  </a:glow>
+                </a:effectLst>
+                <a:latin typeface="VNI-Times" pitchFamily="2" charset="0"/>
+                <a:ea typeface="+mj-ea"/>
+                <a:cs typeface="+mj-cs"/>
+              </a:rPr>
+              <a:t>cuøng</a:t>
+            </a:r>
+            <a:r>
+              <a:rPr lang="en-US" sz="6600" b="1" dirty="0">
+                <a:effectLst>
+                  <a:glow rad="101600">
+                    <a:schemeClr val="bg1">
+                      <a:alpha val="60000"/>
+                    </a:schemeClr>
+                  </a:glow>
+                </a:effectLst>
+                <a:latin typeface="VNI-Times" pitchFamily="2" charset="0"/>
+                <a:ea typeface="+mj-ea"/>
+                <a:cs typeface="+mj-cs"/>
+              </a:rPr>
+              <a:t> </a:t>
+            </a:r>
+            <a:r>
+              <a:rPr lang="en-US" sz="6600" b="1" dirty="0" err="1">
+                <a:effectLst>
+                  <a:glow rad="101600">
+                    <a:schemeClr val="bg1">
+                      <a:alpha val="60000"/>
+                    </a:schemeClr>
+                  </a:glow>
+                </a:effectLst>
+                <a:latin typeface="VNI-Times" pitchFamily="2" charset="0"/>
+                <a:ea typeface="+mj-ea"/>
+                <a:cs typeface="+mj-cs"/>
+              </a:rPr>
+              <a:t>nhau</a:t>
+            </a:r>
+            <a:r>
+              <a:rPr lang="en-US" sz="6600" b="1" dirty="0">
+                <a:effectLst>
+                  <a:glow rad="101600">
+                    <a:schemeClr val="bg1">
+                      <a:alpha val="60000"/>
+                    </a:schemeClr>
+                  </a:glow>
+                </a:effectLst>
+                <a:latin typeface="VNI-Times" pitchFamily="2" charset="0"/>
+                <a:ea typeface="+mj-ea"/>
+                <a:cs typeface="+mj-cs"/>
+              </a:rPr>
+              <a:t> </a:t>
+            </a:r>
+            <a:r>
+              <a:rPr lang="en-US" sz="6600" b="1" dirty="0" err="1">
+                <a:effectLst>
+                  <a:glow rad="101600">
+                    <a:schemeClr val="bg1">
+                      <a:alpha val="60000"/>
+                    </a:schemeClr>
+                  </a:glow>
+                </a:effectLst>
+                <a:latin typeface="VNI-Times" pitchFamily="2" charset="0"/>
+                <a:ea typeface="+mj-ea"/>
+                <a:cs typeface="+mj-cs"/>
+              </a:rPr>
+              <a:t>treân</a:t>
+            </a:r>
+            <a:r>
+              <a:rPr lang="en-US" sz="6600" b="1" dirty="0">
+                <a:effectLst>
+                  <a:glow rad="101600">
+                    <a:schemeClr val="bg1">
+                      <a:alpha val="60000"/>
+                    </a:schemeClr>
+                  </a:glow>
+                </a:effectLst>
+                <a:latin typeface="VNI-Times" pitchFamily="2" charset="0"/>
+                <a:ea typeface="+mj-ea"/>
+                <a:cs typeface="+mj-cs"/>
+              </a:rPr>
+              <a:t> con </a:t>
+            </a:r>
+            <a:r>
+              <a:rPr lang="en-US" sz="6600" b="1" dirty="0" err="1">
+                <a:effectLst>
+                  <a:glow rad="101600">
+                    <a:schemeClr val="bg1">
+                      <a:alpha val="60000"/>
+                    </a:schemeClr>
+                  </a:glow>
+                </a:effectLst>
+                <a:latin typeface="VNI-Times" pitchFamily="2" charset="0"/>
+                <a:ea typeface="+mj-ea"/>
+                <a:cs typeface="+mj-cs"/>
+              </a:rPr>
+              <a:t>ñöôøng</a:t>
+            </a:r>
+            <a:r>
+              <a:rPr lang="en-US" sz="6600" b="1" dirty="0">
+                <a:effectLst>
+                  <a:glow rad="101600">
+                    <a:schemeClr val="bg1">
+                      <a:alpha val="60000"/>
+                    </a:schemeClr>
+                  </a:glow>
+                </a:effectLst>
+                <a:latin typeface="VNI-Times" pitchFamily="2" charset="0"/>
+                <a:ea typeface="+mj-ea"/>
+                <a:cs typeface="+mj-cs"/>
+              </a:rPr>
+              <a:t> </a:t>
+            </a:r>
+            <a:r>
+              <a:rPr lang="en-US" sz="6600" b="1" dirty="0" err="1">
+                <a:effectLst>
+                  <a:glow rad="101600">
+                    <a:schemeClr val="bg1">
+                      <a:alpha val="60000"/>
+                    </a:schemeClr>
+                  </a:glow>
+                </a:effectLst>
+                <a:latin typeface="VNI-Times" pitchFamily="2" charset="0"/>
+                <a:ea typeface="+mj-ea"/>
+                <a:cs typeface="+mj-cs"/>
+              </a:rPr>
+              <a:t>thieâng</a:t>
+            </a:r>
+            <a:r>
+              <a:rPr lang="en-US" sz="6600" b="1" dirty="0">
+                <a:effectLst>
+                  <a:glow rad="101600">
+                    <a:schemeClr val="bg1">
+                      <a:alpha val="60000"/>
+                    </a:schemeClr>
+                  </a:glow>
+                </a:effectLst>
+                <a:latin typeface="VNI-Times" pitchFamily="2" charset="0"/>
+                <a:ea typeface="+mj-ea"/>
+                <a:cs typeface="+mj-cs"/>
+              </a:rPr>
+              <a:t> </a:t>
+            </a:r>
+            <a:r>
+              <a:rPr lang="en-US" sz="6600" b="1" dirty="0" err="1">
+                <a:effectLst>
+                  <a:glow rad="101600">
+                    <a:schemeClr val="bg1">
+                      <a:alpha val="60000"/>
+                    </a:schemeClr>
+                  </a:glow>
+                </a:effectLst>
+                <a:latin typeface="VNI-Times" pitchFamily="2" charset="0"/>
+                <a:ea typeface="+mj-ea"/>
+                <a:cs typeface="+mj-cs"/>
+              </a:rPr>
+              <a:t>naêm</a:t>
+            </a:r>
+            <a:r>
+              <a:rPr lang="en-US" sz="6600" b="1" dirty="0">
+                <a:effectLst>
+                  <a:glow rad="101600">
+                    <a:schemeClr val="bg1">
+                      <a:alpha val="60000"/>
+                    </a:schemeClr>
+                  </a:glow>
+                </a:effectLst>
+                <a:latin typeface="VNI-Times" pitchFamily="2" charset="0"/>
+                <a:ea typeface="+mj-ea"/>
+                <a:cs typeface="+mj-cs"/>
+              </a:rPr>
+              <a:t> </a:t>
+            </a:r>
+            <a:r>
+              <a:rPr lang="en-US" sz="6600" b="1" dirty="0" err="1">
+                <a:effectLst>
+                  <a:glow rad="101600">
+                    <a:schemeClr val="bg1">
+                      <a:alpha val="60000"/>
+                    </a:schemeClr>
+                  </a:glow>
+                </a:effectLst>
+                <a:latin typeface="VNI-Times" pitchFamily="2" charset="0"/>
+                <a:ea typeface="+mj-ea"/>
+                <a:cs typeface="+mj-cs"/>
+              </a:rPr>
+              <a:t>môùi</a:t>
+            </a:r>
+            <a:r>
+              <a:rPr lang="en-US" sz="6600" b="1" dirty="0">
+                <a:effectLst>
+                  <a:glow rad="101600">
+                    <a:schemeClr val="bg1">
+                      <a:alpha val="60000"/>
+                    </a:schemeClr>
+                  </a:glow>
+                </a:effectLst>
+                <a:latin typeface="VNI-Times" pitchFamily="2" charset="0"/>
+                <a:ea typeface="+mj-ea"/>
+                <a:cs typeface="+mj-cs"/>
+              </a:rPr>
+              <a:t> </a:t>
+            </a:r>
+            <a:r>
+              <a:rPr lang="en-US" sz="6600" b="1" dirty="0" err="1">
+                <a:effectLst>
+                  <a:glow rad="101600">
+                    <a:schemeClr val="bg1">
+                      <a:alpha val="60000"/>
+                    </a:schemeClr>
+                  </a:glow>
+                </a:effectLst>
+                <a:latin typeface="VNI-Times" pitchFamily="2" charset="0"/>
+                <a:ea typeface="+mj-ea"/>
+                <a:cs typeface="+mj-cs"/>
+              </a:rPr>
+              <a:t>cöù</a:t>
+            </a:r>
+            <a:r>
+              <a:rPr lang="en-US" sz="6600" b="1" dirty="0">
+                <a:effectLst>
+                  <a:glow rad="101600">
+                    <a:schemeClr val="bg1">
+                      <a:alpha val="60000"/>
+                    </a:schemeClr>
+                  </a:glow>
+                </a:effectLst>
+                <a:latin typeface="VNI-Times" pitchFamily="2" charset="0"/>
+                <a:ea typeface="+mj-ea"/>
+                <a:cs typeface="+mj-cs"/>
+              </a:rPr>
+              <a:t> </a:t>
+            </a:r>
+            <a:r>
+              <a:rPr lang="en-US" sz="6600" b="1" dirty="0" err="1">
+                <a:effectLst>
+                  <a:glow rad="101600">
+                    <a:schemeClr val="bg1">
+                      <a:alpha val="60000"/>
+                    </a:schemeClr>
+                  </a:glow>
+                </a:effectLst>
+                <a:latin typeface="VNI-Times" pitchFamily="2" charset="0"/>
+                <a:ea typeface="+mj-ea"/>
+                <a:cs typeface="+mj-cs"/>
+              </a:rPr>
+              <a:t>tieán</a:t>
+            </a:r>
+            <a:r>
+              <a:rPr lang="en-US" sz="6600" b="1" dirty="0">
+                <a:effectLst>
+                  <a:glow rad="101600">
+                    <a:schemeClr val="bg1">
+                      <a:alpha val="60000"/>
+                    </a:schemeClr>
+                  </a:glow>
+                </a:effectLst>
+                <a:latin typeface="VNI-Times" pitchFamily="2" charset="0"/>
+                <a:ea typeface="+mj-ea"/>
+                <a:cs typeface="+mj-cs"/>
+              </a:rPr>
+              <a:t>, </a:t>
             </a:r>
             <a:br>
-              <a:rPr lang="en-US" sz="6600" b="1" smtClean="0">
-                <a:effectLst>
-                  <a:glow rad="101600">
-                    <a:schemeClr val="bg1">
-                      <a:alpha val="60000"/>
-                    </a:schemeClr>
-                  </a:glow>
-                </a:effectLst>
-                <a:latin typeface="HP-Aptima" pitchFamily="34" charset="0"/>
+              <a:rPr lang="en-US" sz="6600" b="1" dirty="0">
+                <a:effectLst>
+                  <a:glow rad="101600">
+                    <a:schemeClr val="bg1">
+                      <a:alpha val="60000"/>
+                    </a:schemeClr>
+                  </a:glow>
+                </a:effectLst>
+                <a:latin typeface="VNI-Times" pitchFamily="2" charset="0"/>
                 <a:ea typeface="+mj-ea"/>
                 <a:cs typeface="+mj-cs"/>
               </a:rPr>
             </a:br>
             <a:r>
-              <a:rPr lang="en-US" sz="6600" b="1" smtClean="0">
-                <a:effectLst>
-                  <a:glow rad="101600">
-                    <a:schemeClr val="bg1">
-                      <a:alpha val="60000"/>
-                    </a:schemeClr>
-                  </a:glow>
-                </a:effectLst>
-                <a:latin typeface="HP-Aptima" pitchFamily="34" charset="0"/>
-                <a:ea typeface="+mj-ea"/>
-                <a:cs typeface="+mj-cs"/>
-              </a:rPr>
-              <a:t>böôùc </a:t>
-            </a:r>
-            <a:r>
-              <a:rPr lang="en-US" sz="6600" b="1">
-                <a:effectLst>
-                  <a:glow rad="101600">
-                    <a:schemeClr val="bg1">
-                      <a:alpha val="60000"/>
-                    </a:schemeClr>
-                  </a:glow>
-                </a:effectLst>
-                <a:latin typeface="HP-Aptima" pitchFamily="34" charset="0"/>
-                <a:ea typeface="+mj-ea"/>
-                <a:cs typeface="+mj-cs"/>
-              </a:rPr>
-              <a:t>chaúng nghieâng, ñöùng vöõng yeân.</a:t>
+              <a:rPr lang="en-US" sz="6600" b="1" dirty="0" err="1">
+                <a:effectLst>
+                  <a:glow rad="101600">
+                    <a:schemeClr val="bg1">
+                      <a:alpha val="60000"/>
+                    </a:schemeClr>
+                  </a:glow>
+                </a:effectLst>
+                <a:latin typeface="VNI-Times" pitchFamily="2" charset="0"/>
+                <a:ea typeface="+mj-ea"/>
+                <a:cs typeface="+mj-cs"/>
+              </a:rPr>
+              <a:t>böôùc</a:t>
+            </a:r>
+            <a:r>
+              <a:rPr lang="en-US" sz="6600" b="1" dirty="0">
+                <a:effectLst>
+                  <a:glow rad="101600">
+                    <a:schemeClr val="bg1">
+                      <a:alpha val="60000"/>
+                    </a:schemeClr>
+                  </a:glow>
+                </a:effectLst>
+                <a:latin typeface="VNI-Times" pitchFamily="2" charset="0"/>
+                <a:ea typeface="+mj-ea"/>
+                <a:cs typeface="+mj-cs"/>
+              </a:rPr>
+              <a:t> </a:t>
+            </a:r>
+            <a:r>
+              <a:rPr lang="en-US" sz="6600" b="1" dirty="0" err="1">
+                <a:effectLst>
+                  <a:glow rad="101600">
+                    <a:schemeClr val="bg1">
+                      <a:alpha val="60000"/>
+                    </a:schemeClr>
+                  </a:glow>
+                </a:effectLst>
+                <a:latin typeface="VNI-Times" pitchFamily="2" charset="0"/>
+                <a:ea typeface="+mj-ea"/>
+                <a:cs typeface="+mj-cs"/>
+              </a:rPr>
+              <a:t>chaúng</a:t>
+            </a:r>
+            <a:r>
+              <a:rPr lang="en-US" sz="6600" b="1" dirty="0">
+                <a:effectLst>
+                  <a:glow rad="101600">
+                    <a:schemeClr val="bg1">
+                      <a:alpha val="60000"/>
+                    </a:schemeClr>
+                  </a:glow>
+                </a:effectLst>
+                <a:latin typeface="VNI-Times" pitchFamily="2" charset="0"/>
+                <a:ea typeface="+mj-ea"/>
+                <a:cs typeface="+mj-cs"/>
+              </a:rPr>
+              <a:t> </a:t>
+            </a:r>
+            <a:r>
+              <a:rPr lang="en-US" sz="6600" b="1" dirty="0" err="1">
+                <a:effectLst>
+                  <a:glow rad="101600">
+                    <a:schemeClr val="bg1">
+                      <a:alpha val="60000"/>
+                    </a:schemeClr>
+                  </a:glow>
+                </a:effectLst>
+                <a:latin typeface="VNI-Times" pitchFamily="2" charset="0"/>
+                <a:ea typeface="+mj-ea"/>
+                <a:cs typeface="+mj-cs"/>
+              </a:rPr>
+              <a:t>nghieâng</a:t>
+            </a:r>
+            <a:r>
+              <a:rPr lang="en-US" sz="6600" b="1" dirty="0">
+                <a:effectLst>
+                  <a:glow rad="101600">
+                    <a:schemeClr val="bg1">
+                      <a:alpha val="60000"/>
+                    </a:schemeClr>
+                  </a:glow>
+                </a:effectLst>
+                <a:latin typeface="VNI-Times" pitchFamily="2" charset="0"/>
+                <a:ea typeface="+mj-ea"/>
+                <a:cs typeface="+mj-cs"/>
+              </a:rPr>
+              <a:t>, </a:t>
+            </a:r>
+            <a:r>
+              <a:rPr lang="en-US" sz="6600" b="1" dirty="0" err="1">
+                <a:effectLst>
+                  <a:glow rad="101600">
+                    <a:schemeClr val="bg1">
+                      <a:alpha val="60000"/>
+                    </a:schemeClr>
+                  </a:glow>
+                </a:effectLst>
+                <a:latin typeface="VNI-Times" pitchFamily="2" charset="0"/>
+                <a:ea typeface="+mj-ea"/>
+                <a:cs typeface="+mj-cs"/>
+              </a:rPr>
+              <a:t>ñöùng</a:t>
+            </a:r>
+            <a:r>
+              <a:rPr lang="en-US" sz="6600" b="1" dirty="0">
+                <a:effectLst>
+                  <a:glow rad="101600">
+                    <a:schemeClr val="bg1">
+                      <a:alpha val="60000"/>
+                    </a:schemeClr>
+                  </a:glow>
+                </a:effectLst>
+                <a:latin typeface="VNI-Times" pitchFamily="2" charset="0"/>
+                <a:ea typeface="+mj-ea"/>
+                <a:cs typeface="+mj-cs"/>
+              </a:rPr>
+              <a:t> </a:t>
+            </a:r>
+            <a:r>
+              <a:rPr lang="en-US" sz="6600" b="1" dirty="0" err="1">
+                <a:effectLst>
+                  <a:glow rad="101600">
+                    <a:schemeClr val="bg1">
+                      <a:alpha val="60000"/>
+                    </a:schemeClr>
+                  </a:glow>
+                </a:effectLst>
+                <a:latin typeface="VNI-Times" pitchFamily="2" charset="0"/>
+                <a:ea typeface="+mj-ea"/>
+                <a:cs typeface="+mj-cs"/>
+              </a:rPr>
+              <a:t>vöõng</a:t>
+            </a:r>
+            <a:r>
+              <a:rPr lang="en-US" sz="6600" b="1" dirty="0">
+                <a:effectLst>
+                  <a:glow rad="101600">
+                    <a:schemeClr val="bg1">
+                      <a:alpha val="60000"/>
+                    </a:schemeClr>
+                  </a:glow>
+                </a:effectLst>
+                <a:latin typeface="VNI-Times" pitchFamily="2" charset="0"/>
+                <a:ea typeface="+mj-ea"/>
+                <a:cs typeface="+mj-cs"/>
+              </a:rPr>
+              <a:t> </a:t>
+            </a:r>
+            <a:r>
+              <a:rPr lang="en-US" sz="6600" b="1" dirty="0" err="1">
+                <a:effectLst>
+                  <a:glow rad="101600">
+                    <a:schemeClr val="bg1">
+                      <a:alpha val="60000"/>
+                    </a:schemeClr>
+                  </a:glow>
+                </a:effectLst>
+                <a:latin typeface="VNI-Times" pitchFamily="2" charset="0"/>
+                <a:ea typeface="+mj-ea"/>
+                <a:cs typeface="+mj-cs"/>
+              </a:rPr>
+              <a:t>yeân</a:t>
+            </a:r>
+            <a:r>
+              <a:rPr lang="en-US" sz="6600" b="1" dirty="0">
+                <a:effectLst>
+                  <a:glow rad="101600">
+                    <a:schemeClr val="bg1">
+                      <a:alpha val="60000"/>
+                    </a:schemeClr>
+                  </a:glow>
+                </a:effectLst>
+                <a:latin typeface="VNI-Times" pitchFamily="2" charset="0"/>
+                <a:ea typeface="+mj-ea"/>
+                <a:cs typeface="+mj-cs"/>
+              </a:rPr>
+              <a:t>.</a:t>
             </a:r>
           </a:p>
         </p:txBody>
@@ -3025,7 +3879,7 @@
               <a:defRPr/>
             </a:pPr>
             <a:r>
-              <a:rPr lang="en-US" sz="3600" b="1" smtClean="0">
+              <a:rPr lang="en-US" sz="3600" b="1" dirty="0">
                 <a:solidFill>
                   <a:srgbClr val="FFFF00"/>
                 </a:solidFill>
@@ -3034,25 +3888,12 @@
                     <a:schemeClr val="tx1"/>
                   </a:glow>
                 </a:effectLst>
-                <a:latin typeface="VNI-Garam" pitchFamily="34" charset="0"/>
+                <a:latin typeface="VNI-Times" pitchFamily="2" charset="0"/>
                 <a:ea typeface="+mj-ea"/>
                 <a:cs typeface="+mj-cs"/>
               </a:rPr>
               <a:t>TC 509  –  NGAØY GIÔØ QUA</a:t>
             </a:r>
-            <a:endParaRPr lang="en-US" sz="3600" b="1">
-              <a:solidFill>
-                <a:srgbClr val="FFFF00"/>
-              </a:solidFill>
-              <a:effectLst>
-                <a:glow rad="101600">
-                  <a:schemeClr val="tx1"/>
-                </a:glow>
-              </a:effectLst>
-              <a:latin typeface="VNI-Garam" pitchFamily="34" charset="0"/>
-              <a:ea typeface="+mj-ea"/>
-              <a:cs typeface="+mj-cs"/>
-            </a:endParaRPr>
           </a:p>
         </p:txBody>
       </p:sp>
@@ -3061,13 +3902,6 @@
   <p:clrMapOvr>
     <a:masterClrMapping/>
   </p:clrMapOvr>
-  <p:timing>
-    <p:tnLst>
-      <p:par>
-        <p:cTn id="1" dur="indefinite" restart="never" nodeType="tmRoot"/>
-      </p:par>
-    </p:tnLst>
-  </p:timing>
 </p:sld>
 </file>
 
@@ -3119,68 +3953,228 @@
               <a:defRPr/>
             </a:pPr>
             <a:r>
-              <a:rPr lang="en-US" sz="4400" b="1" i="1" u="sng" smtClean="0">
-                <a:latin typeface="HP-Aptima" pitchFamily="34" charset="0"/>
-                <a:ea typeface="+mj-ea"/>
-                <a:cs typeface="+mj-cs"/>
-              </a:rPr>
-              <a:t>ÑK</a:t>
-            </a:r>
-            <a:r>
-              <a:rPr lang="en-US" sz="4400" b="1" i="1" u="sng">
-                <a:latin typeface="HP-Aptima" pitchFamily="34" charset="0"/>
-                <a:ea typeface="+mj-ea"/>
-                <a:cs typeface="+mj-cs"/>
-              </a:rPr>
-              <a:t>:</a:t>
-            </a:r>
-            <a:r>
-              <a:rPr lang="en-US" sz="4800" b="1">
-                <a:latin typeface="HP-Aptima" pitchFamily="34" charset="0"/>
-                <a:ea typeface="+mj-ea"/>
-                <a:cs typeface="+mj-cs"/>
-              </a:rPr>
-              <a:t> </a:t>
-            </a:r>
-            <a:r>
-              <a:rPr lang="en-US" sz="6600" b="1">
-                <a:latin typeface="HP-Aptima" pitchFamily="34" charset="0"/>
-                <a:ea typeface="+mj-ea"/>
-                <a:cs typeface="+mj-cs"/>
-              </a:rPr>
-              <a:t>Kìa taân xuaân </a:t>
-            </a:r>
-            <a:r>
-              <a:rPr lang="en-US" sz="6600" b="1" smtClean="0">
-                <a:latin typeface="HP-Aptima" pitchFamily="34" charset="0"/>
-                <a:ea typeface="+mj-ea"/>
-                <a:cs typeface="+mj-cs"/>
-              </a:rPr>
-              <a:t>ñeán </a:t>
-            </a:r>
-            <a:r>
-              <a:rPr lang="en-US" sz="6600" b="1">
-                <a:latin typeface="HP-Aptima" pitchFamily="34" charset="0"/>
-                <a:ea typeface="+mj-ea"/>
-                <a:cs typeface="+mj-cs"/>
-              </a:rPr>
-              <a:t>kia, chim ca </a:t>
-            </a:r>
-            <a:r>
-              <a:rPr lang="en-US" sz="6600" b="1" smtClean="0">
-                <a:latin typeface="HP-Aptima" pitchFamily="34" charset="0"/>
-                <a:ea typeface="+mj-ea"/>
-                <a:cs typeface="+mj-cs"/>
-              </a:rPr>
-              <a:t>hoan nghinh</a:t>
-            </a:r>
-            <a:r>
-              <a:rPr lang="en-US" sz="6600" b="1">
-                <a:latin typeface="HP-Aptima" pitchFamily="34" charset="0"/>
-                <a:ea typeface="+mj-ea"/>
-                <a:cs typeface="+mj-cs"/>
-              </a:rPr>
-              <a:t>, khaép non soâng baùo tin bình minh.</a:t>
+              <a:rPr lang="en-US" sz="4400" b="1" u="sng" dirty="0">
+                <a:latin typeface="VNI-Times" pitchFamily="2" charset="0"/>
+                <a:ea typeface="+mj-ea"/>
+                <a:cs typeface="+mj-cs"/>
+              </a:rPr>
+              <a:t>ÑK:</a:t>
+            </a:r>
+            <a:r>
+              <a:rPr lang="en-US" sz="4800" b="1" dirty="0">
+                <a:latin typeface="VNI-Times" pitchFamily="2" charset="0"/>
+                <a:ea typeface="+mj-ea"/>
+                <a:cs typeface="+mj-cs"/>
+              </a:rPr>
+              <a:t> </a:t>
+            </a:r>
+            <a:r>
+              <a:rPr lang="en-US" sz="6600" b="1" dirty="0" err="1">
+                <a:latin typeface="VNI-Times" pitchFamily="2" charset="0"/>
+                <a:ea typeface="+mj-ea"/>
+                <a:cs typeface="+mj-cs"/>
+              </a:rPr>
+              <a:t>Kìa</a:t>
+            </a:r>
+            <a:r>
+              <a:rPr lang="en-US" sz="6600" b="1" dirty="0">
+                <a:latin typeface="VNI-Times" pitchFamily="2" charset="0"/>
+                <a:ea typeface="+mj-ea"/>
+                <a:cs typeface="+mj-cs"/>
+              </a:rPr>
+              <a:t> </a:t>
+            </a:r>
+            <a:r>
+              <a:rPr lang="en-US" sz="6600" b="1" dirty="0" err="1">
+                <a:latin typeface="VNI-Times" pitchFamily="2" charset="0"/>
+                <a:ea typeface="+mj-ea"/>
+                <a:cs typeface="+mj-cs"/>
+              </a:rPr>
+              <a:t>taân</a:t>
+            </a:r>
+            <a:r>
+              <a:rPr lang="en-US" sz="6600" b="1" dirty="0">
+                <a:latin typeface="VNI-Times" pitchFamily="2" charset="0"/>
+                <a:ea typeface="+mj-ea"/>
+                <a:cs typeface="+mj-cs"/>
+              </a:rPr>
+              <a:t> </a:t>
+            </a:r>
+            <a:r>
+              <a:rPr lang="en-US" sz="6600" b="1" dirty="0" err="1">
+                <a:latin typeface="VNI-Times" pitchFamily="2" charset="0"/>
+                <a:ea typeface="+mj-ea"/>
+                <a:cs typeface="+mj-cs"/>
+              </a:rPr>
+              <a:t>xuaân</a:t>
+            </a:r>
+            <a:r>
+              <a:rPr lang="en-US" sz="6600" b="1" dirty="0">
+                <a:latin typeface="VNI-Times" pitchFamily="2" charset="0"/>
+                <a:ea typeface="+mj-ea"/>
+                <a:cs typeface="+mj-cs"/>
+              </a:rPr>
+              <a:t> </a:t>
+            </a:r>
+            <a:r>
+              <a:rPr lang="en-US" sz="6600" b="1" dirty="0" err="1">
+                <a:latin typeface="VNI-Times" pitchFamily="2" charset="0"/>
+                <a:ea typeface="+mj-ea"/>
+                <a:cs typeface="+mj-cs"/>
+              </a:rPr>
+              <a:t>ñeán</a:t>
+            </a:r>
+            <a:r>
+              <a:rPr lang="en-US" sz="6600" b="1" dirty="0">
+                <a:latin typeface="VNI-Times" pitchFamily="2" charset="0"/>
+                <a:ea typeface="+mj-ea"/>
+                <a:cs typeface="+mj-cs"/>
+              </a:rPr>
+              <a:t> </a:t>
+            </a:r>
+            <a:r>
+              <a:rPr lang="en-US" sz="6600" b="1" dirty="0" err="1">
+                <a:latin typeface="VNI-Times" pitchFamily="2" charset="0"/>
+                <a:ea typeface="+mj-ea"/>
+                <a:cs typeface="+mj-cs"/>
+              </a:rPr>
+              <a:t>kia</a:t>
+            </a:r>
+            <a:r>
+              <a:rPr lang="en-US" sz="6600" b="1" dirty="0">
+                <a:latin typeface="VNI-Times" pitchFamily="2" charset="0"/>
+                <a:ea typeface="+mj-ea"/>
+                <a:cs typeface="+mj-cs"/>
+              </a:rPr>
+              <a:t>, </a:t>
+            </a:r>
+            <a:r>
+              <a:rPr lang="en-US" sz="6600" b="1" dirty="0" err="1">
+                <a:latin typeface="VNI-Times" pitchFamily="2" charset="0"/>
+                <a:ea typeface="+mj-ea"/>
+                <a:cs typeface="+mj-cs"/>
+              </a:rPr>
+              <a:t>chim</a:t>
+            </a:r>
+            <a:r>
+              <a:rPr lang="en-US" sz="6600" b="1" dirty="0">
+                <a:latin typeface="VNI-Times" pitchFamily="2" charset="0"/>
+                <a:ea typeface="+mj-ea"/>
+                <a:cs typeface="+mj-cs"/>
+              </a:rPr>
+              <a:t> ca </a:t>
+            </a:r>
+            <a:r>
+              <a:rPr lang="en-US" sz="6600" b="1" dirty="0" err="1">
+                <a:latin typeface="VNI-Times" pitchFamily="2" charset="0"/>
+                <a:ea typeface="+mj-ea"/>
+                <a:cs typeface="+mj-cs"/>
+              </a:rPr>
+              <a:t>hoan</a:t>
+            </a:r>
+            <a:r>
+              <a:rPr lang="en-US" sz="6600" b="1" dirty="0">
+                <a:latin typeface="VNI-Times" pitchFamily="2" charset="0"/>
+                <a:ea typeface="+mj-ea"/>
+                <a:cs typeface="+mj-cs"/>
+              </a:rPr>
+              <a:t> </a:t>
+            </a:r>
+            <a:r>
+              <a:rPr lang="en-US" sz="6600" b="1" dirty="0" err="1">
+                <a:latin typeface="VNI-Times" pitchFamily="2" charset="0"/>
+                <a:ea typeface="+mj-ea"/>
+                <a:cs typeface="+mj-cs"/>
+              </a:rPr>
+              <a:t>nghinh</a:t>
+            </a:r>
+            <a:r>
+              <a:rPr lang="en-US" sz="6600" b="1" dirty="0">
+                <a:latin typeface="VNI-Times" pitchFamily="2" charset="0"/>
+                <a:ea typeface="+mj-ea"/>
+                <a:cs typeface="+mj-cs"/>
+              </a:rPr>
+              <a:t>, </a:t>
+            </a:r>
+            <a:r>
+              <a:rPr lang="en-US" sz="6600" b="1" dirty="0" err="1">
+                <a:latin typeface="VNI-Times" pitchFamily="2" charset="0"/>
+                <a:ea typeface="+mj-ea"/>
+                <a:cs typeface="+mj-cs"/>
+              </a:rPr>
+              <a:t>khaép</a:t>
+            </a:r>
+            <a:r>
+              <a:rPr lang="en-US" sz="6600" b="1" dirty="0">
+                <a:latin typeface="VNI-Times" pitchFamily="2" charset="0"/>
+                <a:ea typeface="+mj-ea"/>
+                <a:cs typeface="+mj-cs"/>
+              </a:rPr>
+              <a:t> non </a:t>
+            </a:r>
+            <a:r>
+              <a:rPr lang="en-US" sz="6600" b="1" dirty="0" err="1">
+                <a:latin typeface="VNI-Times" pitchFamily="2" charset="0"/>
+                <a:ea typeface="+mj-ea"/>
+                <a:cs typeface="+mj-cs"/>
+              </a:rPr>
+              <a:t>soâng</a:t>
+            </a:r>
+            <a:r>
+              <a:rPr lang="en-US" sz="6600" b="1" dirty="0">
+                <a:latin typeface="VNI-Times" pitchFamily="2" charset="0"/>
+                <a:ea typeface="+mj-ea"/>
+                <a:cs typeface="+mj-cs"/>
+              </a:rPr>
+              <a:t> </a:t>
+            </a:r>
+            <a:r>
+              <a:rPr lang="en-US" sz="6600" b="1" dirty="0" err="1">
+                <a:latin typeface="VNI-Times" pitchFamily="2" charset="0"/>
+                <a:ea typeface="+mj-ea"/>
+                <a:cs typeface="+mj-cs"/>
+              </a:rPr>
+              <a:t>baùo</a:t>
+            </a:r>
+            <a:r>
+              <a:rPr lang="en-US" sz="6600" b="1" dirty="0">
+                <a:latin typeface="VNI-Times" pitchFamily="2" charset="0"/>
+                <a:ea typeface="+mj-ea"/>
+                <a:cs typeface="+mj-cs"/>
+              </a:rPr>
+              <a:t> tin </a:t>
+            </a:r>
+            <a:r>
+              <a:rPr lang="en-US" sz="6600" b="1" dirty="0" err="1">
+                <a:latin typeface="VNI-Times" pitchFamily="2" charset="0"/>
+                <a:ea typeface="+mj-ea"/>
+                <a:cs typeface="+mj-cs"/>
+              </a:rPr>
+              <a:t>bình</a:t>
+            </a:r>
+            <a:r>
+              <a:rPr lang="en-US" sz="6600" b="1" dirty="0">
+                <a:latin typeface="VNI-Times" pitchFamily="2" charset="0"/>
+                <a:ea typeface="+mj-ea"/>
+                <a:cs typeface="+mj-cs"/>
+              </a:rPr>
+              <a:t> </a:t>
+            </a:r>
+            <a:r>
+              <a:rPr lang="en-US" sz="6600" b="1" dirty="0" err="1">
+                <a:latin typeface="VNI-Times" pitchFamily="2" charset="0"/>
+                <a:ea typeface="+mj-ea"/>
+                <a:cs typeface="+mj-cs"/>
+              </a:rPr>
+              <a:t>minh</a:t>
+            </a:r>
+            <a:r>
+              <a:rPr lang="en-US" sz="6600" b="1" dirty="0">
+                <a:latin typeface="VNI-Times" pitchFamily="2" charset="0"/>
+                <a:ea typeface="+mj-ea"/>
+                <a:cs typeface="+mj-cs"/>
+              </a:rPr>
+              <a:t>.</a:t>
             </a:r>
           </a:p>
         </p:txBody>
@@ -3221,7 +4215,7 @@
               <a:defRPr/>
             </a:pPr>
             <a:r>
-              <a:rPr lang="en-US" sz="3600" b="1" smtClean="0">
+              <a:rPr lang="en-US" sz="3600" b="1" dirty="0">
                 <a:solidFill>
                   <a:srgbClr val="FFFF00"/>
                 </a:solidFill>
@@ -3230,25 +4224,12 @@
                     <a:schemeClr val="tx1"/>
                   </a:glow>
                 </a:effectLst>
-                <a:latin typeface="VNI-Garam" pitchFamily="34" charset="0"/>
+                <a:latin typeface="VNI-Times" pitchFamily="2" charset="0"/>
                 <a:ea typeface="+mj-ea"/>
                 <a:cs typeface="+mj-cs"/>
               </a:rPr>
               <a:t>TC 509  –  NGAØY GIÔØ QUA</a:t>
             </a:r>
-            <a:endParaRPr lang="en-US" sz="3600" b="1">
-              <a:solidFill>
-                <a:srgbClr val="FFFF00"/>
-              </a:solidFill>
-              <a:effectLst>
-                <a:glow rad="101600">
-                  <a:schemeClr val="tx1"/>
-                </a:glow>
-              </a:effectLst>
-              <a:latin typeface="VNI-Garam" pitchFamily="34" charset="0"/>
-              <a:ea typeface="+mj-ea"/>
-              <a:cs typeface="+mj-cs"/>
-            </a:endParaRPr>
           </a:p>
         </p:txBody>
       </p:sp>
@@ -3262,13 +4243,6 @@
   <p:clrMapOvr>
     <a:masterClrMapping/>
   </p:clrMapOvr>
-  <p:timing>
-    <p:tnLst>
-      <p:par>
-        <p:cTn id="1" dur="indefinite" restart="never" nodeType="tmRoot"/>
-      </p:par>
-    </p:tnLst>
-  </p:timing>
 </p:sld>
 </file>
 
@@ -3320,59 +4294,235 @@
               <a:defRPr/>
             </a:pPr>
             <a:r>
-              <a:rPr lang="en-US" sz="6600" b="1">
-                <a:latin typeface="HP-Aptima" pitchFamily="34" charset="0"/>
-                <a:ea typeface="+mj-ea"/>
-                <a:cs typeface="+mj-cs"/>
-              </a:rPr>
-              <a:t>Cuøng nhau ta soáng vui trong ôn quang vinh, </a:t>
-            </a:r>
-            <a:r>
-              <a:rPr lang="en-US" sz="6600" b="1" smtClean="0">
-                <a:latin typeface="HP-Aptima" pitchFamily="34" charset="0"/>
-                <a:ea typeface="+mj-ea"/>
-                <a:cs typeface="+mj-cs"/>
-              </a:rPr>
-              <a:t>chuùc </a:t>
-            </a:r>
-            <a:r>
-              <a:rPr lang="en-US" sz="6600" b="1">
-                <a:latin typeface="HP-Aptima" pitchFamily="34" charset="0"/>
-                <a:ea typeface="+mj-ea"/>
-                <a:cs typeface="+mj-cs"/>
-              </a:rPr>
-              <a:t>cho nhau, </a:t>
-            </a:r>
-            <a:r>
-              <a:rPr lang="en-US" sz="6600" b="1" smtClean="0">
-                <a:latin typeface="HP-Aptima" pitchFamily="34" charset="0"/>
-                <a:ea typeface="+mj-ea"/>
-                <a:cs typeface="+mj-cs"/>
-              </a:rPr>
-              <a:t/>
+              <a:rPr lang="en-US" sz="6600" b="1" dirty="0" err="1">
+                <a:latin typeface="VNI-Times" pitchFamily="2" charset="0"/>
+                <a:ea typeface="+mj-ea"/>
+                <a:cs typeface="+mj-cs"/>
+              </a:rPr>
+              <a:t>Cuøng</a:t>
+            </a:r>
+            <a:r>
+              <a:rPr lang="en-US" sz="6600" b="1" dirty="0">
+                <a:latin typeface="VNI-Times" pitchFamily="2" charset="0"/>
+                <a:ea typeface="+mj-ea"/>
+                <a:cs typeface="+mj-cs"/>
+              </a:rPr>
+              <a:t> </a:t>
+            </a:r>
+            <a:r>
+              <a:rPr lang="en-US" sz="6600" b="1" dirty="0" err="1">
+                <a:latin typeface="VNI-Times" pitchFamily="2" charset="0"/>
+                <a:ea typeface="+mj-ea"/>
+                <a:cs typeface="+mj-cs"/>
+              </a:rPr>
+              <a:t>nhau</a:t>
+            </a:r>
+            <a:r>
+              <a:rPr lang="en-US" sz="6600" b="1" dirty="0">
+                <a:latin typeface="VNI-Times" pitchFamily="2" charset="0"/>
+                <a:ea typeface="+mj-ea"/>
+                <a:cs typeface="+mj-cs"/>
+              </a:rPr>
+              <a:t> ta </a:t>
+            </a:r>
+            <a:r>
+              <a:rPr lang="en-US" sz="6600" b="1" dirty="0" err="1">
+                <a:latin typeface="VNI-Times" pitchFamily="2" charset="0"/>
+                <a:ea typeface="+mj-ea"/>
+                <a:cs typeface="+mj-cs"/>
+              </a:rPr>
+              <a:t>soáng</a:t>
+            </a:r>
+            <a:r>
+              <a:rPr lang="en-US" sz="6600" b="1" dirty="0">
+                <a:latin typeface="VNI-Times" pitchFamily="2" charset="0"/>
+                <a:ea typeface="+mj-ea"/>
+                <a:cs typeface="+mj-cs"/>
+              </a:rPr>
+              <a:t> </a:t>
+            </a:r>
+            <a:r>
+              <a:rPr lang="en-US" sz="6600" b="1" dirty="0" err="1">
+                <a:latin typeface="VNI-Times" pitchFamily="2" charset="0"/>
+                <a:ea typeface="+mj-ea"/>
+                <a:cs typeface="+mj-cs"/>
+              </a:rPr>
+              <a:t>vui</a:t>
+            </a:r>
+            <a:r>
+              <a:rPr lang="en-US" sz="6600" b="1" dirty="0">
+                <a:latin typeface="VNI-Times" pitchFamily="2" charset="0"/>
+                <a:ea typeface="+mj-ea"/>
+                <a:cs typeface="+mj-cs"/>
+              </a:rPr>
+              <a:t> </a:t>
+            </a:r>
+            <a:r>
+              <a:rPr lang="en-US" sz="6600" b="1" dirty="0" err="1">
+                <a:latin typeface="VNI-Times" pitchFamily="2" charset="0"/>
+                <a:ea typeface="+mj-ea"/>
+                <a:cs typeface="+mj-cs"/>
+              </a:rPr>
+              <a:t>trong</a:t>
+            </a:r>
+            <a:r>
+              <a:rPr lang="en-US" sz="6600" b="1" dirty="0">
+                <a:latin typeface="VNI-Times" pitchFamily="2" charset="0"/>
+                <a:ea typeface="+mj-ea"/>
+                <a:cs typeface="+mj-cs"/>
+              </a:rPr>
+              <a:t> </a:t>
+            </a:r>
+            <a:r>
+              <a:rPr lang="en-US" sz="6600" b="1" dirty="0" err="1">
+                <a:latin typeface="VNI-Times" pitchFamily="2" charset="0"/>
+                <a:ea typeface="+mj-ea"/>
+                <a:cs typeface="+mj-cs"/>
+              </a:rPr>
+              <a:t>ôn</a:t>
+            </a:r>
+            <a:r>
+              <a:rPr lang="en-US" sz="6600" b="1" dirty="0">
+                <a:latin typeface="VNI-Times" pitchFamily="2" charset="0"/>
+                <a:ea typeface="+mj-ea"/>
+                <a:cs typeface="+mj-cs"/>
+              </a:rPr>
+              <a:t> </a:t>
+            </a:r>
+            <a:r>
+              <a:rPr lang="en-US" sz="6600" b="1" dirty="0" err="1">
+                <a:latin typeface="VNI-Times" pitchFamily="2" charset="0"/>
+                <a:ea typeface="+mj-ea"/>
+                <a:cs typeface="+mj-cs"/>
+              </a:rPr>
+              <a:t>quang</a:t>
+            </a:r>
+            <a:r>
+              <a:rPr lang="en-US" sz="6600" b="1" dirty="0">
+                <a:latin typeface="VNI-Times" pitchFamily="2" charset="0"/>
+                <a:ea typeface="+mj-ea"/>
+                <a:cs typeface="+mj-cs"/>
+              </a:rPr>
+              <a:t> </a:t>
+            </a:r>
+            <a:r>
+              <a:rPr lang="en-US" sz="6600" b="1" dirty="0" err="1">
+                <a:latin typeface="VNI-Times" pitchFamily="2" charset="0"/>
+                <a:ea typeface="+mj-ea"/>
+                <a:cs typeface="+mj-cs"/>
+              </a:rPr>
+              <a:t>vinh</a:t>
+            </a:r>
+            <a:r>
+              <a:rPr lang="en-US" sz="6600" b="1" dirty="0">
+                <a:latin typeface="VNI-Times" pitchFamily="2" charset="0"/>
+                <a:ea typeface="+mj-ea"/>
+                <a:cs typeface="+mj-cs"/>
+              </a:rPr>
+              <a:t>, </a:t>
+            </a:r>
+            <a:r>
+              <a:rPr lang="en-US" sz="6600" b="1" dirty="0" err="1">
+                <a:latin typeface="VNI-Times" pitchFamily="2" charset="0"/>
+                <a:ea typeface="+mj-ea"/>
+                <a:cs typeface="+mj-cs"/>
+              </a:rPr>
+              <a:t>chuùc</a:t>
+            </a:r>
+            <a:r>
+              <a:rPr lang="en-US" sz="6600" b="1" dirty="0">
+                <a:latin typeface="VNI-Times" pitchFamily="2" charset="0"/>
+                <a:ea typeface="+mj-ea"/>
+                <a:cs typeface="+mj-cs"/>
+              </a:rPr>
+              <a:t> </a:t>
+            </a:r>
+            <a:r>
+              <a:rPr lang="en-US" sz="6600" b="1" dirty="0" err="1">
+                <a:latin typeface="VNI-Times" pitchFamily="2" charset="0"/>
+                <a:ea typeface="+mj-ea"/>
+                <a:cs typeface="+mj-cs"/>
+              </a:rPr>
+              <a:t>cho</a:t>
+            </a:r>
+            <a:r>
+              <a:rPr lang="en-US" sz="6600" b="1" dirty="0">
+                <a:latin typeface="VNI-Times" pitchFamily="2" charset="0"/>
+                <a:ea typeface="+mj-ea"/>
+                <a:cs typeface="+mj-cs"/>
+              </a:rPr>
+              <a:t> </a:t>
+            </a:r>
+            <a:r>
+              <a:rPr lang="en-US" sz="6600" b="1" dirty="0" err="1">
+                <a:latin typeface="VNI-Times" pitchFamily="2" charset="0"/>
+                <a:ea typeface="+mj-ea"/>
+                <a:cs typeface="+mj-cs"/>
+              </a:rPr>
+              <a:t>nhau</a:t>
+            </a:r>
+            <a:r>
+              <a:rPr lang="en-US" sz="6600" b="1" dirty="0">
+                <a:latin typeface="VNI-Times" pitchFamily="2" charset="0"/>
+                <a:ea typeface="+mj-ea"/>
+                <a:cs typeface="+mj-cs"/>
+              </a:rPr>
+              <a:t>, </a:t>
             </a:r>
             <a:br>
-              <a:rPr lang="en-US" sz="6600" b="1" smtClean="0">
-                <a:latin typeface="HP-Aptima" pitchFamily="34" charset="0"/>
+              <a:rPr lang="en-US" sz="6600" b="1" dirty="0">
+                <a:latin typeface="VNI-Times" pitchFamily="2" charset="0"/>
                 <a:ea typeface="+mj-ea"/>
                 <a:cs typeface="+mj-cs"/>
               </a:rPr>
             </a:br>
             <a:r>
-              <a:rPr lang="en-US" sz="6600" b="1" smtClean="0">
-                <a:latin typeface="HP-Aptima" pitchFamily="34" charset="0"/>
-                <a:ea typeface="+mj-ea"/>
-                <a:cs typeface="+mj-cs"/>
-              </a:rPr>
-              <a:t>khuùc </a:t>
-            </a:r>
-            <a:r>
-              <a:rPr lang="en-US" sz="6600" b="1">
-                <a:latin typeface="HP-Aptima" pitchFamily="34" charset="0"/>
-                <a:ea typeface="+mj-ea"/>
-                <a:cs typeface="+mj-cs"/>
-              </a:rPr>
-              <a:t>ca vónh sinh.</a:t>
+              <a:rPr lang="en-US" sz="6600" b="1" dirty="0" err="1">
+                <a:latin typeface="VNI-Times" pitchFamily="2" charset="0"/>
+                <a:ea typeface="+mj-ea"/>
+                <a:cs typeface="+mj-cs"/>
+              </a:rPr>
+              <a:t>khuùc</a:t>
+            </a:r>
+            <a:r>
+              <a:rPr lang="en-US" sz="6600" b="1" dirty="0">
+                <a:latin typeface="VNI-Times" pitchFamily="2" charset="0"/>
+                <a:ea typeface="+mj-ea"/>
+                <a:cs typeface="+mj-cs"/>
+              </a:rPr>
+              <a:t> ca </a:t>
+            </a:r>
+            <a:r>
+              <a:rPr lang="en-US" sz="6600" b="1" dirty="0" err="1">
+                <a:latin typeface="VNI-Times" pitchFamily="2" charset="0"/>
+                <a:ea typeface="+mj-ea"/>
+                <a:cs typeface="+mj-cs"/>
+              </a:rPr>
+              <a:t>vónh</a:t>
+            </a:r>
+            <a:r>
+              <a:rPr lang="en-US" sz="6600" b="1" dirty="0">
+                <a:latin typeface="VNI-Times" pitchFamily="2" charset="0"/>
+                <a:ea typeface="+mj-ea"/>
+                <a:cs typeface="+mj-cs"/>
+              </a:rPr>
+              <a:t> </a:t>
+            </a:r>
+            <a:r>
+              <a:rPr lang="en-US" sz="6600" b="1" dirty="0" err="1">
+                <a:latin typeface="VNI-Times" pitchFamily="2" charset="0"/>
+                <a:ea typeface="+mj-ea"/>
+                <a:cs typeface="+mj-cs"/>
+              </a:rPr>
+              <a:t>sinh</a:t>
+            </a:r>
+            <a:r>
+              <a:rPr lang="en-US" sz="6600" b="1" dirty="0">
+                <a:latin typeface="VNI-Times" pitchFamily="2" charset="0"/>
+                <a:ea typeface="+mj-ea"/>
+                <a:cs typeface="+mj-cs"/>
+              </a:rPr>
+              <a:t>.</a:t>
             </a:r>
           </a:p>
         </p:txBody>
@@ -3413,7 +4563,7 @@
               <a:defRPr/>
             </a:pPr>
             <a:r>
-              <a:rPr lang="en-US" sz="3600" b="1" smtClean="0">
+              <a:rPr lang="en-US" sz="3600" b="1" dirty="0">
                 <a:solidFill>
                   <a:srgbClr val="FFFF00"/>
                 </a:solidFill>
@@ -3422,25 +4572,12 @@
                     <a:schemeClr val="tx1"/>
                   </a:glow>
                 </a:effectLst>
-                <a:latin typeface="VNI-Garam" pitchFamily="34" charset="0"/>
+                <a:latin typeface="VNI-Times" pitchFamily="2" charset="0"/>
                 <a:ea typeface="+mj-ea"/>
                 <a:cs typeface="+mj-cs"/>
               </a:rPr>
               <a:t>TC 509  –  NGAØY GIÔØ QUA</a:t>
             </a:r>
-            <a:endParaRPr lang="en-US" sz="3600" b="1">
-              <a:solidFill>
-                <a:srgbClr val="FFFF00"/>
-              </a:solidFill>
-              <a:effectLst>
-                <a:glow rad="101600">
-                  <a:schemeClr val="tx1"/>
-                </a:glow>
-              </a:effectLst>
-              <a:latin typeface="VNI-Garam" pitchFamily="34" charset="0"/>
-              <a:ea typeface="+mj-ea"/>
-              <a:cs typeface="+mj-cs"/>
-            </a:endParaRPr>
           </a:p>
         </p:txBody>
       </p:sp>
@@ -3454,13 +4591,6 @@
   <p:clrMapOvr>
     <a:masterClrMapping/>
   </p:clrMapOvr>
-  <p:timing>
-    <p:tnLst>
-      <p:par>
-        <p:cTn id="1" dur="indefinite" restart="never" nodeType="tmRoot"/>
-      </p:par>
-    </p:tnLst>
-  </p:timing>
 </p:sld>
 </file>
 
@@ -3512,178 +4642,553 @@
               <a:defRPr/>
             </a:pPr>
             <a:r>
-              <a:rPr lang="en-US" sz="4400" b="1">
-                <a:effectLst>
-                  <a:glow rad="101600">
-                    <a:schemeClr val="bg1">
-                      <a:alpha val="60000"/>
-                    </a:schemeClr>
-                  </a:glow>
-                </a:effectLst>
-                <a:latin typeface="HP-Aptima" pitchFamily="34" charset="0"/>
+              <a:rPr lang="en-US" sz="4400" b="1" dirty="0">
+                <a:effectLst>
+                  <a:glow rad="101600">
+                    <a:schemeClr val="bg1">
+                      <a:alpha val="60000"/>
+                    </a:schemeClr>
+                  </a:glow>
+                </a:effectLst>
+                <a:latin typeface="VNI-Times" pitchFamily="2" charset="0"/>
                 <a:ea typeface="+mj-ea"/>
                 <a:cs typeface="+mj-cs"/>
               </a:rPr>
               <a:t>4. </a:t>
             </a:r>
             <a:r>
-              <a:rPr lang="en-US" sz="6600" b="1">
-                <a:effectLst>
-                  <a:glow rad="101600">
-                    <a:schemeClr val="bg1">
-                      <a:alpha val="60000"/>
-                    </a:schemeClr>
-                  </a:glow>
-                </a:effectLst>
-                <a:latin typeface="HP-Aptima" pitchFamily="34" charset="0"/>
-                <a:ea typeface="+mj-ea"/>
-                <a:cs typeface="+mj-cs"/>
-              </a:rPr>
-              <a:t>Kìa vöôøn lan </a:t>
-            </a:r>
-            <a:r>
-              <a:rPr lang="en-US" sz="6600" b="1" smtClean="0">
-                <a:effectLst>
-                  <a:glow rad="101600">
-                    <a:schemeClr val="bg1">
-                      <a:alpha val="60000"/>
-                    </a:schemeClr>
-                  </a:glow>
-                </a:effectLst>
-                <a:latin typeface="HP-Aptima" pitchFamily="34" charset="0"/>
-                <a:ea typeface="+mj-ea"/>
-                <a:cs typeface="+mj-cs"/>
-              </a:rPr>
-              <a:t>töôi xanh</a:t>
-            </a:r>
-            <a:r>
-              <a:rPr lang="en-US" sz="6600" b="1">
-                <a:effectLst>
-                  <a:glow rad="101600">
-                    <a:schemeClr val="bg1">
-                      <a:alpha val="60000"/>
-                    </a:schemeClr>
-                  </a:glow>
-                </a:effectLst>
-                <a:latin typeface="HP-Aptima" pitchFamily="34" charset="0"/>
-                <a:ea typeface="+mj-ea"/>
-                <a:cs typeface="+mj-cs"/>
-              </a:rPr>
-              <a:t>, kìa söông mai chieáu loùng laùnh, </a:t>
-            </a:r>
-            <a:r>
-              <a:rPr lang="en-US" sz="6600" b="1" smtClean="0">
-                <a:effectLst>
-                  <a:glow rad="101600">
-                    <a:schemeClr val="bg1">
-                      <a:alpha val="60000"/>
-                    </a:schemeClr>
-                  </a:glow>
-                </a:effectLst>
-                <a:latin typeface="HP-Aptima" pitchFamily="34" charset="0"/>
-                <a:ea typeface="+mj-ea"/>
-                <a:cs typeface="+mj-cs"/>
-              </a:rPr>
-              <a:t/>
+              <a:rPr lang="en-US" sz="6600" b="1" dirty="0" err="1">
+                <a:effectLst>
+                  <a:glow rad="101600">
+                    <a:schemeClr val="bg1">
+                      <a:alpha val="60000"/>
+                    </a:schemeClr>
+                  </a:glow>
+                </a:effectLst>
+                <a:latin typeface="VNI-Times" pitchFamily="2" charset="0"/>
+                <a:ea typeface="+mj-ea"/>
+                <a:cs typeface="+mj-cs"/>
+              </a:rPr>
+              <a:t>Kìa</a:t>
+            </a:r>
+            <a:r>
+              <a:rPr lang="en-US" sz="6600" b="1" dirty="0">
+                <a:effectLst>
+                  <a:glow rad="101600">
+                    <a:schemeClr val="bg1">
+                      <a:alpha val="60000"/>
+                    </a:schemeClr>
+                  </a:glow>
+                </a:effectLst>
+                <a:latin typeface="VNI-Times" pitchFamily="2" charset="0"/>
+                <a:ea typeface="+mj-ea"/>
+                <a:cs typeface="+mj-cs"/>
+              </a:rPr>
+              <a:t> </a:t>
+            </a:r>
+            <a:r>
+              <a:rPr lang="en-US" sz="6600" b="1" dirty="0" err="1">
+                <a:effectLst>
+                  <a:glow rad="101600">
+                    <a:schemeClr val="bg1">
+                      <a:alpha val="60000"/>
+                    </a:schemeClr>
+                  </a:glow>
+                </a:effectLst>
+                <a:latin typeface="VNI-Times" pitchFamily="2" charset="0"/>
+                <a:ea typeface="+mj-ea"/>
+                <a:cs typeface="+mj-cs"/>
+              </a:rPr>
+              <a:t>vöôøn</a:t>
+            </a:r>
+            <a:r>
+              <a:rPr lang="en-US" sz="6600" b="1" dirty="0">
+                <a:effectLst>
+                  <a:glow rad="101600">
+                    <a:schemeClr val="bg1">
+                      <a:alpha val="60000"/>
+                    </a:schemeClr>
+                  </a:glow>
+                </a:effectLst>
+                <a:latin typeface="VNI-Times" pitchFamily="2" charset="0"/>
+                <a:ea typeface="+mj-ea"/>
+                <a:cs typeface="+mj-cs"/>
+              </a:rPr>
+              <a:t> </a:t>
+            </a:r>
+            <a:r>
+              <a:rPr lang="en-US" sz="6600" b="1" dirty="0" err="1">
+                <a:effectLst>
+                  <a:glow rad="101600">
+                    <a:schemeClr val="bg1">
+                      <a:alpha val="60000"/>
+                    </a:schemeClr>
+                  </a:glow>
+                </a:effectLst>
+                <a:latin typeface="VNI-Times" pitchFamily="2" charset="0"/>
+                <a:ea typeface="+mj-ea"/>
+                <a:cs typeface="+mj-cs"/>
+              </a:rPr>
+              <a:t>lan</a:t>
+            </a:r>
+            <a:r>
+              <a:rPr lang="en-US" sz="6600" b="1" dirty="0">
+                <a:effectLst>
+                  <a:glow rad="101600">
+                    <a:schemeClr val="bg1">
+                      <a:alpha val="60000"/>
+                    </a:schemeClr>
+                  </a:glow>
+                </a:effectLst>
+                <a:latin typeface="VNI-Times" pitchFamily="2" charset="0"/>
+                <a:ea typeface="+mj-ea"/>
+                <a:cs typeface="+mj-cs"/>
+              </a:rPr>
+              <a:t> </a:t>
+            </a:r>
+            <a:r>
+              <a:rPr lang="en-US" sz="6600" b="1" dirty="0" err="1">
+                <a:effectLst>
+                  <a:glow rad="101600">
+                    <a:schemeClr val="bg1">
+                      <a:alpha val="60000"/>
+                    </a:schemeClr>
+                  </a:glow>
+                </a:effectLst>
+                <a:latin typeface="VNI-Times" pitchFamily="2" charset="0"/>
+                <a:ea typeface="+mj-ea"/>
+                <a:cs typeface="+mj-cs"/>
+              </a:rPr>
+              <a:t>töôi</a:t>
+            </a:r>
+            <a:r>
+              <a:rPr lang="en-US" sz="6600" b="1" dirty="0">
+                <a:effectLst>
+                  <a:glow rad="101600">
+                    <a:schemeClr val="bg1">
+                      <a:alpha val="60000"/>
+                    </a:schemeClr>
+                  </a:glow>
+                </a:effectLst>
+                <a:latin typeface="VNI-Times" pitchFamily="2" charset="0"/>
+                <a:ea typeface="+mj-ea"/>
+                <a:cs typeface="+mj-cs"/>
+              </a:rPr>
+              <a:t> </a:t>
+            </a:r>
+            <a:r>
+              <a:rPr lang="en-US" sz="6600" b="1" dirty="0" err="1">
+                <a:effectLst>
+                  <a:glow rad="101600">
+                    <a:schemeClr val="bg1">
+                      <a:alpha val="60000"/>
+                    </a:schemeClr>
+                  </a:glow>
+                </a:effectLst>
+                <a:latin typeface="VNI-Times" pitchFamily="2" charset="0"/>
+                <a:ea typeface="+mj-ea"/>
+                <a:cs typeface="+mj-cs"/>
+              </a:rPr>
+              <a:t>xanh</a:t>
+            </a:r>
+            <a:r>
+              <a:rPr lang="en-US" sz="6600" b="1" dirty="0">
+                <a:effectLst>
+                  <a:glow rad="101600">
+                    <a:schemeClr val="bg1">
+                      <a:alpha val="60000"/>
+                    </a:schemeClr>
+                  </a:glow>
+                </a:effectLst>
+                <a:latin typeface="VNI-Times" pitchFamily="2" charset="0"/>
+                <a:ea typeface="+mj-ea"/>
+                <a:cs typeface="+mj-cs"/>
+              </a:rPr>
+              <a:t>, </a:t>
+            </a:r>
+            <a:r>
+              <a:rPr lang="en-US" sz="6600" b="1" dirty="0" err="1">
+                <a:effectLst>
+                  <a:glow rad="101600">
+                    <a:schemeClr val="bg1">
+                      <a:alpha val="60000"/>
+                    </a:schemeClr>
+                  </a:glow>
+                </a:effectLst>
+                <a:latin typeface="VNI-Times" pitchFamily="2" charset="0"/>
+                <a:ea typeface="+mj-ea"/>
+                <a:cs typeface="+mj-cs"/>
+              </a:rPr>
+              <a:t>kìa</a:t>
+            </a:r>
+            <a:r>
+              <a:rPr lang="en-US" sz="6600" b="1" dirty="0">
+                <a:effectLst>
+                  <a:glow rad="101600">
+                    <a:schemeClr val="bg1">
+                      <a:alpha val="60000"/>
+                    </a:schemeClr>
+                  </a:glow>
+                </a:effectLst>
+                <a:latin typeface="VNI-Times" pitchFamily="2" charset="0"/>
+                <a:ea typeface="+mj-ea"/>
+                <a:cs typeface="+mj-cs"/>
+              </a:rPr>
+              <a:t> </a:t>
+            </a:r>
+            <a:r>
+              <a:rPr lang="en-US" sz="6600" b="1" dirty="0" err="1">
+                <a:effectLst>
+                  <a:glow rad="101600">
+                    <a:schemeClr val="bg1">
+                      <a:alpha val="60000"/>
+                    </a:schemeClr>
+                  </a:glow>
+                </a:effectLst>
+                <a:latin typeface="VNI-Times" pitchFamily="2" charset="0"/>
+                <a:ea typeface="+mj-ea"/>
+                <a:cs typeface="+mj-cs"/>
+              </a:rPr>
+              <a:t>söông</a:t>
+            </a:r>
+            <a:r>
+              <a:rPr lang="en-US" sz="6600" b="1" dirty="0">
+                <a:effectLst>
+                  <a:glow rad="101600">
+                    <a:schemeClr val="bg1">
+                      <a:alpha val="60000"/>
+                    </a:schemeClr>
+                  </a:glow>
+                </a:effectLst>
+                <a:latin typeface="VNI-Times" pitchFamily="2" charset="0"/>
+                <a:ea typeface="+mj-ea"/>
+                <a:cs typeface="+mj-cs"/>
+              </a:rPr>
+              <a:t> </a:t>
+            </a:r>
+            <a:r>
+              <a:rPr lang="en-US" sz="6600" b="1" dirty="0" err="1">
+                <a:effectLst>
+                  <a:glow rad="101600">
+                    <a:schemeClr val="bg1">
+                      <a:alpha val="60000"/>
+                    </a:schemeClr>
+                  </a:glow>
+                </a:effectLst>
+                <a:latin typeface="VNI-Times" pitchFamily="2" charset="0"/>
+                <a:ea typeface="+mj-ea"/>
+                <a:cs typeface="+mj-cs"/>
+              </a:rPr>
+              <a:t>mai</a:t>
+            </a:r>
+            <a:r>
+              <a:rPr lang="en-US" sz="6600" b="1" dirty="0">
+                <a:effectLst>
+                  <a:glow rad="101600">
+                    <a:schemeClr val="bg1">
+                      <a:alpha val="60000"/>
+                    </a:schemeClr>
+                  </a:glow>
+                </a:effectLst>
+                <a:latin typeface="VNI-Times" pitchFamily="2" charset="0"/>
+                <a:ea typeface="+mj-ea"/>
+                <a:cs typeface="+mj-cs"/>
+              </a:rPr>
+              <a:t> </a:t>
+            </a:r>
+            <a:r>
+              <a:rPr lang="en-US" sz="6600" b="1" dirty="0" err="1">
+                <a:effectLst>
+                  <a:glow rad="101600">
+                    <a:schemeClr val="bg1">
+                      <a:alpha val="60000"/>
+                    </a:schemeClr>
+                  </a:glow>
+                </a:effectLst>
+                <a:latin typeface="VNI-Times" pitchFamily="2" charset="0"/>
+                <a:ea typeface="+mj-ea"/>
+                <a:cs typeface="+mj-cs"/>
+              </a:rPr>
+              <a:t>chieáu</a:t>
+            </a:r>
+            <a:r>
+              <a:rPr lang="en-US" sz="6600" b="1" dirty="0">
+                <a:effectLst>
+                  <a:glow rad="101600">
+                    <a:schemeClr val="bg1">
+                      <a:alpha val="60000"/>
+                    </a:schemeClr>
+                  </a:glow>
+                </a:effectLst>
+                <a:latin typeface="VNI-Times" pitchFamily="2" charset="0"/>
+                <a:ea typeface="+mj-ea"/>
+                <a:cs typeface="+mj-cs"/>
+              </a:rPr>
+              <a:t> </a:t>
+            </a:r>
+            <a:r>
+              <a:rPr lang="en-US" sz="6600" b="1" dirty="0" err="1">
+                <a:effectLst>
+                  <a:glow rad="101600">
+                    <a:schemeClr val="bg1">
+                      <a:alpha val="60000"/>
+                    </a:schemeClr>
+                  </a:glow>
+                </a:effectLst>
+                <a:latin typeface="VNI-Times" pitchFamily="2" charset="0"/>
+                <a:ea typeface="+mj-ea"/>
+                <a:cs typeface="+mj-cs"/>
+              </a:rPr>
+              <a:t>loùng</a:t>
+            </a:r>
+            <a:r>
+              <a:rPr lang="en-US" sz="6600" b="1" dirty="0">
+                <a:effectLst>
+                  <a:glow rad="101600">
+                    <a:schemeClr val="bg1">
+                      <a:alpha val="60000"/>
+                    </a:schemeClr>
+                  </a:glow>
+                </a:effectLst>
+                <a:latin typeface="VNI-Times" pitchFamily="2" charset="0"/>
+                <a:ea typeface="+mj-ea"/>
+                <a:cs typeface="+mj-cs"/>
+              </a:rPr>
+              <a:t> </a:t>
+            </a:r>
+            <a:r>
+              <a:rPr lang="en-US" sz="6600" b="1" dirty="0" err="1">
+                <a:effectLst>
+                  <a:glow rad="101600">
+                    <a:schemeClr val="bg1">
+                      <a:alpha val="60000"/>
+                    </a:schemeClr>
+                  </a:glow>
+                </a:effectLst>
+                <a:latin typeface="VNI-Times" pitchFamily="2" charset="0"/>
+                <a:ea typeface="+mj-ea"/>
+                <a:cs typeface="+mj-cs"/>
+              </a:rPr>
+              <a:t>laùnh</a:t>
+            </a:r>
+            <a:r>
+              <a:rPr lang="en-US" sz="6600" b="1" dirty="0">
+                <a:effectLst>
+                  <a:glow rad="101600">
+                    <a:schemeClr val="bg1">
+                      <a:alpha val="60000"/>
+                    </a:schemeClr>
+                  </a:glow>
+                </a:effectLst>
+                <a:latin typeface="VNI-Times" pitchFamily="2" charset="0"/>
+                <a:ea typeface="+mj-ea"/>
+                <a:cs typeface="+mj-cs"/>
+              </a:rPr>
+              <a:t>, </a:t>
             </a:r>
             <a:br>
-              <a:rPr lang="en-US" sz="6600" b="1" smtClean="0">
-                <a:effectLst>
-                  <a:glow rad="101600">
-                    <a:schemeClr val="bg1">
-                      <a:alpha val="60000"/>
-                    </a:schemeClr>
-                  </a:glow>
-                </a:effectLst>
-                <a:latin typeface="HP-Aptima" pitchFamily="34" charset="0"/>
+              <a:rPr lang="en-US" sz="6600" b="1" dirty="0">
+                <a:effectLst>
+                  <a:glow rad="101600">
+                    <a:schemeClr val="bg1">
+                      <a:alpha val="60000"/>
+                    </a:schemeClr>
+                  </a:glow>
+                </a:effectLst>
+                <a:latin typeface="VNI-Times" pitchFamily="2" charset="0"/>
                 <a:ea typeface="+mj-ea"/>
                 <a:cs typeface="+mj-cs"/>
               </a:rPr>
             </a:br>
             <a:r>
-              <a:rPr lang="en-US" sz="6600" b="1" smtClean="0">
-                <a:effectLst>
-                  <a:glow rad="101600">
-                    <a:schemeClr val="bg1">
-                      <a:alpha val="60000"/>
-                    </a:schemeClr>
-                  </a:glow>
-                </a:effectLst>
-                <a:latin typeface="HP-Aptima" pitchFamily="34" charset="0"/>
-                <a:ea typeface="+mj-ea"/>
-                <a:cs typeface="+mj-cs"/>
-              </a:rPr>
-              <a:t>caûnh </a:t>
-            </a:r>
-            <a:r>
-              <a:rPr lang="en-US" sz="6600" b="1">
-                <a:effectLst>
-                  <a:glow rad="101600">
-                    <a:schemeClr val="bg1">
-                      <a:alpha val="60000"/>
-                    </a:schemeClr>
-                  </a:glow>
-                </a:effectLst>
-                <a:latin typeface="HP-Aptima" pitchFamily="34" charset="0"/>
-                <a:ea typeface="+mj-ea"/>
-                <a:cs typeface="+mj-cs"/>
-              </a:rPr>
-              <a:t>tuù thanh, </a:t>
-            </a:r>
-            <a:r>
-              <a:rPr lang="en-US" sz="6600" b="1" smtClean="0">
-                <a:effectLst>
-                  <a:glow rad="101600">
-                    <a:schemeClr val="bg1">
-                      <a:alpha val="60000"/>
-                    </a:schemeClr>
-                  </a:glow>
-                </a:effectLst>
-                <a:latin typeface="HP-Aptima" pitchFamily="34" charset="0"/>
-                <a:ea typeface="+mj-ea"/>
-                <a:cs typeface="+mj-cs"/>
-              </a:rPr>
-              <a:t/>
+              <a:rPr lang="en-US" sz="6600" b="1" dirty="0" err="1">
+                <a:effectLst>
+                  <a:glow rad="101600">
+                    <a:schemeClr val="bg1">
+                      <a:alpha val="60000"/>
+                    </a:schemeClr>
+                  </a:glow>
+                </a:effectLst>
+                <a:latin typeface="VNI-Times" pitchFamily="2" charset="0"/>
+                <a:ea typeface="+mj-ea"/>
+                <a:cs typeface="+mj-cs"/>
+              </a:rPr>
+              <a:t>caûnh</a:t>
+            </a:r>
+            <a:r>
+              <a:rPr lang="en-US" sz="6600" b="1" dirty="0">
+                <a:effectLst>
+                  <a:glow rad="101600">
+                    <a:schemeClr val="bg1">
+                      <a:alpha val="60000"/>
+                    </a:schemeClr>
+                  </a:glow>
+                </a:effectLst>
+                <a:latin typeface="VNI-Times" pitchFamily="2" charset="0"/>
+                <a:ea typeface="+mj-ea"/>
+                <a:cs typeface="+mj-cs"/>
+              </a:rPr>
+              <a:t> </a:t>
+            </a:r>
+            <a:r>
+              <a:rPr lang="en-US" sz="6600" b="1" dirty="0" err="1">
+                <a:effectLst>
+                  <a:glow rad="101600">
+                    <a:schemeClr val="bg1">
+                      <a:alpha val="60000"/>
+                    </a:schemeClr>
+                  </a:glow>
+                </a:effectLst>
+                <a:latin typeface="VNI-Times" pitchFamily="2" charset="0"/>
+                <a:ea typeface="+mj-ea"/>
+                <a:cs typeface="+mj-cs"/>
+              </a:rPr>
+              <a:t>tuù</a:t>
+            </a:r>
+            <a:r>
+              <a:rPr lang="en-US" sz="6600" b="1" dirty="0">
+                <a:effectLst>
+                  <a:glow rad="101600">
+                    <a:schemeClr val="bg1">
+                      <a:alpha val="60000"/>
+                    </a:schemeClr>
+                  </a:glow>
+                </a:effectLst>
+                <a:latin typeface="VNI-Times" pitchFamily="2" charset="0"/>
+                <a:ea typeface="+mj-ea"/>
+                <a:cs typeface="+mj-cs"/>
+              </a:rPr>
+              <a:t> </a:t>
+            </a:r>
+            <a:r>
+              <a:rPr lang="en-US" sz="6600" b="1" dirty="0" err="1">
+                <a:effectLst>
+                  <a:glow rad="101600">
+                    <a:schemeClr val="bg1">
+                      <a:alpha val="60000"/>
+                    </a:schemeClr>
+                  </a:glow>
+                </a:effectLst>
+                <a:latin typeface="VNI-Times" pitchFamily="2" charset="0"/>
+                <a:ea typeface="+mj-ea"/>
+                <a:cs typeface="+mj-cs"/>
+              </a:rPr>
+              <a:t>thanh</a:t>
+            </a:r>
+            <a:r>
+              <a:rPr lang="en-US" sz="6600" b="1" dirty="0">
+                <a:effectLst>
+                  <a:glow rad="101600">
+                    <a:schemeClr val="bg1">
+                      <a:alpha val="60000"/>
+                    </a:schemeClr>
+                  </a:glow>
+                </a:effectLst>
+                <a:latin typeface="VNI-Times" pitchFamily="2" charset="0"/>
+                <a:ea typeface="+mj-ea"/>
+                <a:cs typeface="+mj-cs"/>
+              </a:rPr>
+              <a:t>, </a:t>
             </a:r>
             <a:br>
-              <a:rPr lang="en-US" sz="6600" b="1" smtClean="0">
-                <a:effectLst>
-                  <a:glow rad="101600">
-                    <a:schemeClr val="bg1">
-                      <a:alpha val="60000"/>
-                    </a:schemeClr>
-                  </a:glow>
-                </a:effectLst>
-                <a:latin typeface="HP-Aptima" pitchFamily="34" charset="0"/>
+              <a:rPr lang="en-US" sz="6600" b="1" dirty="0">
+                <a:effectLst>
+                  <a:glow rad="101600">
+                    <a:schemeClr val="bg1">
+                      <a:alpha val="60000"/>
+                    </a:schemeClr>
+                  </a:glow>
+                </a:effectLst>
+                <a:latin typeface="VNI-Times" pitchFamily="2" charset="0"/>
                 <a:ea typeface="+mj-ea"/>
                 <a:cs typeface="+mj-cs"/>
               </a:rPr>
             </a:br>
             <a:r>
-              <a:rPr lang="en-US" sz="6600" b="1" smtClean="0">
-                <a:effectLst>
-                  <a:glow rad="101600">
-                    <a:schemeClr val="bg1">
-                      <a:alpha val="60000"/>
-                    </a:schemeClr>
-                  </a:glow>
-                </a:effectLst>
-                <a:latin typeface="HP-Aptima" pitchFamily="34" charset="0"/>
-                <a:ea typeface="+mj-ea"/>
-                <a:cs typeface="+mj-cs"/>
-              </a:rPr>
-              <a:t>aùnh vónh sanh</a:t>
-            </a:r>
-            <a:r>
-              <a:rPr lang="en-US" sz="6600" b="1">
-                <a:effectLst>
-                  <a:glow rad="101600">
-                    <a:schemeClr val="bg1">
-                      <a:alpha val="60000"/>
-                    </a:schemeClr>
-                  </a:glow>
-                </a:effectLst>
-                <a:latin typeface="HP-Aptima" pitchFamily="34" charset="0"/>
+              <a:rPr lang="en-US" sz="6600" b="1" dirty="0" err="1">
+                <a:effectLst>
+                  <a:glow rad="101600">
+                    <a:schemeClr val="bg1">
+                      <a:alpha val="60000"/>
+                    </a:schemeClr>
+                  </a:glow>
+                </a:effectLst>
+                <a:latin typeface="VNI-Times" pitchFamily="2" charset="0"/>
+                <a:ea typeface="+mj-ea"/>
+                <a:cs typeface="+mj-cs"/>
+              </a:rPr>
+              <a:t>aùnh</a:t>
+            </a:r>
+            <a:r>
+              <a:rPr lang="en-US" sz="6600" b="1" dirty="0">
+                <a:effectLst>
+                  <a:glow rad="101600">
+                    <a:schemeClr val="bg1">
+                      <a:alpha val="60000"/>
+                    </a:schemeClr>
+                  </a:glow>
+                </a:effectLst>
+                <a:latin typeface="VNI-Times" pitchFamily="2" charset="0"/>
+                <a:ea typeface="+mj-ea"/>
+                <a:cs typeface="+mj-cs"/>
+              </a:rPr>
+              <a:t> </a:t>
+            </a:r>
+            <a:r>
+              <a:rPr lang="en-US" sz="6600" b="1" dirty="0" err="1">
+                <a:effectLst>
+                  <a:glow rad="101600">
+                    <a:schemeClr val="bg1">
+                      <a:alpha val="60000"/>
+                    </a:schemeClr>
+                  </a:glow>
+                </a:effectLst>
+                <a:latin typeface="VNI-Times" pitchFamily="2" charset="0"/>
+                <a:ea typeface="+mj-ea"/>
+                <a:cs typeface="+mj-cs"/>
+              </a:rPr>
+              <a:t>vónh</a:t>
+            </a:r>
+            <a:r>
+              <a:rPr lang="en-US" sz="6600" b="1" dirty="0">
+                <a:effectLst>
+                  <a:glow rad="101600">
+                    <a:schemeClr val="bg1">
+                      <a:alpha val="60000"/>
+                    </a:schemeClr>
+                  </a:glow>
+                </a:effectLst>
+                <a:latin typeface="VNI-Times" pitchFamily="2" charset="0"/>
+                <a:ea typeface="+mj-ea"/>
+                <a:cs typeface="+mj-cs"/>
+              </a:rPr>
+              <a:t> </a:t>
+            </a:r>
+            <a:r>
+              <a:rPr lang="en-US" sz="6600" b="1" dirty="0" err="1">
+                <a:effectLst>
+                  <a:glow rad="101600">
+                    <a:schemeClr val="bg1">
+                      <a:alpha val="60000"/>
+                    </a:schemeClr>
+                  </a:glow>
+                </a:effectLst>
+                <a:latin typeface="VNI-Times" pitchFamily="2" charset="0"/>
+                <a:ea typeface="+mj-ea"/>
+                <a:cs typeface="+mj-cs"/>
+              </a:rPr>
+              <a:t>sanh</a:t>
+            </a:r>
+            <a:r>
+              <a:rPr lang="en-US" sz="6600" b="1" dirty="0">
+                <a:effectLst>
+                  <a:glow rad="101600">
+                    <a:schemeClr val="bg1">
+                      <a:alpha val="60000"/>
+                    </a:schemeClr>
+                  </a:glow>
+                </a:effectLst>
+                <a:latin typeface="VNI-Times" pitchFamily="2" charset="0"/>
                 <a:ea typeface="+mj-ea"/>
                 <a:cs typeface="+mj-cs"/>
               </a:rPr>
@@ -3700,7 +5205,7 @@
               </a:spcAft>
               <a:defRPr/>
             </a:pPr>
-            <a:endParaRPr lang="en-US" sz="6600" b="1">
+            <a:endParaRPr lang="en-US" sz="6600" b="1" dirty="0">
               <a:effectLst>
                 <a:glow rad="101600">
                   <a:schemeClr val="bg1">
@@ -3708,7 +5213,7 @@
                   </a:schemeClr>
                 </a:glow>
               </a:effectLst>
-              <a:latin typeface="HP-Aptima" pitchFamily="34" charset="0"/>
+              <a:latin typeface="VNI-Times" pitchFamily="2" charset="0"/>
               <a:ea typeface="+mj-ea"/>
               <a:cs typeface="+mj-cs"/>
             </a:endParaRPr>
@@ -3751,7 +5256,7 @@
               <a:defRPr/>
             </a:pPr>
             <a:r>
-              <a:rPr lang="en-US" sz="3600" b="1" smtClean="0">
+              <a:rPr lang="en-US" sz="3600" b="1" dirty="0">
                 <a:solidFill>
                   <a:srgbClr val="FFFF00"/>
                 </a:solidFill>
@@ -3760,25 +5265,12 @@
                     <a:schemeClr val="tx1"/>
                   </a:glow>
                 </a:effectLst>
-                <a:latin typeface="VNI-Garam" pitchFamily="34" charset="0"/>
+                <a:latin typeface="VNI-Times" pitchFamily="2" charset="0"/>
                 <a:ea typeface="+mj-ea"/>
                 <a:cs typeface="+mj-cs"/>
               </a:rPr>
               <a:t>TC 509  –  NGAØY GIÔØ QUA</a:t>
             </a:r>
-            <a:endParaRPr lang="en-US" sz="3600" b="1">
-              <a:solidFill>
-                <a:srgbClr val="FFFF00"/>
-              </a:solidFill>
-              <a:effectLst>
-                <a:glow rad="101600">
-                  <a:schemeClr val="tx1"/>
-                </a:glow>
-              </a:effectLst>
-              <a:latin typeface="VNI-Garam" pitchFamily="34" charset="0"/>
-              <a:ea typeface="+mj-ea"/>
-              <a:cs typeface="+mj-cs"/>
-            </a:endParaRPr>
           </a:p>
         </p:txBody>
       </p:sp>
@@ -3787,13 +5279,6 @@
   <p:clrMapOvr>
     <a:masterClrMapping/>
   </p:clrMapOvr>
-  <p:timing>
-    <p:tnLst>
-      <p:par>
-        <p:cTn id="1" dur="indefinite" restart="never" nodeType="tmRoot"/>
-      </p:par>
-    </p:tnLst>
-  </p:timing>
 </p:sld>
 </file>
 
@@ -3845,224 +5330,512 @@
               <a:defRPr/>
             </a:pPr>
             <a:r>
-              <a:rPr lang="en-US" sz="6600" b="1">
-                <a:effectLst>
-                  <a:glow rad="101600">
-                    <a:schemeClr val="bg1">
-                      <a:alpha val="60000"/>
-                    </a:schemeClr>
-                  </a:glow>
-                </a:effectLst>
-                <a:latin typeface="HP-Aptima" pitchFamily="34" charset="0"/>
-                <a:ea typeface="+mj-ea"/>
-                <a:cs typeface="+mj-cs"/>
-              </a:rPr>
-              <a:t>Cuøng möøng </a:t>
-            </a:r>
-            <a:r>
-              <a:rPr lang="en-US" sz="6600" b="1" smtClean="0">
-                <a:effectLst>
-                  <a:glow rad="101600">
-                    <a:schemeClr val="bg1">
-                      <a:alpha val="60000"/>
-                    </a:schemeClr>
-                  </a:glow>
-                </a:effectLst>
-                <a:latin typeface="HP-Aptima" pitchFamily="34" charset="0"/>
-                <a:ea typeface="+mj-ea"/>
-                <a:cs typeface="+mj-cs"/>
-              </a:rPr>
-              <a:t>xuaân, </a:t>
-            </a:r>
-            <a:r>
-              <a:rPr lang="en-US" sz="6600" b="1">
-                <a:effectLst>
-                  <a:glow rad="101600">
-                    <a:schemeClr val="bg1">
-                      <a:alpha val="60000"/>
-                    </a:schemeClr>
-                  </a:glow>
-                </a:effectLst>
-                <a:latin typeface="HP-Aptima" pitchFamily="34" charset="0"/>
-                <a:ea typeface="+mj-ea"/>
-                <a:cs typeface="+mj-cs"/>
-              </a:rPr>
-              <a:t/>
+              <a:rPr lang="en-US" sz="6600" b="1" dirty="0" err="1">
+                <a:effectLst>
+                  <a:glow rad="101600">
+                    <a:schemeClr val="bg1">
+                      <a:alpha val="60000"/>
+                    </a:schemeClr>
+                  </a:glow>
+                </a:effectLst>
+                <a:latin typeface="VNI-Times" pitchFamily="2" charset="0"/>
+                <a:ea typeface="+mj-ea"/>
+                <a:cs typeface="+mj-cs"/>
+              </a:rPr>
+              <a:t>Cuøng</a:t>
+            </a:r>
+            <a:r>
+              <a:rPr lang="en-US" sz="6600" b="1" dirty="0">
+                <a:effectLst>
+                  <a:glow rad="101600">
+                    <a:schemeClr val="bg1">
+                      <a:alpha val="60000"/>
+                    </a:schemeClr>
+                  </a:glow>
+                </a:effectLst>
+                <a:latin typeface="VNI-Times" pitchFamily="2" charset="0"/>
+                <a:ea typeface="+mj-ea"/>
+                <a:cs typeface="+mj-cs"/>
+              </a:rPr>
+              <a:t> </a:t>
+            </a:r>
+            <a:r>
+              <a:rPr lang="en-US" sz="6600" b="1" dirty="0" err="1">
+                <a:effectLst>
+                  <a:glow rad="101600">
+                    <a:schemeClr val="bg1">
+                      <a:alpha val="60000"/>
+                    </a:schemeClr>
+                  </a:glow>
+                </a:effectLst>
+                <a:latin typeface="VNI-Times" pitchFamily="2" charset="0"/>
+                <a:ea typeface="+mj-ea"/>
+                <a:cs typeface="+mj-cs"/>
+              </a:rPr>
+              <a:t>möøng</a:t>
+            </a:r>
+            <a:r>
+              <a:rPr lang="en-US" sz="6600" b="1" dirty="0">
+                <a:effectLst>
+                  <a:glow rad="101600">
+                    <a:schemeClr val="bg1">
+                      <a:alpha val="60000"/>
+                    </a:schemeClr>
+                  </a:glow>
+                </a:effectLst>
+                <a:latin typeface="VNI-Times" pitchFamily="2" charset="0"/>
+                <a:ea typeface="+mj-ea"/>
+                <a:cs typeface="+mj-cs"/>
+              </a:rPr>
+              <a:t> </a:t>
+            </a:r>
+            <a:r>
+              <a:rPr lang="en-US" sz="6600" b="1" dirty="0" err="1">
+                <a:effectLst>
+                  <a:glow rad="101600">
+                    <a:schemeClr val="bg1">
+                      <a:alpha val="60000"/>
+                    </a:schemeClr>
+                  </a:glow>
+                </a:effectLst>
+                <a:latin typeface="VNI-Times" pitchFamily="2" charset="0"/>
+                <a:ea typeface="+mj-ea"/>
+                <a:cs typeface="+mj-cs"/>
+              </a:rPr>
+              <a:t>xuaân</a:t>
+            </a:r>
+            <a:r>
+              <a:rPr lang="en-US" sz="6600" b="1" dirty="0">
+                <a:effectLst>
+                  <a:glow rad="101600">
+                    <a:schemeClr val="bg1">
+                      <a:alpha val="60000"/>
+                    </a:schemeClr>
+                  </a:glow>
+                </a:effectLst>
+                <a:latin typeface="VNI-Times" pitchFamily="2" charset="0"/>
+                <a:ea typeface="+mj-ea"/>
+                <a:cs typeface="+mj-cs"/>
+              </a:rPr>
+              <a:t>, </a:t>
             </a:r>
             <a:br>
-              <a:rPr lang="en-US" sz="6600" b="1">
-                <a:effectLst>
-                  <a:glow rad="101600">
-                    <a:schemeClr val="bg1">
-                      <a:alpha val="60000"/>
-                    </a:schemeClr>
-                  </a:glow>
-                </a:effectLst>
-                <a:latin typeface="HP-Aptima" pitchFamily="34" charset="0"/>
+              <a:rPr lang="en-US" sz="6600" b="1" dirty="0">
+                <a:effectLst>
+                  <a:glow rad="101600">
+                    <a:schemeClr val="bg1">
+                      <a:alpha val="60000"/>
+                    </a:schemeClr>
+                  </a:glow>
+                </a:effectLst>
+                <a:latin typeface="VNI-Times" pitchFamily="2" charset="0"/>
                 <a:ea typeface="+mj-ea"/>
                 <a:cs typeface="+mj-cs"/>
               </a:rPr>
             </a:br>
             <a:r>
-              <a:rPr lang="en-US" sz="6600" b="1">
-                <a:effectLst>
-                  <a:glow rad="101600">
-                    <a:schemeClr val="bg1">
-                      <a:alpha val="60000"/>
-                    </a:schemeClr>
-                  </a:glow>
-                </a:effectLst>
-                <a:latin typeface="HP-Aptima" pitchFamily="34" charset="0"/>
-                <a:ea typeface="+mj-ea"/>
-                <a:cs typeface="+mj-cs"/>
-              </a:rPr>
-              <a:t>ta vui hoøa thanh ca </a:t>
+              <a:rPr lang="en-US" sz="6600" b="1" dirty="0">
+                <a:effectLst>
+                  <a:glow rad="101600">
+                    <a:schemeClr val="bg1">
+                      <a:alpha val="60000"/>
+                    </a:schemeClr>
+                  </a:glow>
+                </a:effectLst>
+                <a:latin typeface="VNI-Times" pitchFamily="2" charset="0"/>
+                <a:ea typeface="+mj-ea"/>
+                <a:cs typeface="+mj-cs"/>
+              </a:rPr>
+              <a:t>ta </a:t>
+            </a:r>
+            <a:r>
+              <a:rPr lang="en-US" sz="6600" b="1" dirty="0" err="1">
+                <a:effectLst>
+                  <a:glow rad="101600">
+                    <a:schemeClr val="bg1">
+                      <a:alpha val="60000"/>
+                    </a:schemeClr>
+                  </a:glow>
+                </a:effectLst>
+                <a:latin typeface="VNI-Times" pitchFamily="2" charset="0"/>
+                <a:ea typeface="+mj-ea"/>
+                <a:cs typeface="+mj-cs"/>
+              </a:rPr>
+              <a:t>vui</a:t>
+            </a:r>
+            <a:r>
+              <a:rPr lang="en-US" sz="6600" b="1" dirty="0">
+                <a:effectLst>
+                  <a:glow rad="101600">
+                    <a:schemeClr val="bg1">
+                      <a:alpha val="60000"/>
+                    </a:schemeClr>
+                  </a:glow>
+                </a:effectLst>
+                <a:latin typeface="VNI-Times" pitchFamily="2" charset="0"/>
+                <a:ea typeface="+mj-ea"/>
+                <a:cs typeface="+mj-cs"/>
+              </a:rPr>
+              <a:t> </a:t>
+            </a:r>
+            <a:r>
+              <a:rPr lang="en-US" sz="6600" b="1" dirty="0" err="1">
+                <a:effectLst>
+                  <a:glow rad="101600">
+                    <a:schemeClr val="bg1">
+                      <a:alpha val="60000"/>
+                    </a:schemeClr>
+                  </a:glow>
+                </a:effectLst>
+                <a:latin typeface="VNI-Times" pitchFamily="2" charset="0"/>
+                <a:ea typeface="+mj-ea"/>
+                <a:cs typeface="+mj-cs"/>
+              </a:rPr>
+              <a:t>hoøa</a:t>
+            </a:r>
+            <a:r>
+              <a:rPr lang="en-US" sz="6600" b="1" dirty="0">
+                <a:effectLst>
+                  <a:glow rad="101600">
+                    <a:schemeClr val="bg1">
+                      <a:alpha val="60000"/>
+                    </a:schemeClr>
+                  </a:glow>
+                </a:effectLst>
+                <a:latin typeface="VNI-Times" pitchFamily="2" charset="0"/>
+                <a:ea typeface="+mj-ea"/>
+                <a:cs typeface="+mj-cs"/>
+              </a:rPr>
+              <a:t> </a:t>
+            </a:r>
+            <a:r>
+              <a:rPr lang="en-US" sz="6600" b="1" dirty="0" err="1">
+                <a:effectLst>
+                  <a:glow rad="101600">
+                    <a:schemeClr val="bg1">
+                      <a:alpha val="60000"/>
+                    </a:schemeClr>
+                  </a:glow>
+                </a:effectLst>
+                <a:latin typeface="VNI-Times" pitchFamily="2" charset="0"/>
+                <a:ea typeface="+mj-ea"/>
+                <a:cs typeface="+mj-cs"/>
+              </a:rPr>
+              <a:t>thanh</a:t>
+            </a:r>
+            <a:r>
+              <a:rPr lang="en-US" sz="6600" b="1" dirty="0">
+                <a:effectLst>
+                  <a:glow rad="101600">
+                    <a:schemeClr val="bg1">
+                      <a:alpha val="60000"/>
+                    </a:schemeClr>
+                  </a:glow>
+                </a:effectLst>
+                <a:latin typeface="VNI-Times" pitchFamily="2" charset="0"/>
+                <a:ea typeface="+mj-ea"/>
+                <a:cs typeface="+mj-cs"/>
+              </a:rPr>
+              <a:t> ca </a:t>
             </a:r>
             <a:br>
-              <a:rPr lang="en-US" sz="6600" b="1">
-                <a:effectLst>
-                  <a:glow rad="101600">
-                    <a:schemeClr val="bg1">
-                      <a:alpha val="60000"/>
-                    </a:schemeClr>
-                  </a:glow>
-                </a:effectLst>
-                <a:latin typeface="HP-Aptima" pitchFamily="34" charset="0"/>
+              <a:rPr lang="en-US" sz="6600" b="1" dirty="0">
+                <a:effectLst>
+                  <a:glow rad="101600">
+                    <a:schemeClr val="bg1">
+                      <a:alpha val="60000"/>
+                    </a:schemeClr>
+                  </a:glow>
+                </a:effectLst>
+                <a:latin typeface="VNI-Times" pitchFamily="2" charset="0"/>
                 <a:ea typeface="+mj-ea"/>
                 <a:cs typeface="+mj-cs"/>
               </a:rPr>
             </a:br>
             <a:r>
-              <a:rPr lang="en-US" sz="6600" b="1">
-                <a:effectLst>
-                  <a:glow rad="101600">
-                    <a:schemeClr val="bg1">
-                      <a:alpha val="60000"/>
-                    </a:schemeClr>
-                  </a:glow>
-                </a:effectLst>
-                <a:latin typeface="HP-Aptima" pitchFamily="34" charset="0"/>
-                <a:ea typeface="+mj-ea"/>
-                <a:cs typeface="+mj-cs"/>
-              </a:rPr>
-              <a:t>khuùc phöôùc </a:t>
-            </a:r>
-            <a:r>
-              <a:rPr lang="en-US" sz="6600" b="1" smtClean="0">
-                <a:effectLst>
-                  <a:glow rad="101600">
-                    <a:schemeClr val="bg1">
-                      <a:alpha val="60000"/>
-                    </a:schemeClr>
-                  </a:glow>
-                </a:effectLst>
-                <a:latin typeface="HP-Aptima" pitchFamily="34" charset="0"/>
-                <a:ea typeface="+mj-ea"/>
-                <a:cs typeface="+mj-cs"/>
-              </a:rPr>
-              <a:t>khaùnh, </a:t>
-            </a:r>
-            <a:r>
-              <a:rPr lang="en-US" sz="6600" b="1">
-                <a:effectLst>
-                  <a:glow rad="101600">
-                    <a:schemeClr val="bg1">
-                      <a:alpha val="60000"/>
-                    </a:schemeClr>
-                  </a:glow>
-                </a:effectLst>
-                <a:latin typeface="HP-Aptima" pitchFamily="34" charset="0"/>
-                <a:ea typeface="+mj-ea"/>
-                <a:cs typeface="+mj-cs"/>
-              </a:rPr>
-              <a:t>Chuùa vónh sanh, </a:t>
-            </a:r>
-            <a:r>
-              <a:rPr lang="en-US" sz="6600" b="1" smtClean="0">
-                <a:effectLst>
-                  <a:glow rad="101600">
-                    <a:schemeClr val="bg1">
-                      <a:alpha val="60000"/>
-                    </a:schemeClr>
-                  </a:glow>
-                </a:effectLst>
-                <a:latin typeface="HP-Aptima" pitchFamily="34" charset="0"/>
-                <a:ea typeface="+mj-ea"/>
-                <a:cs typeface="+mj-cs"/>
-              </a:rPr>
-              <a:t/>
+              <a:rPr lang="en-US" sz="6600" b="1" dirty="0" err="1">
+                <a:effectLst>
+                  <a:glow rad="101600">
+                    <a:schemeClr val="bg1">
+                      <a:alpha val="60000"/>
+                    </a:schemeClr>
+                  </a:glow>
+                </a:effectLst>
+                <a:latin typeface="VNI-Times" pitchFamily="2" charset="0"/>
+                <a:ea typeface="+mj-ea"/>
+                <a:cs typeface="+mj-cs"/>
+              </a:rPr>
+              <a:t>khuùc</a:t>
+            </a:r>
+            <a:r>
+              <a:rPr lang="en-US" sz="6600" b="1" dirty="0">
+                <a:effectLst>
+                  <a:glow rad="101600">
+                    <a:schemeClr val="bg1">
+                      <a:alpha val="60000"/>
+                    </a:schemeClr>
+                  </a:glow>
+                </a:effectLst>
+                <a:latin typeface="VNI-Times" pitchFamily="2" charset="0"/>
+                <a:ea typeface="+mj-ea"/>
+                <a:cs typeface="+mj-cs"/>
+              </a:rPr>
+              <a:t> </a:t>
+            </a:r>
+            <a:r>
+              <a:rPr lang="en-US" sz="6600" b="1" dirty="0" err="1">
+                <a:effectLst>
+                  <a:glow rad="101600">
+                    <a:schemeClr val="bg1">
+                      <a:alpha val="60000"/>
+                    </a:schemeClr>
+                  </a:glow>
+                </a:effectLst>
+                <a:latin typeface="VNI-Times" pitchFamily="2" charset="0"/>
+                <a:ea typeface="+mj-ea"/>
+                <a:cs typeface="+mj-cs"/>
+              </a:rPr>
+              <a:t>phöôùc</a:t>
+            </a:r>
+            <a:r>
+              <a:rPr lang="en-US" sz="6600" b="1" dirty="0">
+                <a:effectLst>
+                  <a:glow rad="101600">
+                    <a:schemeClr val="bg1">
+                      <a:alpha val="60000"/>
+                    </a:schemeClr>
+                  </a:glow>
+                </a:effectLst>
+                <a:latin typeface="VNI-Times" pitchFamily="2" charset="0"/>
+                <a:ea typeface="+mj-ea"/>
+                <a:cs typeface="+mj-cs"/>
+              </a:rPr>
+              <a:t> </a:t>
+            </a:r>
+            <a:r>
+              <a:rPr lang="en-US" sz="6600" b="1" dirty="0" err="1">
+                <a:effectLst>
+                  <a:glow rad="101600">
+                    <a:schemeClr val="bg1">
+                      <a:alpha val="60000"/>
+                    </a:schemeClr>
+                  </a:glow>
+                </a:effectLst>
+                <a:latin typeface="VNI-Times" pitchFamily="2" charset="0"/>
+                <a:ea typeface="+mj-ea"/>
+                <a:cs typeface="+mj-cs"/>
+              </a:rPr>
+              <a:t>khaùnh</a:t>
+            </a:r>
+            <a:r>
+              <a:rPr lang="en-US" sz="6600" b="1" dirty="0">
+                <a:effectLst>
+                  <a:glow rad="101600">
+                    <a:schemeClr val="bg1">
+                      <a:alpha val="60000"/>
+                    </a:schemeClr>
+                  </a:glow>
+                </a:effectLst>
+                <a:latin typeface="VNI-Times" pitchFamily="2" charset="0"/>
+                <a:ea typeface="+mj-ea"/>
+                <a:cs typeface="+mj-cs"/>
+              </a:rPr>
+              <a:t>, </a:t>
+            </a:r>
+            <a:r>
+              <a:rPr lang="en-US" sz="6600" b="1" dirty="0" err="1">
+                <a:effectLst>
+                  <a:glow rad="101600">
+                    <a:schemeClr val="bg1">
+                      <a:alpha val="60000"/>
+                    </a:schemeClr>
+                  </a:glow>
+                </a:effectLst>
+                <a:latin typeface="VNI-Times" pitchFamily="2" charset="0"/>
+                <a:ea typeface="+mj-ea"/>
+                <a:cs typeface="+mj-cs"/>
+              </a:rPr>
+              <a:t>Chuùa</a:t>
+            </a:r>
+            <a:r>
+              <a:rPr lang="en-US" sz="6600" b="1" dirty="0">
+                <a:effectLst>
+                  <a:glow rad="101600">
+                    <a:schemeClr val="bg1">
+                      <a:alpha val="60000"/>
+                    </a:schemeClr>
+                  </a:glow>
+                </a:effectLst>
+                <a:latin typeface="VNI-Times" pitchFamily="2" charset="0"/>
+                <a:ea typeface="+mj-ea"/>
+                <a:cs typeface="+mj-cs"/>
+              </a:rPr>
+              <a:t> </a:t>
+            </a:r>
+            <a:r>
+              <a:rPr lang="en-US" sz="6600" b="1" dirty="0" err="1">
+                <a:effectLst>
+                  <a:glow rad="101600">
+                    <a:schemeClr val="bg1">
+                      <a:alpha val="60000"/>
+                    </a:schemeClr>
+                  </a:glow>
+                </a:effectLst>
+                <a:latin typeface="VNI-Times" pitchFamily="2" charset="0"/>
+                <a:ea typeface="+mj-ea"/>
+                <a:cs typeface="+mj-cs"/>
+              </a:rPr>
+              <a:t>vónh</a:t>
+            </a:r>
+            <a:r>
+              <a:rPr lang="en-US" sz="6600" b="1" dirty="0">
+                <a:effectLst>
+                  <a:glow rad="101600">
+                    <a:schemeClr val="bg1">
+                      <a:alpha val="60000"/>
+                    </a:schemeClr>
+                  </a:glow>
+                </a:effectLst>
+                <a:latin typeface="VNI-Times" pitchFamily="2" charset="0"/>
+                <a:ea typeface="+mj-ea"/>
+                <a:cs typeface="+mj-cs"/>
+              </a:rPr>
+              <a:t> </a:t>
+            </a:r>
+            <a:r>
+              <a:rPr lang="en-US" sz="6600" b="1" dirty="0" err="1">
+                <a:effectLst>
+                  <a:glow rad="101600">
+                    <a:schemeClr val="bg1">
+                      <a:alpha val="60000"/>
+                    </a:schemeClr>
+                  </a:glow>
+                </a:effectLst>
+                <a:latin typeface="VNI-Times" pitchFamily="2" charset="0"/>
+                <a:ea typeface="+mj-ea"/>
+                <a:cs typeface="+mj-cs"/>
+              </a:rPr>
+              <a:t>sanh</a:t>
+            </a:r>
+            <a:r>
+              <a:rPr lang="en-US" sz="6600" b="1" dirty="0">
+                <a:effectLst>
+                  <a:glow rad="101600">
+                    <a:schemeClr val="bg1">
+                      <a:alpha val="60000"/>
+                    </a:schemeClr>
+                  </a:glow>
+                </a:effectLst>
+                <a:latin typeface="VNI-Times" pitchFamily="2" charset="0"/>
+                <a:ea typeface="+mj-ea"/>
+                <a:cs typeface="+mj-cs"/>
+              </a:rPr>
+              <a:t>, </a:t>
             </a:r>
             <a:br>
-              <a:rPr lang="en-US" sz="6600" b="1" smtClean="0">
-                <a:effectLst>
-                  <a:glow rad="101600">
-                    <a:schemeClr val="bg1">
-                      <a:alpha val="60000"/>
-                    </a:schemeClr>
-                  </a:glow>
-                </a:effectLst>
-                <a:latin typeface="HP-Aptima" pitchFamily="34" charset="0"/>
+              <a:rPr lang="en-US" sz="6600" b="1" dirty="0">
+                <a:effectLst>
+                  <a:glow rad="101600">
+                    <a:schemeClr val="bg1">
+                      <a:alpha val="60000"/>
+                    </a:schemeClr>
+                  </a:glow>
+                </a:effectLst>
+                <a:latin typeface="VNI-Times" pitchFamily="2" charset="0"/>
                 <a:ea typeface="+mj-ea"/>
                 <a:cs typeface="+mj-cs"/>
               </a:rPr>
             </a:br>
             <a:r>
-              <a:rPr lang="en-US" sz="6600" b="1" smtClean="0">
-                <a:effectLst>
-                  <a:glow rad="101600">
-                    <a:schemeClr val="bg1">
-                      <a:alpha val="60000"/>
-                    </a:schemeClr>
-                  </a:glow>
-                </a:effectLst>
-                <a:latin typeface="HP-Aptima" pitchFamily="34" charset="0"/>
-                <a:ea typeface="+mj-ea"/>
-                <a:cs typeface="+mj-cs"/>
-              </a:rPr>
-              <a:t>raát </a:t>
-            </a:r>
-            <a:r>
-              <a:rPr lang="en-US" sz="6600" b="1">
-                <a:effectLst>
-                  <a:glow rad="101600">
-                    <a:schemeClr val="bg1">
-                      <a:alpha val="60000"/>
-                    </a:schemeClr>
-                  </a:glow>
-                </a:effectLst>
-                <a:latin typeface="HP-Aptima" pitchFamily="34" charset="0"/>
-                <a:ea typeface="+mj-ea"/>
-                <a:cs typeface="+mj-cs"/>
-              </a:rPr>
-              <a:t>saùng </a:t>
-            </a:r>
-            <a:r>
-              <a:rPr lang="en-US" sz="6600" b="1" smtClean="0">
-                <a:effectLst>
-                  <a:glow rad="101600">
-                    <a:schemeClr val="bg1">
-                      <a:alpha val="60000"/>
-                    </a:schemeClr>
-                  </a:glow>
-                </a:effectLst>
-                <a:latin typeface="HP-Aptima" pitchFamily="34" charset="0"/>
-                <a:ea typeface="+mj-ea"/>
-                <a:cs typeface="+mj-cs"/>
-              </a:rPr>
-              <a:t>danh.</a:t>
-            </a:r>
-            <a:endParaRPr lang="en-US" sz="6600" b="1">
-              <a:effectLst>
-                <a:glow rad="101600">
-                  <a:schemeClr val="bg1">
-                    <a:alpha val="60000"/>
-                  </a:schemeClr>
-                </a:glow>
-              </a:effectLst>
-              <a:latin typeface="HP-Aptima" pitchFamily="34" charset="0"/>
-              <a:ea typeface="+mj-ea"/>
-              <a:cs typeface="+mj-cs"/>
-            </a:endParaRPr>
+              <a:rPr lang="en-US" sz="6600" b="1" dirty="0" err="1">
+                <a:effectLst>
+                  <a:glow rad="101600">
+                    <a:schemeClr val="bg1">
+                      <a:alpha val="60000"/>
+                    </a:schemeClr>
+                  </a:glow>
+                </a:effectLst>
+                <a:latin typeface="VNI-Times" pitchFamily="2" charset="0"/>
+                <a:ea typeface="+mj-ea"/>
+                <a:cs typeface="+mj-cs"/>
+              </a:rPr>
+              <a:t>raát</a:t>
+            </a:r>
+            <a:r>
+              <a:rPr lang="en-US" sz="6600" b="1" dirty="0">
+                <a:effectLst>
+                  <a:glow rad="101600">
+                    <a:schemeClr val="bg1">
+                      <a:alpha val="60000"/>
+                    </a:schemeClr>
+                  </a:glow>
+                </a:effectLst>
+                <a:latin typeface="VNI-Times" pitchFamily="2" charset="0"/>
+                <a:ea typeface="+mj-ea"/>
+                <a:cs typeface="+mj-cs"/>
+              </a:rPr>
+              <a:t> </a:t>
+            </a:r>
+            <a:r>
+              <a:rPr lang="en-US" sz="6600" b="1" dirty="0" err="1">
+                <a:effectLst>
+                  <a:glow rad="101600">
+                    <a:schemeClr val="bg1">
+                      <a:alpha val="60000"/>
+                    </a:schemeClr>
+                  </a:glow>
+                </a:effectLst>
+                <a:latin typeface="VNI-Times" pitchFamily="2" charset="0"/>
+                <a:ea typeface="+mj-ea"/>
+                <a:cs typeface="+mj-cs"/>
+              </a:rPr>
+              <a:t>saùng</a:t>
+            </a:r>
+            <a:r>
+              <a:rPr lang="en-US" sz="6600" b="1" dirty="0">
+                <a:effectLst>
+                  <a:glow rad="101600">
+                    <a:schemeClr val="bg1">
+                      <a:alpha val="60000"/>
+                    </a:schemeClr>
+                  </a:glow>
+                </a:effectLst>
+                <a:latin typeface="VNI-Times" pitchFamily="2" charset="0"/>
+                <a:ea typeface="+mj-ea"/>
+                <a:cs typeface="+mj-cs"/>
+              </a:rPr>
+              <a:t> </a:t>
+            </a:r>
+            <a:r>
+              <a:rPr lang="en-US" sz="6600" b="1" dirty="0" err="1">
+                <a:effectLst>
+                  <a:glow rad="101600">
+                    <a:schemeClr val="bg1">
+                      <a:alpha val="60000"/>
+                    </a:schemeClr>
+                  </a:glow>
+                </a:effectLst>
+                <a:latin typeface="VNI-Times" pitchFamily="2" charset="0"/>
+                <a:ea typeface="+mj-ea"/>
+                <a:cs typeface="+mj-cs"/>
+              </a:rPr>
+              <a:t>danh</a:t>
+            </a:r>
+            <a:r>
+              <a:rPr lang="en-US" sz="6600" b="1" dirty="0">
+                <a:effectLst>
+                  <a:glow rad="101600">
+                    <a:schemeClr val="bg1">
+                      <a:alpha val="60000"/>
+                    </a:schemeClr>
+                  </a:glow>
+                </a:effectLst>
+                <a:latin typeface="VNI-Times" pitchFamily="2" charset="0"/>
+                <a:ea typeface="+mj-ea"/>
+                <a:cs typeface="+mj-cs"/>
+              </a:rPr>
+              <a:t>.</a:t>
+            </a:r>
           </a:p>
         </p:txBody>
       </p:sp>
@@ -4102,7 +5875,7 @@
               <a:defRPr/>
             </a:pPr>
             <a:r>
-              <a:rPr lang="en-US" sz="3600" b="1" smtClean="0">
+              <a:rPr lang="en-US" sz="3600" b="1" dirty="0">
                 <a:solidFill>
                   <a:srgbClr val="FFFF00"/>
                 </a:solidFill>
@@ -4111,25 +5884,12 @@
                     <a:schemeClr val="tx1"/>
                   </a:glow>
                 </a:effectLst>
-                <a:latin typeface="VNI-Garam" pitchFamily="34" charset="0"/>
+                <a:latin typeface="VNI-Times" pitchFamily="2" charset="0"/>
                 <a:ea typeface="+mj-ea"/>
                 <a:cs typeface="+mj-cs"/>
               </a:rPr>
               <a:t>TC 509  –  NGAØY GIÔØ QUA</a:t>
             </a:r>
-            <a:endParaRPr lang="en-US" sz="3600" b="1">
-              <a:solidFill>
-                <a:srgbClr val="FFFF00"/>
-              </a:solidFill>
-              <a:effectLst>
-                <a:glow rad="101600">
-                  <a:schemeClr val="tx1"/>
-                </a:glow>
-              </a:effectLst>
-              <a:latin typeface="VNI-Garam" pitchFamily="34" charset="0"/>
-              <a:ea typeface="+mj-ea"/>
-              <a:cs typeface="+mj-cs"/>
-            </a:endParaRPr>
           </a:p>
         </p:txBody>
       </p:sp>
@@ -4138,13 +5898,6 @@
   <p:clrMapOvr>
     <a:masterClrMapping/>
   </p:clrMapOvr>
-  <p:timing>
-    <p:tnLst>
-      <p:par>
-        <p:cTn id="1" dur="indefinite" restart="never" nodeType="tmRoot"/>
-      </p:par>
-    </p:tnLst>
-  </p:timing>
 </p:sld>
 </file>
 
@@ -4196,68 +5949,228 @@
               <a:defRPr/>
             </a:pPr>
             <a:r>
-              <a:rPr lang="en-US" sz="4400" b="1" i="1" u="sng" smtClean="0">
-                <a:latin typeface="HP-Aptima" pitchFamily="34" charset="0"/>
-                <a:ea typeface="+mj-ea"/>
-                <a:cs typeface="+mj-cs"/>
-              </a:rPr>
-              <a:t>ÑK</a:t>
-            </a:r>
-            <a:r>
-              <a:rPr lang="en-US" sz="4400" b="1" i="1" u="sng">
-                <a:latin typeface="HP-Aptima" pitchFamily="34" charset="0"/>
-                <a:ea typeface="+mj-ea"/>
-                <a:cs typeface="+mj-cs"/>
-              </a:rPr>
-              <a:t>:</a:t>
-            </a:r>
-            <a:r>
-              <a:rPr lang="en-US" sz="4800" b="1">
-                <a:latin typeface="HP-Aptima" pitchFamily="34" charset="0"/>
-                <a:ea typeface="+mj-ea"/>
-                <a:cs typeface="+mj-cs"/>
-              </a:rPr>
-              <a:t> </a:t>
-            </a:r>
-            <a:r>
-              <a:rPr lang="en-US" sz="6600" b="1">
-                <a:latin typeface="HP-Aptima" pitchFamily="34" charset="0"/>
-                <a:ea typeface="+mj-ea"/>
-                <a:cs typeface="+mj-cs"/>
-              </a:rPr>
-              <a:t>Kìa taân xuaân </a:t>
-            </a:r>
-            <a:r>
-              <a:rPr lang="en-US" sz="6600" b="1" smtClean="0">
-                <a:latin typeface="HP-Aptima" pitchFamily="34" charset="0"/>
-                <a:ea typeface="+mj-ea"/>
-                <a:cs typeface="+mj-cs"/>
-              </a:rPr>
-              <a:t>ñeán </a:t>
-            </a:r>
-            <a:r>
-              <a:rPr lang="en-US" sz="6600" b="1">
-                <a:latin typeface="HP-Aptima" pitchFamily="34" charset="0"/>
-                <a:ea typeface="+mj-ea"/>
-                <a:cs typeface="+mj-cs"/>
-              </a:rPr>
-              <a:t>kia, chim ca </a:t>
-            </a:r>
-            <a:r>
-              <a:rPr lang="en-US" sz="6600" b="1" smtClean="0">
-                <a:latin typeface="HP-Aptima" pitchFamily="34" charset="0"/>
-                <a:ea typeface="+mj-ea"/>
-                <a:cs typeface="+mj-cs"/>
-              </a:rPr>
-              <a:t>hoan nghinh</a:t>
-            </a:r>
-            <a:r>
-              <a:rPr lang="en-US" sz="6600" b="1">
-                <a:latin typeface="HP-Aptima" pitchFamily="34" charset="0"/>
-                <a:ea typeface="+mj-ea"/>
-                <a:cs typeface="+mj-cs"/>
-              </a:rPr>
-              <a:t>, khaép non soâng baùo tin bình minh.</a:t>
+              <a:rPr lang="en-US" sz="4400" b="1" u="sng" dirty="0">
+                <a:latin typeface="VNI-Times" pitchFamily="2" charset="0"/>
+                <a:ea typeface="+mj-ea"/>
+                <a:cs typeface="+mj-cs"/>
+              </a:rPr>
+              <a:t>ÑK:</a:t>
+            </a:r>
+            <a:r>
+              <a:rPr lang="en-US" sz="4800" b="1" dirty="0">
+                <a:latin typeface="VNI-Times" pitchFamily="2" charset="0"/>
+                <a:ea typeface="+mj-ea"/>
+                <a:cs typeface="+mj-cs"/>
+              </a:rPr>
+              <a:t> </a:t>
+            </a:r>
+            <a:r>
+              <a:rPr lang="en-US" sz="6600" b="1" dirty="0" err="1">
+                <a:latin typeface="VNI-Times" pitchFamily="2" charset="0"/>
+                <a:ea typeface="+mj-ea"/>
+                <a:cs typeface="+mj-cs"/>
+              </a:rPr>
+              <a:t>Kìa</a:t>
+            </a:r>
+            <a:r>
+              <a:rPr lang="en-US" sz="6600" b="1" dirty="0">
+                <a:latin typeface="VNI-Times" pitchFamily="2" charset="0"/>
+                <a:ea typeface="+mj-ea"/>
+                <a:cs typeface="+mj-cs"/>
+              </a:rPr>
+              <a:t> </a:t>
+            </a:r>
+            <a:r>
+              <a:rPr lang="en-US" sz="6600" b="1" dirty="0" err="1">
+                <a:latin typeface="VNI-Times" pitchFamily="2" charset="0"/>
+                <a:ea typeface="+mj-ea"/>
+                <a:cs typeface="+mj-cs"/>
+              </a:rPr>
+              <a:t>taân</a:t>
+            </a:r>
+            <a:r>
+              <a:rPr lang="en-US" sz="6600" b="1" dirty="0">
+                <a:latin typeface="VNI-Times" pitchFamily="2" charset="0"/>
+                <a:ea typeface="+mj-ea"/>
+                <a:cs typeface="+mj-cs"/>
+              </a:rPr>
+              <a:t> </a:t>
+            </a:r>
+            <a:r>
+              <a:rPr lang="en-US" sz="6600" b="1" dirty="0" err="1">
+                <a:latin typeface="VNI-Times" pitchFamily="2" charset="0"/>
+                <a:ea typeface="+mj-ea"/>
+                <a:cs typeface="+mj-cs"/>
+              </a:rPr>
+              <a:t>xuaân</a:t>
+            </a:r>
+            <a:r>
+              <a:rPr lang="en-US" sz="6600" b="1" dirty="0">
+                <a:latin typeface="VNI-Times" pitchFamily="2" charset="0"/>
+                <a:ea typeface="+mj-ea"/>
+                <a:cs typeface="+mj-cs"/>
+              </a:rPr>
+              <a:t> </a:t>
+            </a:r>
+            <a:r>
+              <a:rPr lang="en-US" sz="6600" b="1" dirty="0" err="1">
+                <a:latin typeface="VNI-Times" pitchFamily="2" charset="0"/>
+                <a:ea typeface="+mj-ea"/>
+                <a:cs typeface="+mj-cs"/>
+              </a:rPr>
+              <a:t>ñeán</a:t>
+            </a:r>
+            <a:r>
+              <a:rPr lang="en-US" sz="6600" b="1" dirty="0">
+                <a:latin typeface="VNI-Times" pitchFamily="2" charset="0"/>
+                <a:ea typeface="+mj-ea"/>
+                <a:cs typeface="+mj-cs"/>
+              </a:rPr>
+              <a:t> </a:t>
+            </a:r>
+            <a:r>
+              <a:rPr lang="en-US" sz="6600" b="1" dirty="0" err="1">
+                <a:latin typeface="VNI-Times" pitchFamily="2" charset="0"/>
+                <a:ea typeface="+mj-ea"/>
+                <a:cs typeface="+mj-cs"/>
+              </a:rPr>
+              <a:t>kia</a:t>
+            </a:r>
+            <a:r>
+              <a:rPr lang="en-US" sz="6600" b="1" dirty="0">
+                <a:latin typeface="VNI-Times" pitchFamily="2" charset="0"/>
+                <a:ea typeface="+mj-ea"/>
+                <a:cs typeface="+mj-cs"/>
+              </a:rPr>
+              <a:t>, </a:t>
+            </a:r>
+            <a:r>
+              <a:rPr lang="en-US" sz="6600" b="1" dirty="0" err="1">
+                <a:latin typeface="VNI-Times" pitchFamily="2" charset="0"/>
+                <a:ea typeface="+mj-ea"/>
+                <a:cs typeface="+mj-cs"/>
+              </a:rPr>
+              <a:t>chim</a:t>
+            </a:r>
+            <a:r>
+              <a:rPr lang="en-US" sz="6600" b="1" dirty="0">
+                <a:latin typeface="VNI-Times" pitchFamily="2" charset="0"/>
+                <a:ea typeface="+mj-ea"/>
+                <a:cs typeface="+mj-cs"/>
+              </a:rPr>
+              <a:t> ca </a:t>
+            </a:r>
+            <a:r>
+              <a:rPr lang="en-US" sz="6600" b="1" dirty="0" err="1">
+                <a:latin typeface="VNI-Times" pitchFamily="2" charset="0"/>
+                <a:ea typeface="+mj-ea"/>
+                <a:cs typeface="+mj-cs"/>
+              </a:rPr>
+              <a:t>hoan</a:t>
+            </a:r>
+            <a:r>
+              <a:rPr lang="en-US" sz="6600" b="1" dirty="0">
+                <a:latin typeface="VNI-Times" pitchFamily="2" charset="0"/>
+                <a:ea typeface="+mj-ea"/>
+                <a:cs typeface="+mj-cs"/>
+              </a:rPr>
+              <a:t> </a:t>
+            </a:r>
+            <a:r>
+              <a:rPr lang="en-US" sz="6600" b="1" dirty="0" err="1">
+                <a:latin typeface="VNI-Times" pitchFamily="2" charset="0"/>
+                <a:ea typeface="+mj-ea"/>
+                <a:cs typeface="+mj-cs"/>
+              </a:rPr>
+              <a:t>nghinh</a:t>
+            </a:r>
+            <a:r>
+              <a:rPr lang="en-US" sz="6600" b="1" dirty="0">
+                <a:latin typeface="VNI-Times" pitchFamily="2" charset="0"/>
+                <a:ea typeface="+mj-ea"/>
+                <a:cs typeface="+mj-cs"/>
+              </a:rPr>
+              <a:t>, </a:t>
+            </a:r>
+            <a:r>
+              <a:rPr lang="en-US" sz="6600" b="1" dirty="0" err="1">
+                <a:latin typeface="VNI-Times" pitchFamily="2" charset="0"/>
+                <a:ea typeface="+mj-ea"/>
+                <a:cs typeface="+mj-cs"/>
+              </a:rPr>
+              <a:t>khaép</a:t>
+            </a:r>
+            <a:r>
+              <a:rPr lang="en-US" sz="6600" b="1" dirty="0">
+                <a:latin typeface="VNI-Times" pitchFamily="2" charset="0"/>
+                <a:ea typeface="+mj-ea"/>
+                <a:cs typeface="+mj-cs"/>
+              </a:rPr>
+              <a:t> non </a:t>
+            </a:r>
+            <a:r>
+              <a:rPr lang="en-US" sz="6600" b="1" dirty="0" err="1">
+                <a:latin typeface="VNI-Times" pitchFamily="2" charset="0"/>
+                <a:ea typeface="+mj-ea"/>
+                <a:cs typeface="+mj-cs"/>
+              </a:rPr>
+              <a:t>soâng</a:t>
+            </a:r>
+            <a:r>
+              <a:rPr lang="en-US" sz="6600" b="1" dirty="0">
+                <a:latin typeface="VNI-Times" pitchFamily="2" charset="0"/>
+                <a:ea typeface="+mj-ea"/>
+                <a:cs typeface="+mj-cs"/>
+              </a:rPr>
+              <a:t> </a:t>
+            </a:r>
+            <a:r>
+              <a:rPr lang="en-US" sz="6600" b="1" dirty="0" err="1">
+                <a:latin typeface="VNI-Times" pitchFamily="2" charset="0"/>
+                <a:ea typeface="+mj-ea"/>
+                <a:cs typeface="+mj-cs"/>
+              </a:rPr>
+              <a:t>baùo</a:t>
+            </a:r>
+            <a:r>
+              <a:rPr lang="en-US" sz="6600" b="1" dirty="0">
+                <a:latin typeface="VNI-Times" pitchFamily="2" charset="0"/>
+                <a:ea typeface="+mj-ea"/>
+                <a:cs typeface="+mj-cs"/>
+              </a:rPr>
+              <a:t> tin </a:t>
+            </a:r>
+            <a:r>
+              <a:rPr lang="en-US" sz="6600" b="1" dirty="0" err="1">
+                <a:latin typeface="VNI-Times" pitchFamily="2" charset="0"/>
+                <a:ea typeface="+mj-ea"/>
+                <a:cs typeface="+mj-cs"/>
+              </a:rPr>
+              <a:t>bình</a:t>
+            </a:r>
+            <a:r>
+              <a:rPr lang="en-US" sz="6600" b="1" dirty="0">
+                <a:latin typeface="VNI-Times" pitchFamily="2" charset="0"/>
+                <a:ea typeface="+mj-ea"/>
+                <a:cs typeface="+mj-cs"/>
+              </a:rPr>
+              <a:t> </a:t>
+            </a:r>
+            <a:r>
+              <a:rPr lang="en-US" sz="6600" b="1" dirty="0" err="1">
+                <a:latin typeface="VNI-Times" pitchFamily="2" charset="0"/>
+                <a:ea typeface="+mj-ea"/>
+                <a:cs typeface="+mj-cs"/>
+              </a:rPr>
+              <a:t>minh</a:t>
+            </a:r>
+            <a:r>
+              <a:rPr lang="en-US" sz="6600" b="1" dirty="0">
+                <a:latin typeface="VNI-Times" pitchFamily="2" charset="0"/>
+                <a:ea typeface="+mj-ea"/>
+                <a:cs typeface="+mj-cs"/>
+              </a:rPr>
+              <a:t>.</a:t>
             </a:r>
           </a:p>
         </p:txBody>
@@ -4298,7 +6211,7 @@
               <a:defRPr/>
             </a:pPr>
             <a:r>
-              <a:rPr lang="en-US" sz="3600" b="1" smtClean="0">
+              <a:rPr lang="en-US" sz="3600" b="1" dirty="0">
                 <a:solidFill>
                   <a:srgbClr val="FFFF00"/>
                 </a:solidFill>
@@ -4307,25 +6220,12 @@
                     <a:schemeClr val="tx1"/>
                   </a:glow>
                 </a:effectLst>
-                <a:latin typeface="VNI-Garam" pitchFamily="34" charset="0"/>
+                <a:latin typeface="VNI-Times" pitchFamily="2" charset="0"/>
                 <a:ea typeface="+mj-ea"/>
                 <a:cs typeface="+mj-cs"/>
               </a:rPr>
               <a:t>TC 509  –  NGAØY GIÔØ QUA</a:t>
             </a:r>
-            <a:endParaRPr lang="en-US" sz="3600" b="1">
-              <a:solidFill>
-                <a:srgbClr val="FFFF00"/>
-              </a:solidFill>
-              <a:effectLst>
-                <a:glow rad="101600">
-                  <a:schemeClr val="tx1"/>
-                </a:glow>
-              </a:effectLst>
-              <a:latin typeface="VNI-Garam" pitchFamily="34" charset="0"/>
-              <a:ea typeface="+mj-ea"/>
-              <a:cs typeface="+mj-cs"/>
-            </a:endParaRPr>
           </a:p>
         </p:txBody>
       </p:sp>
@@ -4339,13 +6239,6 @@
   <p:clrMapOvr>
     <a:masterClrMapping/>
   </p:clrMapOvr>
-  <p:timing>
-    <p:tnLst>
-      <p:par>
-        <p:cTn id="1" dur="indefinite" restart="never" nodeType="tmRoot"/>
-      </p:par>
-    </p:tnLst>
-  </p:timing>
 </p:sld>
 </file>
 
@@ -4397,59 +6290,235 @@
               <a:defRPr/>
             </a:pPr>
             <a:r>
-              <a:rPr lang="en-US" sz="6600" b="1">
-                <a:latin typeface="HP-Aptima" pitchFamily="34" charset="0"/>
-                <a:ea typeface="+mj-ea"/>
-                <a:cs typeface="+mj-cs"/>
-              </a:rPr>
-              <a:t>Cuøng nhau ta soáng vui trong ôn quang vinh, </a:t>
-            </a:r>
-            <a:r>
-              <a:rPr lang="en-US" sz="6600" b="1" smtClean="0">
-                <a:latin typeface="HP-Aptima" pitchFamily="34" charset="0"/>
-                <a:ea typeface="+mj-ea"/>
-                <a:cs typeface="+mj-cs"/>
-              </a:rPr>
-              <a:t>chuùc </a:t>
-            </a:r>
-            <a:r>
-              <a:rPr lang="en-US" sz="6600" b="1">
-                <a:latin typeface="HP-Aptima" pitchFamily="34" charset="0"/>
-                <a:ea typeface="+mj-ea"/>
-                <a:cs typeface="+mj-cs"/>
-              </a:rPr>
-              <a:t>cho nhau, </a:t>
-            </a:r>
-            <a:r>
-              <a:rPr lang="en-US" sz="6600" b="1" smtClean="0">
-                <a:latin typeface="HP-Aptima" pitchFamily="34" charset="0"/>
-                <a:ea typeface="+mj-ea"/>
-                <a:cs typeface="+mj-cs"/>
-              </a:rPr>
-              <a:t/>
+              <a:rPr lang="en-US" sz="6600" b="1" dirty="0" err="1">
+                <a:latin typeface="VNI-Times" pitchFamily="2" charset="0"/>
+                <a:ea typeface="+mj-ea"/>
+                <a:cs typeface="+mj-cs"/>
+              </a:rPr>
+              <a:t>Cuøng</a:t>
+            </a:r>
+            <a:r>
+              <a:rPr lang="en-US" sz="6600" b="1" dirty="0">
+                <a:latin typeface="VNI-Times" pitchFamily="2" charset="0"/>
+                <a:ea typeface="+mj-ea"/>
+                <a:cs typeface="+mj-cs"/>
+              </a:rPr>
+              <a:t> </a:t>
+            </a:r>
+            <a:r>
+              <a:rPr lang="en-US" sz="6600" b="1" dirty="0" err="1">
+                <a:latin typeface="VNI-Times" pitchFamily="2" charset="0"/>
+                <a:ea typeface="+mj-ea"/>
+                <a:cs typeface="+mj-cs"/>
+              </a:rPr>
+              <a:t>nhau</a:t>
+            </a:r>
+            <a:r>
+              <a:rPr lang="en-US" sz="6600" b="1" dirty="0">
+                <a:latin typeface="VNI-Times" pitchFamily="2" charset="0"/>
+                <a:ea typeface="+mj-ea"/>
+                <a:cs typeface="+mj-cs"/>
+              </a:rPr>
+              <a:t> ta </a:t>
+            </a:r>
+            <a:r>
+              <a:rPr lang="en-US" sz="6600" b="1" dirty="0" err="1">
+                <a:latin typeface="VNI-Times" pitchFamily="2" charset="0"/>
+                <a:ea typeface="+mj-ea"/>
+                <a:cs typeface="+mj-cs"/>
+              </a:rPr>
+              <a:t>soáng</a:t>
+            </a:r>
+            <a:r>
+              <a:rPr lang="en-US" sz="6600" b="1" dirty="0">
+                <a:latin typeface="VNI-Times" pitchFamily="2" charset="0"/>
+                <a:ea typeface="+mj-ea"/>
+                <a:cs typeface="+mj-cs"/>
+              </a:rPr>
+              <a:t> </a:t>
+            </a:r>
+            <a:r>
+              <a:rPr lang="en-US" sz="6600" b="1" dirty="0" err="1">
+                <a:latin typeface="VNI-Times" pitchFamily="2" charset="0"/>
+                <a:ea typeface="+mj-ea"/>
+                <a:cs typeface="+mj-cs"/>
+              </a:rPr>
+              <a:t>vui</a:t>
+            </a:r>
+            <a:r>
+              <a:rPr lang="en-US" sz="6600" b="1" dirty="0">
+                <a:latin typeface="VNI-Times" pitchFamily="2" charset="0"/>
+                <a:ea typeface="+mj-ea"/>
+                <a:cs typeface="+mj-cs"/>
+              </a:rPr>
+              <a:t> </a:t>
+            </a:r>
+            <a:r>
+              <a:rPr lang="en-US" sz="6600" b="1" dirty="0" err="1">
+                <a:latin typeface="VNI-Times" pitchFamily="2" charset="0"/>
+                <a:ea typeface="+mj-ea"/>
+                <a:cs typeface="+mj-cs"/>
+              </a:rPr>
+              <a:t>trong</a:t>
+            </a:r>
+            <a:r>
+              <a:rPr lang="en-US" sz="6600" b="1" dirty="0">
+                <a:latin typeface="VNI-Times" pitchFamily="2" charset="0"/>
+                <a:ea typeface="+mj-ea"/>
+                <a:cs typeface="+mj-cs"/>
+              </a:rPr>
+              <a:t> </a:t>
+            </a:r>
+            <a:r>
+              <a:rPr lang="en-US" sz="6600" b="1" dirty="0" err="1">
+                <a:latin typeface="VNI-Times" pitchFamily="2" charset="0"/>
+                <a:ea typeface="+mj-ea"/>
+                <a:cs typeface="+mj-cs"/>
+              </a:rPr>
+              <a:t>ôn</a:t>
+            </a:r>
+            <a:r>
+              <a:rPr lang="en-US" sz="6600" b="1" dirty="0">
+                <a:latin typeface="VNI-Times" pitchFamily="2" charset="0"/>
+                <a:ea typeface="+mj-ea"/>
+                <a:cs typeface="+mj-cs"/>
+              </a:rPr>
+              <a:t> </a:t>
+            </a:r>
+            <a:r>
+              <a:rPr lang="en-US" sz="6600" b="1" dirty="0" err="1">
+                <a:latin typeface="VNI-Times" pitchFamily="2" charset="0"/>
+                <a:ea typeface="+mj-ea"/>
+                <a:cs typeface="+mj-cs"/>
+              </a:rPr>
+              <a:t>quang</a:t>
+            </a:r>
+            <a:r>
+              <a:rPr lang="en-US" sz="6600" b="1" dirty="0">
+                <a:latin typeface="VNI-Times" pitchFamily="2" charset="0"/>
+                <a:ea typeface="+mj-ea"/>
+                <a:cs typeface="+mj-cs"/>
+              </a:rPr>
+              <a:t> </a:t>
+            </a:r>
+            <a:r>
+              <a:rPr lang="en-US" sz="6600" b="1" dirty="0" err="1">
+                <a:latin typeface="VNI-Times" pitchFamily="2" charset="0"/>
+                <a:ea typeface="+mj-ea"/>
+                <a:cs typeface="+mj-cs"/>
+              </a:rPr>
+              <a:t>vinh</a:t>
+            </a:r>
+            <a:r>
+              <a:rPr lang="en-US" sz="6600" b="1" dirty="0">
+                <a:latin typeface="VNI-Times" pitchFamily="2" charset="0"/>
+                <a:ea typeface="+mj-ea"/>
+                <a:cs typeface="+mj-cs"/>
+              </a:rPr>
+              <a:t>, </a:t>
+            </a:r>
+            <a:r>
+              <a:rPr lang="en-US" sz="6600" b="1" dirty="0" err="1">
+                <a:latin typeface="VNI-Times" pitchFamily="2" charset="0"/>
+                <a:ea typeface="+mj-ea"/>
+                <a:cs typeface="+mj-cs"/>
+              </a:rPr>
+              <a:t>chuùc</a:t>
+            </a:r>
+            <a:r>
+              <a:rPr lang="en-US" sz="6600" b="1" dirty="0">
+                <a:latin typeface="VNI-Times" pitchFamily="2" charset="0"/>
+                <a:ea typeface="+mj-ea"/>
+                <a:cs typeface="+mj-cs"/>
+              </a:rPr>
+              <a:t> </a:t>
+            </a:r>
+            <a:r>
+              <a:rPr lang="en-US" sz="6600" b="1" dirty="0" err="1">
+                <a:latin typeface="VNI-Times" pitchFamily="2" charset="0"/>
+                <a:ea typeface="+mj-ea"/>
+                <a:cs typeface="+mj-cs"/>
+              </a:rPr>
+              <a:t>cho</a:t>
+            </a:r>
+            <a:r>
+              <a:rPr lang="en-US" sz="6600" b="1" dirty="0">
+                <a:latin typeface="VNI-Times" pitchFamily="2" charset="0"/>
+                <a:ea typeface="+mj-ea"/>
+                <a:cs typeface="+mj-cs"/>
+              </a:rPr>
+              <a:t> </a:t>
+            </a:r>
+            <a:r>
+              <a:rPr lang="en-US" sz="6600" b="1" dirty="0" err="1">
+                <a:latin typeface="VNI-Times" pitchFamily="2" charset="0"/>
+                <a:ea typeface="+mj-ea"/>
+                <a:cs typeface="+mj-cs"/>
+              </a:rPr>
+              <a:t>nhau</a:t>
+            </a:r>
+            <a:r>
+              <a:rPr lang="en-US" sz="6600" b="1" dirty="0">
+                <a:latin typeface="VNI-Times" pitchFamily="2" charset="0"/>
+                <a:ea typeface="+mj-ea"/>
+                <a:cs typeface="+mj-cs"/>
+              </a:rPr>
+              <a:t>, </a:t>
             </a:r>
             <a:br>
-              <a:rPr lang="en-US" sz="6600" b="1" smtClean="0">
-                <a:latin typeface="HP-Aptima" pitchFamily="34" charset="0"/>
+              <a:rPr lang="en-US" sz="6600" b="1" dirty="0">
+                <a:latin typeface="VNI-Times" pitchFamily="2" charset="0"/>
                 <a:ea typeface="+mj-ea"/>
                 <a:cs typeface="+mj-cs"/>
               </a:rPr>
             </a:br>
             <a:r>
-              <a:rPr lang="en-US" sz="6600" b="1" smtClean="0">
-                <a:latin typeface="HP-Aptima" pitchFamily="34" charset="0"/>
-                <a:ea typeface="+mj-ea"/>
-                <a:cs typeface="+mj-cs"/>
-              </a:rPr>
-              <a:t>khuùc </a:t>
-            </a:r>
-            <a:r>
-              <a:rPr lang="en-US" sz="6600" b="1">
-                <a:latin typeface="HP-Aptima" pitchFamily="34" charset="0"/>
-                <a:ea typeface="+mj-ea"/>
-                <a:cs typeface="+mj-cs"/>
-              </a:rPr>
-              <a:t>ca vónh sinh.</a:t>
+              <a:rPr lang="en-US" sz="6600" b="1" dirty="0" err="1">
+                <a:latin typeface="VNI-Times" pitchFamily="2" charset="0"/>
+                <a:ea typeface="+mj-ea"/>
+                <a:cs typeface="+mj-cs"/>
+              </a:rPr>
+              <a:t>khuùc</a:t>
+            </a:r>
+            <a:r>
+              <a:rPr lang="en-US" sz="6600" b="1" dirty="0">
+                <a:latin typeface="VNI-Times" pitchFamily="2" charset="0"/>
+                <a:ea typeface="+mj-ea"/>
+                <a:cs typeface="+mj-cs"/>
+              </a:rPr>
+              <a:t> ca </a:t>
+            </a:r>
+            <a:r>
+              <a:rPr lang="en-US" sz="6600" b="1" dirty="0" err="1">
+                <a:latin typeface="VNI-Times" pitchFamily="2" charset="0"/>
+                <a:ea typeface="+mj-ea"/>
+                <a:cs typeface="+mj-cs"/>
+              </a:rPr>
+              <a:t>vónh</a:t>
+            </a:r>
+            <a:r>
+              <a:rPr lang="en-US" sz="6600" b="1" dirty="0">
+                <a:latin typeface="VNI-Times" pitchFamily="2" charset="0"/>
+                <a:ea typeface="+mj-ea"/>
+                <a:cs typeface="+mj-cs"/>
+              </a:rPr>
+              <a:t> </a:t>
+            </a:r>
+            <a:r>
+              <a:rPr lang="en-US" sz="6600" b="1" dirty="0" err="1">
+                <a:latin typeface="VNI-Times" pitchFamily="2" charset="0"/>
+                <a:ea typeface="+mj-ea"/>
+                <a:cs typeface="+mj-cs"/>
+              </a:rPr>
+              <a:t>sinh</a:t>
+            </a:r>
+            <a:r>
+              <a:rPr lang="en-US" sz="6600" b="1" dirty="0">
+                <a:latin typeface="VNI-Times" pitchFamily="2" charset="0"/>
+                <a:ea typeface="+mj-ea"/>
+                <a:cs typeface="+mj-cs"/>
+              </a:rPr>
+              <a:t>.</a:t>
             </a:r>
           </a:p>
         </p:txBody>
@@ -4490,7 +6559,7 @@
               <a:defRPr/>
             </a:pPr>
             <a:r>
-              <a:rPr lang="en-US" sz="3600" b="1" smtClean="0">
+              <a:rPr lang="en-US" sz="3600" b="1" dirty="0">
                 <a:solidFill>
                   <a:srgbClr val="FFFF00"/>
                 </a:solidFill>
@@ -4499,25 +6568,12 @@
                     <a:schemeClr val="tx1"/>
                   </a:glow>
                 </a:effectLst>
-                <a:latin typeface="VNI-Garam" pitchFamily="34" charset="0"/>
+                <a:latin typeface="VNI-Times" pitchFamily="2" charset="0"/>
                 <a:ea typeface="+mj-ea"/>
                 <a:cs typeface="+mj-cs"/>
               </a:rPr>
               <a:t>TC 509  –  NGAØY GIÔØ QUA</a:t>
             </a:r>
-            <a:endParaRPr lang="en-US" sz="3600" b="1">
-              <a:solidFill>
-                <a:srgbClr val="FFFF00"/>
-              </a:solidFill>
-              <a:effectLst>
-                <a:glow rad="101600">
-                  <a:schemeClr val="tx1"/>
-                </a:glow>
-              </a:effectLst>
-              <a:latin typeface="VNI-Garam" pitchFamily="34" charset="0"/>
-              <a:ea typeface="+mj-ea"/>
-              <a:cs typeface="+mj-cs"/>
-            </a:endParaRPr>
           </a:p>
         </p:txBody>
       </p:sp>
@@ -4531,13 +6587,6 @@
   <p:clrMapOvr>
     <a:masterClrMapping/>
   </p:clrMapOvr>
-  <p:timing>
-    <p:tnLst>
-      <p:par>
-        <p:cTn id="1" dur="indefinite" restart="never" nodeType="tmRoot"/>
-      </p:par>
-    </p:tnLst>
-  </p:timing>
 </p:sld>
 </file>
 
@@ -4594,7 +6643,7 @@
               <a:defRPr/>
             </a:pPr>
             <a:r>
-              <a:rPr lang="en-US" sz="3600" b="1" smtClean="0">
+              <a:rPr lang="en-US" sz="3600" b="1" dirty="0">
                 <a:solidFill>
                   <a:srgbClr val="FFFF00"/>
                 </a:solidFill>
@@ -4603,25 +6652,12 @@
                     <a:schemeClr val="tx1"/>
                   </a:glow>
                 </a:effectLst>
-                <a:latin typeface="VNI-Garam" pitchFamily="34" charset="0"/>
+                <a:latin typeface="VNI-Times" pitchFamily="2" charset="0"/>
                 <a:ea typeface="+mj-ea"/>
                 <a:cs typeface="+mj-cs"/>
               </a:rPr>
               <a:t>TC 509  –  NGAØY GIÔØ QUA</a:t>
             </a:r>
-            <a:endParaRPr lang="en-US" sz="3600" b="1">
-              <a:solidFill>
-                <a:srgbClr val="FFFF00"/>
-              </a:solidFill>
-              <a:effectLst>
-                <a:glow rad="101600">
-                  <a:schemeClr val="tx1"/>
-                </a:glow>
-              </a:effectLst>
-              <a:latin typeface="VNI-Garam" pitchFamily="34" charset="0"/>
-              <a:ea typeface="+mj-ea"/>
-              <a:cs typeface="+mj-cs"/>
-            </a:endParaRPr>
           </a:p>
         </p:txBody>
       </p:sp>
@@ -4656,36 +6692,220 @@
               <a:defRPr/>
             </a:pPr>
             <a:r>
-              <a:rPr lang="en-US" sz="4400" b="1">
-                <a:latin typeface="HP-Aptima" pitchFamily="34" charset="0"/>
+              <a:rPr lang="en-US" sz="4400" b="1" dirty="0">
+                <a:latin typeface="VNI-Times" pitchFamily="2" charset="0"/>
                 <a:ea typeface="+mj-ea"/>
                 <a:cs typeface="+mj-cs"/>
               </a:rPr>
               <a:t>1. </a:t>
             </a:r>
             <a:r>
-              <a:rPr lang="en-US" sz="6600" b="1">
-                <a:latin typeface="HP-Aptima" pitchFamily="34" charset="0"/>
-                <a:ea typeface="+mj-ea"/>
-                <a:cs typeface="+mj-cs"/>
-              </a:rPr>
-              <a:t>Ngaøy giôø qua, qua, qua döôøng nhö teân baén choùng quaù, </a:t>
-            </a:r>
-            <a:r>
-              <a:rPr lang="en-US" sz="6600" b="1" smtClean="0">
-                <a:latin typeface="HP-Aptima" pitchFamily="34" charset="0"/>
-                <a:ea typeface="+mj-ea"/>
-                <a:cs typeface="+mj-cs"/>
-              </a:rPr>
-              <a:t>nöôùc </a:t>
-            </a:r>
-            <a:r>
-              <a:rPr lang="en-US" sz="6600" b="1">
-                <a:latin typeface="HP-Aptima" pitchFamily="34" charset="0"/>
-                <a:ea typeface="+mj-ea"/>
-                <a:cs typeface="+mj-cs"/>
-              </a:rPr>
-              <a:t>chaûy qua, boùng cuõ xa.</a:t>
+              <a:rPr lang="en-US" sz="6600" b="1" dirty="0" err="1">
+                <a:latin typeface="VNI-Times" pitchFamily="2" charset="0"/>
+                <a:ea typeface="+mj-ea"/>
+                <a:cs typeface="+mj-cs"/>
+              </a:rPr>
+              <a:t>Ngaøy</a:t>
+            </a:r>
+            <a:r>
+              <a:rPr lang="en-US" sz="6600" b="1" dirty="0">
+                <a:latin typeface="VNI-Times" pitchFamily="2" charset="0"/>
+                <a:ea typeface="+mj-ea"/>
+                <a:cs typeface="+mj-cs"/>
+              </a:rPr>
+              <a:t> </a:t>
+            </a:r>
+            <a:r>
+              <a:rPr lang="en-US" sz="6600" b="1" dirty="0" err="1">
+                <a:latin typeface="VNI-Times" pitchFamily="2" charset="0"/>
+                <a:ea typeface="+mj-ea"/>
+                <a:cs typeface="+mj-cs"/>
+              </a:rPr>
+              <a:t>giôø</a:t>
+            </a:r>
+            <a:r>
+              <a:rPr lang="en-US" sz="6600" b="1" dirty="0">
+                <a:latin typeface="VNI-Times" pitchFamily="2" charset="0"/>
+                <a:ea typeface="+mj-ea"/>
+                <a:cs typeface="+mj-cs"/>
+              </a:rPr>
+              <a:t> qua, qua, qua </a:t>
+            </a:r>
+            <a:r>
+              <a:rPr lang="en-US" sz="6600" b="1" dirty="0" err="1">
+                <a:latin typeface="VNI-Times" pitchFamily="2" charset="0"/>
+                <a:ea typeface="+mj-ea"/>
+                <a:cs typeface="+mj-cs"/>
+              </a:rPr>
+              <a:t>döôøng</a:t>
+            </a:r>
+            <a:r>
+              <a:rPr lang="en-US" sz="6600" b="1" dirty="0">
+                <a:latin typeface="VNI-Times" pitchFamily="2" charset="0"/>
+                <a:ea typeface="+mj-ea"/>
+                <a:cs typeface="+mj-cs"/>
+              </a:rPr>
+              <a:t> </a:t>
+            </a:r>
+            <a:r>
+              <a:rPr lang="en-US" sz="6600" b="1" dirty="0" err="1">
+                <a:latin typeface="VNI-Times" pitchFamily="2" charset="0"/>
+                <a:ea typeface="+mj-ea"/>
+                <a:cs typeface="+mj-cs"/>
+              </a:rPr>
+              <a:t>nhö</a:t>
+            </a:r>
+            <a:r>
+              <a:rPr lang="en-US" sz="6600" b="1" dirty="0">
+                <a:latin typeface="VNI-Times" pitchFamily="2" charset="0"/>
+                <a:ea typeface="+mj-ea"/>
+                <a:cs typeface="+mj-cs"/>
+              </a:rPr>
+              <a:t> </a:t>
+            </a:r>
+            <a:r>
+              <a:rPr lang="en-US" sz="6600" b="1" dirty="0" err="1">
+                <a:latin typeface="VNI-Times" pitchFamily="2" charset="0"/>
+                <a:ea typeface="+mj-ea"/>
+                <a:cs typeface="+mj-cs"/>
+              </a:rPr>
+              <a:t>teân</a:t>
+            </a:r>
+            <a:r>
+              <a:rPr lang="en-US" sz="6600" b="1" dirty="0">
+                <a:latin typeface="VNI-Times" pitchFamily="2" charset="0"/>
+                <a:ea typeface="+mj-ea"/>
+                <a:cs typeface="+mj-cs"/>
+              </a:rPr>
+              <a:t> </a:t>
+            </a:r>
+            <a:r>
+              <a:rPr lang="en-US" sz="6600" b="1" dirty="0" err="1">
+                <a:latin typeface="VNI-Times" pitchFamily="2" charset="0"/>
+                <a:ea typeface="+mj-ea"/>
+                <a:cs typeface="+mj-cs"/>
+              </a:rPr>
+              <a:t>baén</a:t>
+            </a:r>
+            <a:r>
+              <a:rPr lang="en-US" sz="6600" b="1" dirty="0">
+                <a:latin typeface="VNI-Times" pitchFamily="2" charset="0"/>
+                <a:ea typeface="+mj-ea"/>
+                <a:cs typeface="+mj-cs"/>
+              </a:rPr>
+              <a:t> </a:t>
+            </a:r>
+            <a:r>
+              <a:rPr lang="en-US" sz="6600" b="1" dirty="0" err="1">
+                <a:latin typeface="VNI-Times" pitchFamily="2" charset="0"/>
+                <a:ea typeface="+mj-ea"/>
+                <a:cs typeface="+mj-cs"/>
+              </a:rPr>
+              <a:t>choùng</a:t>
+            </a:r>
+            <a:r>
+              <a:rPr lang="en-US" sz="6600" b="1" dirty="0">
+                <a:latin typeface="VNI-Times" pitchFamily="2" charset="0"/>
+                <a:ea typeface="+mj-ea"/>
+                <a:cs typeface="+mj-cs"/>
+              </a:rPr>
+              <a:t> </a:t>
+            </a:r>
+            <a:r>
+              <a:rPr lang="en-US" sz="6600" b="1" dirty="0" err="1">
+                <a:latin typeface="VNI-Times" pitchFamily="2" charset="0"/>
+                <a:ea typeface="+mj-ea"/>
+                <a:cs typeface="+mj-cs"/>
+              </a:rPr>
+              <a:t>quaù</a:t>
+            </a:r>
+            <a:r>
+              <a:rPr lang="en-US" sz="6600" b="1" dirty="0">
+                <a:latin typeface="VNI-Times" pitchFamily="2" charset="0"/>
+                <a:ea typeface="+mj-ea"/>
+                <a:cs typeface="+mj-cs"/>
+              </a:rPr>
+              <a:t>, </a:t>
+            </a:r>
+            <a:r>
+              <a:rPr lang="en-US" sz="6600" b="1" dirty="0" err="1">
+                <a:latin typeface="VNI-Times" pitchFamily="2" charset="0"/>
+                <a:ea typeface="+mj-ea"/>
+                <a:cs typeface="+mj-cs"/>
+              </a:rPr>
+              <a:t>nöôùc</a:t>
+            </a:r>
+            <a:r>
+              <a:rPr lang="en-US" sz="6600" b="1" dirty="0">
+                <a:latin typeface="VNI-Times" pitchFamily="2" charset="0"/>
+                <a:ea typeface="+mj-ea"/>
+                <a:cs typeface="+mj-cs"/>
+              </a:rPr>
+              <a:t> </a:t>
+            </a:r>
+            <a:r>
+              <a:rPr lang="en-US" sz="6600" b="1" dirty="0" err="1">
+                <a:latin typeface="VNI-Times" pitchFamily="2" charset="0"/>
+                <a:ea typeface="+mj-ea"/>
+                <a:cs typeface="+mj-cs"/>
+              </a:rPr>
+              <a:t>chaûy</a:t>
+            </a:r>
+            <a:r>
+              <a:rPr lang="en-US" sz="6600" b="1" dirty="0">
+                <a:latin typeface="VNI-Times" pitchFamily="2" charset="0"/>
+                <a:ea typeface="+mj-ea"/>
+                <a:cs typeface="+mj-cs"/>
+              </a:rPr>
+              <a:t> qua, </a:t>
+            </a:r>
+            <a:r>
+              <a:rPr lang="en-US" sz="6600" b="1" dirty="0" err="1">
+                <a:latin typeface="VNI-Times" pitchFamily="2" charset="0"/>
+                <a:ea typeface="+mj-ea"/>
+                <a:cs typeface="+mj-cs"/>
+              </a:rPr>
+              <a:t>boùng</a:t>
+            </a:r>
+            <a:r>
+              <a:rPr lang="en-US" sz="6600" b="1" dirty="0">
+                <a:latin typeface="VNI-Times" pitchFamily="2" charset="0"/>
+                <a:ea typeface="+mj-ea"/>
+                <a:cs typeface="+mj-cs"/>
+              </a:rPr>
+              <a:t> </a:t>
+            </a:r>
+            <a:r>
+              <a:rPr lang="en-US" sz="6600" b="1" dirty="0" err="1">
+                <a:latin typeface="VNI-Times" pitchFamily="2" charset="0"/>
+                <a:ea typeface="+mj-ea"/>
+                <a:cs typeface="+mj-cs"/>
+              </a:rPr>
+              <a:t>cuõ</a:t>
+            </a:r>
+            <a:r>
+              <a:rPr lang="en-US" sz="6600" b="1" dirty="0">
+                <a:latin typeface="VNI-Times" pitchFamily="2" charset="0"/>
+                <a:ea typeface="+mj-ea"/>
+                <a:cs typeface="+mj-cs"/>
+              </a:rPr>
+              <a:t> </a:t>
+            </a:r>
+            <a:r>
+              <a:rPr lang="en-US" sz="6600" b="1" dirty="0" err="1">
+                <a:latin typeface="VNI-Times" pitchFamily="2" charset="0"/>
+                <a:ea typeface="+mj-ea"/>
+                <a:cs typeface="+mj-cs"/>
+              </a:rPr>
+              <a:t>xa</a:t>
+            </a:r>
+            <a:r>
+              <a:rPr lang="en-US" sz="6600" b="1" dirty="0">
+                <a:latin typeface="VNI-Times" pitchFamily="2" charset="0"/>
+                <a:ea typeface="+mj-ea"/>
+                <a:cs typeface="+mj-cs"/>
+              </a:rPr>
+              <a:t>.</a:t>
             </a:r>
           </a:p>
         </p:txBody>
@@ -4698,13 +6918,6 @@
   <p:transition spd="slow">
     <p:randomBar dir="vert"/>
   </p:transition>
-  <p:timing>
-    <p:tnLst>
-      <p:par>
-        <p:cTn id="1" dur="indefinite" restart="never" nodeType="tmRoot"/>
-      </p:par>
-    </p:tnLst>
-  </p:timing>
 </p:sld>
 </file>
 
@@ -4756,43 +6969,235 @@
               <a:defRPr/>
             </a:pPr>
             <a:r>
-              <a:rPr lang="en-US" sz="6600" b="1">
-                <a:latin typeface="HP-Aptima" pitchFamily="34" charset="0"/>
-                <a:ea typeface="+mj-ea"/>
-                <a:cs typeface="+mj-cs"/>
-              </a:rPr>
-              <a:t>Kìa moät naêm qua, </a:t>
-            </a:r>
-            <a:r>
-              <a:rPr lang="en-US" sz="6600" b="1" smtClean="0">
-                <a:latin typeface="HP-Aptima" pitchFamily="34" charset="0"/>
-                <a:ea typeface="+mj-ea"/>
-                <a:cs typeface="+mj-cs"/>
-              </a:rPr>
-              <a:t/>
+              <a:rPr lang="en-US" sz="6600" b="1" dirty="0" err="1">
+                <a:latin typeface="VNI-Times" pitchFamily="2" charset="0"/>
+                <a:ea typeface="+mj-ea"/>
+                <a:cs typeface="+mj-cs"/>
+              </a:rPr>
+              <a:t>Kìa</a:t>
+            </a:r>
+            <a:r>
+              <a:rPr lang="en-US" sz="6600" b="1" dirty="0">
+                <a:latin typeface="VNI-Times" pitchFamily="2" charset="0"/>
+                <a:ea typeface="+mj-ea"/>
+                <a:cs typeface="+mj-cs"/>
+              </a:rPr>
+              <a:t> </a:t>
+            </a:r>
+            <a:r>
+              <a:rPr lang="en-US" sz="6600" b="1" dirty="0" err="1">
+                <a:latin typeface="VNI-Times" pitchFamily="2" charset="0"/>
+                <a:ea typeface="+mj-ea"/>
+                <a:cs typeface="+mj-cs"/>
+              </a:rPr>
+              <a:t>moät</a:t>
+            </a:r>
+            <a:r>
+              <a:rPr lang="en-US" sz="6600" b="1" dirty="0">
+                <a:latin typeface="VNI-Times" pitchFamily="2" charset="0"/>
+                <a:ea typeface="+mj-ea"/>
+                <a:cs typeface="+mj-cs"/>
+              </a:rPr>
+              <a:t> </a:t>
+            </a:r>
+            <a:r>
+              <a:rPr lang="en-US" sz="6600" b="1" dirty="0" err="1">
+                <a:latin typeface="VNI-Times" pitchFamily="2" charset="0"/>
+                <a:ea typeface="+mj-ea"/>
+                <a:cs typeface="+mj-cs"/>
+              </a:rPr>
+              <a:t>naêm</a:t>
+            </a:r>
+            <a:r>
+              <a:rPr lang="en-US" sz="6600" b="1" dirty="0">
+                <a:latin typeface="VNI-Times" pitchFamily="2" charset="0"/>
+                <a:ea typeface="+mj-ea"/>
+                <a:cs typeface="+mj-cs"/>
+              </a:rPr>
+              <a:t> qua, </a:t>
             </a:r>
             <a:br>
-              <a:rPr lang="en-US" sz="6600" b="1" smtClean="0">
-                <a:latin typeface="HP-Aptima" pitchFamily="34" charset="0"/>
+              <a:rPr lang="en-US" sz="6600" b="1" dirty="0">
+                <a:latin typeface="VNI-Times" pitchFamily="2" charset="0"/>
                 <a:ea typeface="+mj-ea"/>
                 <a:cs typeface="+mj-cs"/>
               </a:rPr>
             </a:br>
             <a:r>
-              <a:rPr lang="en-US" sz="6600" b="1" smtClean="0">
-                <a:latin typeface="HP-Aptima" pitchFamily="34" charset="0"/>
-                <a:ea typeface="+mj-ea"/>
-                <a:cs typeface="+mj-cs"/>
-              </a:rPr>
-              <a:t>ñaâu </a:t>
-            </a:r>
-            <a:r>
-              <a:rPr lang="en-US" sz="6600" b="1">
-                <a:latin typeface="HP-Aptima" pitchFamily="34" charset="0"/>
-                <a:ea typeface="+mj-ea"/>
-                <a:cs typeface="+mj-cs"/>
-              </a:rPr>
-              <a:t>coøn löïa giaây phuùt naán naù, caûnh cuõ qua, heát thaûy qua.</a:t>
+              <a:rPr lang="en-US" sz="6600" b="1" dirty="0" err="1">
+                <a:latin typeface="VNI-Times" pitchFamily="2" charset="0"/>
+                <a:ea typeface="+mj-ea"/>
+                <a:cs typeface="+mj-cs"/>
+              </a:rPr>
+              <a:t>ñaâu</a:t>
+            </a:r>
+            <a:r>
+              <a:rPr lang="en-US" sz="6600" b="1" dirty="0">
+                <a:latin typeface="VNI-Times" pitchFamily="2" charset="0"/>
+                <a:ea typeface="+mj-ea"/>
+                <a:cs typeface="+mj-cs"/>
+              </a:rPr>
+              <a:t> </a:t>
+            </a:r>
+            <a:r>
+              <a:rPr lang="en-US" sz="6600" b="1" dirty="0" err="1">
+                <a:latin typeface="VNI-Times" pitchFamily="2" charset="0"/>
+                <a:ea typeface="+mj-ea"/>
+                <a:cs typeface="+mj-cs"/>
+              </a:rPr>
+              <a:t>coøn</a:t>
+            </a:r>
+            <a:r>
+              <a:rPr lang="en-US" sz="6600" b="1" dirty="0">
+                <a:latin typeface="VNI-Times" pitchFamily="2" charset="0"/>
+                <a:ea typeface="+mj-ea"/>
+                <a:cs typeface="+mj-cs"/>
+              </a:rPr>
+              <a:t> </a:t>
+            </a:r>
+            <a:r>
+              <a:rPr lang="en-US" sz="6600" b="1" dirty="0" err="1">
+                <a:latin typeface="VNI-Times" pitchFamily="2" charset="0"/>
+                <a:ea typeface="+mj-ea"/>
+                <a:cs typeface="+mj-cs"/>
+              </a:rPr>
+              <a:t>löïa</a:t>
+            </a:r>
+            <a:r>
+              <a:rPr lang="en-US" sz="6600" b="1" dirty="0">
+                <a:latin typeface="VNI-Times" pitchFamily="2" charset="0"/>
+                <a:ea typeface="+mj-ea"/>
+                <a:cs typeface="+mj-cs"/>
+              </a:rPr>
+              <a:t> </a:t>
+            </a:r>
+            <a:r>
+              <a:rPr lang="en-US" sz="6600" b="1" dirty="0" err="1">
+                <a:latin typeface="VNI-Times" pitchFamily="2" charset="0"/>
+                <a:ea typeface="+mj-ea"/>
+                <a:cs typeface="+mj-cs"/>
+              </a:rPr>
+              <a:t>giaây</a:t>
+            </a:r>
+            <a:r>
+              <a:rPr lang="en-US" sz="6600" b="1" dirty="0">
+                <a:latin typeface="VNI-Times" pitchFamily="2" charset="0"/>
+                <a:ea typeface="+mj-ea"/>
+                <a:cs typeface="+mj-cs"/>
+              </a:rPr>
+              <a:t> </a:t>
+            </a:r>
+            <a:r>
+              <a:rPr lang="en-US" sz="6600" b="1" dirty="0" err="1">
+                <a:latin typeface="VNI-Times" pitchFamily="2" charset="0"/>
+                <a:ea typeface="+mj-ea"/>
+                <a:cs typeface="+mj-cs"/>
+              </a:rPr>
+              <a:t>phuùt</a:t>
+            </a:r>
+            <a:r>
+              <a:rPr lang="en-US" sz="6600" b="1" dirty="0">
+                <a:latin typeface="VNI-Times" pitchFamily="2" charset="0"/>
+                <a:ea typeface="+mj-ea"/>
+                <a:cs typeface="+mj-cs"/>
+              </a:rPr>
+              <a:t> </a:t>
+            </a:r>
+            <a:r>
+              <a:rPr lang="en-US" sz="6600" b="1" dirty="0" err="1">
+                <a:latin typeface="VNI-Times" pitchFamily="2" charset="0"/>
+                <a:ea typeface="+mj-ea"/>
+                <a:cs typeface="+mj-cs"/>
+              </a:rPr>
+              <a:t>naán</a:t>
+            </a:r>
+            <a:r>
+              <a:rPr lang="en-US" sz="6600" b="1" dirty="0">
+                <a:latin typeface="VNI-Times" pitchFamily="2" charset="0"/>
+                <a:ea typeface="+mj-ea"/>
+                <a:cs typeface="+mj-cs"/>
+              </a:rPr>
+              <a:t> </a:t>
+            </a:r>
+            <a:r>
+              <a:rPr lang="en-US" sz="6600" b="1" dirty="0" err="1">
+                <a:latin typeface="VNI-Times" pitchFamily="2" charset="0"/>
+                <a:ea typeface="+mj-ea"/>
+                <a:cs typeface="+mj-cs"/>
+              </a:rPr>
+              <a:t>naù</a:t>
+            </a:r>
+            <a:r>
+              <a:rPr lang="en-US" sz="6600" b="1" dirty="0">
+                <a:latin typeface="VNI-Times" pitchFamily="2" charset="0"/>
+                <a:ea typeface="+mj-ea"/>
+                <a:cs typeface="+mj-cs"/>
+              </a:rPr>
+              <a:t>, </a:t>
+            </a:r>
+            <a:r>
+              <a:rPr lang="en-US" sz="6600" b="1" dirty="0" err="1">
+                <a:latin typeface="VNI-Times" pitchFamily="2" charset="0"/>
+                <a:ea typeface="+mj-ea"/>
+                <a:cs typeface="+mj-cs"/>
+              </a:rPr>
+              <a:t>caûnh</a:t>
+            </a:r>
+            <a:r>
+              <a:rPr lang="en-US" sz="6600" b="1" dirty="0">
+                <a:latin typeface="VNI-Times" pitchFamily="2" charset="0"/>
+                <a:ea typeface="+mj-ea"/>
+                <a:cs typeface="+mj-cs"/>
+              </a:rPr>
+              <a:t> </a:t>
+            </a:r>
+            <a:r>
+              <a:rPr lang="en-US" sz="6600" b="1" dirty="0" err="1">
+                <a:latin typeface="VNI-Times" pitchFamily="2" charset="0"/>
+                <a:ea typeface="+mj-ea"/>
+                <a:cs typeface="+mj-cs"/>
+              </a:rPr>
+              <a:t>cuõ</a:t>
+            </a:r>
+            <a:r>
+              <a:rPr lang="en-US" sz="6600" b="1" dirty="0">
+                <a:latin typeface="VNI-Times" pitchFamily="2" charset="0"/>
+                <a:ea typeface="+mj-ea"/>
+                <a:cs typeface="+mj-cs"/>
+              </a:rPr>
+              <a:t> qua, </a:t>
+            </a:r>
+            <a:r>
+              <a:rPr lang="en-US" sz="6600" b="1" dirty="0" err="1">
+                <a:latin typeface="VNI-Times" pitchFamily="2" charset="0"/>
+                <a:ea typeface="+mj-ea"/>
+                <a:cs typeface="+mj-cs"/>
+              </a:rPr>
+              <a:t>heát</a:t>
+            </a:r>
+            <a:r>
+              <a:rPr lang="en-US" sz="6600" b="1" dirty="0">
+                <a:latin typeface="VNI-Times" pitchFamily="2" charset="0"/>
+                <a:ea typeface="+mj-ea"/>
+                <a:cs typeface="+mj-cs"/>
+              </a:rPr>
+              <a:t> </a:t>
+            </a:r>
+            <a:r>
+              <a:rPr lang="en-US" sz="6600" b="1" dirty="0" err="1">
+                <a:latin typeface="VNI-Times" pitchFamily="2" charset="0"/>
+                <a:ea typeface="+mj-ea"/>
+                <a:cs typeface="+mj-cs"/>
+              </a:rPr>
+              <a:t>thaûy</a:t>
+            </a:r>
+            <a:r>
+              <a:rPr lang="en-US" sz="6600" b="1" dirty="0">
+                <a:latin typeface="VNI-Times" pitchFamily="2" charset="0"/>
+                <a:ea typeface="+mj-ea"/>
+                <a:cs typeface="+mj-cs"/>
+              </a:rPr>
+              <a:t> qua.</a:t>
             </a:r>
           </a:p>
         </p:txBody>
@@ -4833,7 +7238,7 @@
               <a:defRPr/>
             </a:pPr>
             <a:r>
-              <a:rPr lang="en-US" sz="3600" b="1" smtClean="0">
+              <a:rPr lang="en-US" sz="3600" b="1" dirty="0">
                 <a:solidFill>
                   <a:srgbClr val="FFFF00"/>
                 </a:solidFill>
@@ -4842,25 +7247,12 @@
                     <a:schemeClr val="tx1"/>
                   </a:glow>
                 </a:effectLst>
-                <a:latin typeface="VNI-Garam" pitchFamily="34" charset="0"/>
+                <a:latin typeface="VNI-Times" pitchFamily="2" charset="0"/>
                 <a:ea typeface="+mj-ea"/>
                 <a:cs typeface="+mj-cs"/>
               </a:rPr>
               <a:t>TC 509  –  NGAØY GIÔØ QUA</a:t>
             </a:r>
-            <a:endParaRPr lang="en-US" sz="3600" b="1">
-              <a:solidFill>
-                <a:srgbClr val="FFFF00"/>
-              </a:solidFill>
-              <a:effectLst>
-                <a:glow rad="101600">
-                  <a:schemeClr val="tx1"/>
-                </a:glow>
-              </a:effectLst>
-              <a:latin typeface="VNI-Garam" pitchFamily="34" charset="0"/>
-              <a:ea typeface="+mj-ea"/>
-              <a:cs typeface="+mj-cs"/>
-            </a:endParaRPr>
           </a:p>
         </p:txBody>
       </p:sp>
@@ -4869,13 +7261,6 @@
   <p:clrMapOvr>
     <a:masterClrMapping/>
   </p:clrMapOvr>
-  <p:timing>
-    <p:tnLst>
-      <p:par>
-        <p:cTn id="1" dur="indefinite" restart="never" nodeType="tmRoot"/>
-      </p:par>
-    </p:tnLst>
-  </p:timing>
 </p:sld>
 </file>
 
@@ -4927,68 +7312,228 @@
               <a:defRPr/>
             </a:pPr>
             <a:r>
-              <a:rPr lang="en-US" sz="4400" b="1" i="1" u="sng" smtClean="0">
-                <a:latin typeface="HP-Aptima" pitchFamily="34" charset="0"/>
-                <a:ea typeface="+mj-ea"/>
-                <a:cs typeface="+mj-cs"/>
-              </a:rPr>
-              <a:t>ÑK</a:t>
-            </a:r>
-            <a:r>
-              <a:rPr lang="en-US" sz="4400" b="1" i="1" u="sng">
-                <a:latin typeface="HP-Aptima" pitchFamily="34" charset="0"/>
-                <a:ea typeface="+mj-ea"/>
-                <a:cs typeface="+mj-cs"/>
-              </a:rPr>
-              <a:t>:</a:t>
-            </a:r>
-            <a:r>
-              <a:rPr lang="en-US" sz="4800" b="1">
-                <a:latin typeface="HP-Aptima" pitchFamily="34" charset="0"/>
-                <a:ea typeface="+mj-ea"/>
-                <a:cs typeface="+mj-cs"/>
-              </a:rPr>
-              <a:t> </a:t>
-            </a:r>
-            <a:r>
-              <a:rPr lang="en-US" sz="6600" b="1">
-                <a:latin typeface="HP-Aptima" pitchFamily="34" charset="0"/>
-                <a:ea typeface="+mj-ea"/>
-                <a:cs typeface="+mj-cs"/>
-              </a:rPr>
-              <a:t>Kìa taân xuaân </a:t>
-            </a:r>
-            <a:r>
-              <a:rPr lang="en-US" sz="6600" b="1" smtClean="0">
-                <a:latin typeface="HP-Aptima" pitchFamily="34" charset="0"/>
-                <a:ea typeface="+mj-ea"/>
-                <a:cs typeface="+mj-cs"/>
-              </a:rPr>
-              <a:t>ñeán </a:t>
-            </a:r>
-            <a:r>
-              <a:rPr lang="en-US" sz="6600" b="1">
-                <a:latin typeface="HP-Aptima" pitchFamily="34" charset="0"/>
-                <a:ea typeface="+mj-ea"/>
-                <a:cs typeface="+mj-cs"/>
-              </a:rPr>
-              <a:t>kia, chim ca </a:t>
-            </a:r>
-            <a:r>
-              <a:rPr lang="en-US" sz="6600" b="1" smtClean="0">
-                <a:latin typeface="HP-Aptima" pitchFamily="34" charset="0"/>
-                <a:ea typeface="+mj-ea"/>
-                <a:cs typeface="+mj-cs"/>
-              </a:rPr>
-              <a:t>hoan nghinh</a:t>
-            </a:r>
-            <a:r>
-              <a:rPr lang="en-US" sz="6600" b="1">
-                <a:latin typeface="HP-Aptima" pitchFamily="34" charset="0"/>
-                <a:ea typeface="+mj-ea"/>
-                <a:cs typeface="+mj-cs"/>
-              </a:rPr>
-              <a:t>, khaép non soâng baùo tin bình minh.</a:t>
+              <a:rPr lang="en-US" sz="4400" b="1" u="sng" dirty="0">
+                <a:latin typeface="VNI-Times" pitchFamily="2" charset="0"/>
+                <a:ea typeface="+mj-ea"/>
+                <a:cs typeface="+mj-cs"/>
+              </a:rPr>
+              <a:t>ÑK:</a:t>
+            </a:r>
+            <a:r>
+              <a:rPr lang="en-US" sz="4800" b="1" dirty="0">
+                <a:latin typeface="VNI-Times" pitchFamily="2" charset="0"/>
+                <a:ea typeface="+mj-ea"/>
+                <a:cs typeface="+mj-cs"/>
+              </a:rPr>
+              <a:t> </a:t>
+            </a:r>
+            <a:r>
+              <a:rPr lang="en-US" sz="6600" b="1" dirty="0" err="1">
+                <a:latin typeface="VNI-Times" pitchFamily="2" charset="0"/>
+                <a:ea typeface="+mj-ea"/>
+                <a:cs typeface="+mj-cs"/>
+              </a:rPr>
+              <a:t>Kìa</a:t>
+            </a:r>
+            <a:r>
+              <a:rPr lang="en-US" sz="6600" b="1" dirty="0">
+                <a:latin typeface="VNI-Times" pitchFamily="2" charset="0"/>
+                <a:ea typeface="+mj-ea"/>
+                <a:cs typeface="+mj-cs"/>
+              </a:rPr>
+              <a:t> </a:t>
+            </a:r>
+            <a:r>
+              <a:rPr lang="en-US" sz="6600" b="1" dirty="0" err="1">
+                <a:latin typeface="VNI-Times" pitchFamily="2" charset="0"/>
+                <a:ea typeface="+mj-ea"/>
+                <a:cs typeface="+mj-cs"/>
+              </a:rPr>
+              <a:t>taân</a:t>
+            </a:r>
+            <a:r>
+              <a:rPr lang="en-US" sz="6600" b="1" dirty="0">
+                <a:latin typeface="VNI-Times" pitchFamily="2" charset="0"/>
+                <a:ea typeface="+mj-ea"/>
+                <a:cs typeface="+mj-cs"/>
+              </a:rPr>
+              <a:t> </a:t>
+            </a:r>
+            <a:r>
+              <a:rPr lang="en-US" sz="6600" b="1" dirty="0" err="1">
+                <a:latin typeface="VNI-Times" pitchFamily="2" charset="0"/>
+                <a:ea typeface="+mj-ea"/>
+                <a:cs typeface="+mj-cs"/>
+              </a:rPr>
+              <a:t>xuaân</a:t>
+            </a:r>
+            <a:r>
+              <a:rPr lang="en-US" sz="6600" b="1" dirty="0">
+                <a:latin typeface="VNI-Times" pitchFamily="2" charset="0"/>
+                <a:ea typeface="+mj-ea"/>
+                <a:cs typeface="+mj-cs"/>
+              </a:rPr>
+              <a:t> </a:t>
+            </a:r>
+            <a:r>
+              <a:rPr lang="en-US" sz="6600" b="1" dirty="0" err="1">
+                <a:latin typeface="VNI-Times" pitchFamily="2" charset="0"/>
+                <a:ea typeface="+mj-ea"/>
+                <a:cs typeface="+mj-cs"/>
+              </a:rPr>
+              <a:t>ñeán</a:t>
+            </a:r>
+            <a:r>
+              <a:rPr lang="en-US" sz="6600" b="1" dirty="0">
+                <a:latin typeface="VNI-Times" pitchFamily="2" charset="0"/>
+                <a:ea typeface="+mj-ea"/>
+                <a:cs typeface="+mj-cs"/>
+              </a:rPr>
+              <a:t> </a:t>
+            </a:r>
+            <a:r>
+              <a:rPr lang="en-US" sz="6600" b="1" dirty="0" err="1">
+                <a:latin typeface="VNI-Times" pitchFamily="2" charset="0"/>
+                <a:ea typeface="+mj-ea"/>
+                <a:cs typeface="+mj-cs"/>
+              </a:rPr>
+              <a:t>kia</a:t>
+            </a:r>
+            <a:r>
+              <a:rPr lang="en-US" sz="6600" b="1" dirty="0">
+                <a:latin typeface="VNI-Times" pitchFamily="2" charset="0"/>
+                <a:ea typeface="+mj-ea"/>
+                <a:cs typeface="+mj-cs"/>
+              </a:rPr>
+              <a:t>, </a:t>
+            </a:r>
+            <a:r>
+              <a:rPr lang="en-US" sz="6600" b="1" dirty="0" err="1">
+                <a:latin typeface="VNI-Times" pitchFamily="2" charset="0"/>
+                <a:ea typeface="+mj-ea"/>
+                <a:cs typeface="+mj-cs"/>
+              </a:rPr>
+              <a:t>chim</a:t>
+            </a:r>
+            <a:r>
+              <a:rPr lang="en-US" sz="6600" b="1" dirty="0">
+                <a:latin typeface="VNI-Times" pitchFamily="2" charset="0"/>
+                <a:ea typeface="+mj-ea"/>
+                <a:cs typeface="+mj-cs"/>
+              </a:rPr>
+              <a:t> ca </a:t>
+            </a:r>
+            <a:r>
+              <a:rPr lang="en-US" sz="6600" b="1" dirty="0" err="1">
+                <a:latin typeface="VNI-Times" pitchFamily="2" charset="0"/>
+                <a:ea typeface="+mj-ea"/>
+                <a:cs typeface="+mj-cs"/>
+              </a:rPr>
+              <a:t>hoan</a:t>
+            </a:r>
+            <a:r>
+              <a:rPr lang="en-US" sz="6600" b="1" dirty="0">
+                <a:latin typeface="VNI-Times" pitchFamily="2" charset="0"/>
+                <a:ea typeface="+mj-ea"/>
+                <a:cs typeface="+mj-cs"/>
+              </a:rPr>
+              <a:t> </a:t>
+            </a:r>
+            <a:r>
+              <a:rPr lang="en-US" sz="6600" b="1" dirty="0" err="1">
+                <a:latin typeface="VNI-Times" pitchFamily="2" charset="0"/>
+                <a:ea typeface="+mj-ea"/>
+                <a:cs typeface="+mj-cs"/>
+              </a:rPr>
+              <a:t>nghinh</a:t>
+            </a:r>
+            <a:r>
+              <a:rPr lang="en-US" sz="6600" b="1" dirty="0">
+                <a:latin typeface="VNI-Times" pitchFamily="2" charset="0"/>
+                <a:ea typeface="+mj-ea"/>
+                <a:cs typeface="+mj-cs"/>
+              </a:rPr>
+              <a:t>, </a:t>
+            </a:r>
+            <a:r>
+              <a:rPr lang="en-US" sz="6600" b="1" dirty="0" err="1">
+                <a:latin typeface="VNI-Times" pitchFamily="2" charset="0"/>
+                <a:ea typeface="+mj-ea"/>
+                <a:cs typeface="+mj-cs"/>
+              </a:rPr>
+              <a:t>khaép</a:t>
+            </a:r>
+            <a:r>
+              <a:rPr lang="en-US" sz="6600" b="1" dirty="0">
+                <a:latin typeface="VNI-Times" pitchFamily="2" charset="0"/>
+                <a:ea typeface="+mj-ea"/>
+                <a:cs typeface="+mj-cs"/>
+              </a:rPr>
+              <a:t> non </a:t>
+            </a:r>
+            <a:r>
+              <a:rPr lang="en-US" sz="6600" b="1" dirty="0" err="1">
+                <a:latin typeface="VNI-Times" pitchFamily="2" charset="0"/>
+                <a:ea typeface="+mj-ea"/>
+                <a:cs typeface="+mj-cs"/>
+              </a:rPr>
+              <a:t>soâng</a:t>
+            </a:r>
+            <a:r>
+              <a:rPr lang="en-US" sz="6600" b="1" dirty="0">
+                <a:latin typeface="VNI-Times" pitchFamily="2" charset="0"/>
+                <a:ea typeface="+mj-ea"/>
+                <a:cs typeface="+mj-cs"/>
+              </a:rPr>
+              <a:t> </a:t>
+            </a:r>
+            <a:r>
+              <a:rPr lang="en-US" sz="6600" b="1" dirty="0" err="1">
+                <a:latin typeface="VNI-Times" pitchFamily="2" charset="0"/>
+                <a:ea typeface="+mj-ea"/>
+                <a:cs typeface="+mj-cs"/>
+              </a:rPr>
+              <a:t>baùo</a:t>
+            </a:r>
+            <a:r>
+              <a:rPr lang="en-US" sz="6600" b="1" dirty="0">
+                <a:latin typeface="VNI-Times" pitchFamily="2" charset="0"/>
+                <a:ea typeface="+mj-ea"/>
+                <a:cs typeface="+mj-cs"/>
+              </a:rPr>
+              <a:t> tin </a:t>
+            </a:r>
+            <a:r>
+              <a:rPr lang="en-US" sz="6600" b="1" dirty="0" err="1">
+                <a:latin typeface="VNI-Times" pitchFamily="2" charset="0"/>
+                <a:ea typeface="+mj-ea"/>
+                <a:cs typeface="+mj-cs"/>
+              </a:rPr>
+              <a:t>bình</a:t>
+            </a:r>
+            <a:r>
+              <a:rPr lang="en-US" sz="6600" b="1" dirty="0">
+                <a:latin typeface="VNI-Times" pitchFamily="2" charset="0"/>
+                <a:ea typeface="+mj-ea"/>
+                <a:cs typeface="+mj-cs"/>
+              </a:rPr>
+              <a:t> </a:t>
+            </a:r>
+            <a:r>
+              <a:rPr lang="en-US" sz="6600" b="1" dirty="0" err="1">
+                <a:latin typeface="VNI-Times" pitchFamily="2" charset="0"/>
+                <a:ea typeface="+mj-ea"/>
+                <a:cs typeface="+mj-cs"/>
+              </a:rPr>
+              <a:t>minh</a:t>
+            </a:r>
+            <a:r>
+              <a:rPr lang="en-US" sz="6600" b="1" dirty="0">
+                <a:latin typeface="VNI-Times" pitchFamily="2" charset="0"/>
+                <a:ea typeface="+mj-ea"/>
+                <a:cs typeface="+mj-cs"/>
+              </a:rPr>
+              <a:t>.</a:t>
             </a:r>
           </a:p>
         </p:txBody>
@@ -5029,7 +7574,7 @@
               <a:defRPr/>
             </a:pPr>
             <a:r>
-              <a:rPr lang="en-US" sz="3600" b="1" smtClean="0">
+              <a:rPr lang="en-US" sz="3600" b="1" dirty="0">
                 <a:solidFill>
                   <a:srgbClr val="FFFF00"/>
                 </a:solidFill>
@@ -5038,25 +7583,12 @@
                     <a:schemeClr val="tx1"/>
                   </a:glow>
                 </a:effectLst>
-                <a:latin typeface="VNI-Garam" pitchFamily="34" charset="0"/>
+                <a:latin typeface="VNI-Times" pitchFamily="2" charset="0"/>
                 <a:ea typeface="+mj-ea"/>
                 <a:cs typeface="+mj-cs"/>
               </a:rPr>
               <a:t>TC 509  –  NGAØY GIÔØ QUA</a:t>
             </a:r>
-            <a:endParaRPr lang="en-US" sz="3600" b="1">
-              <a:solidFill>
-                <a:srgbClr val="FFFF00"/>
-              </a:solidFill>
-              <a:effectLst>
-                <a:glow rad="101600">
-                  <a:schemeClr val="tx1"/>
-                </a:glow>
-              </a:effectLst>
-              <a:latin typeface="VNI-Garam" pitchFamily="34" charset="0"/>
-              <a:ea typeface="+mj-ea"/>
-              <a:cs typeface="+mj-cs"/>
-            </a:endParaRPr>
           </a:p>
         </p:txBody>
       </p:sp>
@@ -5065,13 +7597,6 @@
   <p:clrMapOvr>
     <a:masterClrMapping/>
   </p:clrMapOvr>
-  <p:timing>
-    <p:tnLst>
-      <p:par>
-        <p:cTn id="1" dur="indefinite" restart="never" nodeType="tmRoot"/>
-      </p:par>
-    </p:tnLst>
-  </p:timing>
 </p:sld>
 </file>
 
@@ -5123,59 +7648,235 @@
               <a:defRPr/>
             </a:pPr>
             <a:r>
-              <a:rPr lang="en-US" sz="6600" b="1">
-                <a:latin typeface="HP-Aptima" pitchFamily="34" charset="0"/>
-                <a:ea typeface="+mj-ea"/>
-                <a:cs typeface="+mj-cs"/>
-              </a:rPr>
-              <a:t>Cuøng nhau ta soáng vui trong ôn quang vinh, </a:t>
-            </a:r>
-            <a:r>
-              <a:rPr lang="en-US" sz="6600" b="1" smtClean="0">
-                <a:latin typeface="HP-Aptima" pitchFamily="34" charset="0"/>
-                <a:ea typeface="+mj-ea"/>
-                <a:cs typeface="+mj-cs"/>
-              </a:rPr>
-              <a:t>chuùc </a:t>
-            </a:r>
-            <a:r>
-              <a:rPr lang="en-US" sz="6600" b="1">
-                <a:latin typeface="HP-Aptima" pitchFamily="34" charset="0"/>
-                <a:ea typeface="+mj-ea"/>
-                <a:cs typeface="+mj-cs"/>
-              </a:rPr>
-              <a:t>cho nhau, </a:t>
-            </a:r>
-            <a:r>
-              <a:rPr lang="en-US" sz="6600" b="1" smtClean="0">
-                <a:latin typeface="HP-Aptima" pitchFamily="34" charset="0"/>
-                <a:ea typeface="+mj-ea"/>
-                <a:cs typeface="+mj-cs"/>
-              </a:rPr>
-              <a:t/>
+              <a:rPr lang="en-US" sz="6600" b="1" dirty="0" err="1">
+                <a:latin typeface="VNI-Times" pitchFamily="2" charset="0"/>
+                <a:ea typeface="+mj-ea"/>
+                <a:cs typeface="+mj-cs"/>
+              </a:rPr>
+              <a:t>Cuøng</a:t>
+            </a:r>
+            <a:r>
+              <a:rPr lang="en-US" sz="6600" b="1" dirty="0">
+                <a:latin typeface="VNI-Times" pitchFamily="2" charset="0"/>
+                <a:ea typeface="+mj-ea"/>
+                <a:cs typeface="+mj-cs"/>
+              </a:rPr>
+              <a:t> </a:t>
+            </a:r>
+            <a:r>
+              <a:rPr lang="en-US" sz="6600" b="1" dirty="0" err="1">
+                <a:latin typeface="VNI-Times" pitchFamily="2" charset="0"/>
+                <a:ea typeface="+mj-ea"/>
+                <a:cs typeface="+mj-cs"/>
+              </a:rPr>
+              <a:t>nhau</a:t>
+            </a:r>
+            <a:r>
+              <a:rPr lang="en-US" sz="6600" b="1" dirty="0">
+                <a:latin typeface="VNI-Times" pitchFamily="2" charset="0"/>
+                <a:ea typeface="+mj-ea"/>
+                <a:cs typeface="+mj-cs"/>
+              </a:rPr>
+              <a:t> ta </a:t>
+            </a:r>
+            <a:r>
+              <a:rPr lang="en-US" sz="6600" b="1" dirty="0" err="1">
+                <a:latin typeface="VNI-Times" pitchFamily="2" charset="0"/>
+                <a:ea typeface="+mj-ea"/>
+                <a:cs typeface="+mj-cs"/>
+              </a:rPr>
+              <a:t>soáng</a:t>
+            </a:r>
+            <a:r>
+              <a:rPr lang="en-US" sz="6600" b="1" dirty="0">
+                <a:latin typeface="VNI-Times" pitchFamily="2" charset="0"/>
+                <a:ea typeface="+mj-ea"/>
+                <a:cs typeface="+mj-cs"/>
+              </a:rPr>
+              <a:t> </a:t>
+            </a:r>
+            <a:r>
+              <a:rPr lang="en-US" sz="6600" b="1" dirty="0" err="1">
+                <a:latin typeface="VNI-Times" pitchFamily="2" charset="0"/>
+                <a:ea typeface="+mj-ea"/>
+                <a:cs typeface="+mj-cs"/>
+              </a:rPr>
+              <a:t>vui</a:t>
+            </a:r>
+            <a:r>
+              <a:rPr lang="en-US" sz="6600" b="1" dirty="0">
+                <a:latin typeface="VNI-Times" pitchFamily="2" charset="0"/>
+                <a:ea typeface="+mj-ea"/>
+                <a:cs typeface="+mj-cs"/>
+              </a:rPr>
+              <a:t> </a:t>
+            </a:r>
+            <a:r>
+              <a:rPr lang="en-US" sz="6600" b="1" dirty="0" err="1">
+                <a:latin typeface="VNI-Times" pitchFamily="2" charset="0"/>
+                <a:ea typeface="+mj-ea"/>
+                <a:cs typeface="+mj-cs"/>
+              </a:rPr>
+              <a:t>trong</a:t>
+            </a:r>
+            <a:r>
+              <a:rPr lang="en-US" sz="6600" b="1" dirty="0">
+                <a:latin typeface="VNI-Times" pitchFamily="2" charset="0"/>
+                <a:ea typeface="+mj-ea"/>
+                <a:cs typeface="+mj-cs"/>
+              </a:rPr>
+              <a:t> </a:t>
+            </a:r>
+            <a:r>
+              <a:rPr lang="en-US" sz="6600" b="1" dirty="0" err="1">
+                <a:latin typeface="VNI-Times" pitchFamily="2" charset="0"/>
+                <a:ea typeface="+mj-ea"/>
+                <a:cs typeface="+mj-cs"/>
+              </a:rPr>
+              <a:t>ôn</a:t>
+            </a:r>
+            <a:r>
+              <a:rPr lang="en-US" sz="6600" b="1" dirty="0">
+                <a:latin typeface="VNI-Times" pitchFamily="2" charset="0"/>
+                <a:ea typeface="+mj-ea"/>
+                <a:cs typeface="+mj-cs"/>
+              </a:rPr>
+              <a:t> </a:t>
+            </a:r>
+            <a:r>
+              <a:rPr lang="en-US" sz="6600" b="1" dirty="0" err="1">
+                <a:latin typeface="VNI-Times" pitchFamily="2" charset="0"/>
+                <a:ea typeface="+mj-ea"/>
+                <a:cs typeface="+mj-cs"/>
+              </a:rPr>
+              <a:t>quang</a:t>
+            </a:r>
+            <a:r>
+              <a:rPr lang="en-US" sz="6600" b="1" dirty="0">
+                <a:latin typeface="VNI-Times" pitchFamily="2" charset="0"/>
+                <a:ea typeface="+mj-ea"/>
+                <a:cs typeface="+mj-cs"/>
+              </a:rPr>
+              <a:t> </a:t>
+            </a:r>
+            <a:r>
+              <a:rPr lang="en-US" sz="6600" b="1" dirty="0" err="1">
+                <a:latin typeface="VNI-Times" pitchFamily="2" charset="0"/>
+                <a:ea typeface="+mj-ea"/>
+                <a:cs typeface="+mj-cs"/>
+              </a:rPr>
+              <a:t>vinh</a:t>
+            </a:r>
+            <a:r>
+              <a:rPr lang="en-US" sz="6600" b="1" dirty="0">
+                <a:latin typeface="VNI-Times" pitchFamily="2" charset="0"/>
+                <a:ea typeface="+mj-ea"/>
+                <a:cs typeface="+mj-cs"/>
+              </a:rPr>
+              <a:t>, </a:t>
+            </a:r>
+            <a:r>
+              <a:rPr lang="en-US" sz="6600" b="1" dirty="0" err="1">
+                <a:latin typeface="VNI-Times" pitchFamily="2" charset="0"/>
+                <a:ea typeface="+mj-ea"/>
+                <a:cs typeface="+mj-cs"/>
+              </a:rPr>
+              <a:t>chuùc</a:t>
+            </a:r>
+            <a:r>
+              <a:rPr lang="en-US" sz="6600" b="1" dirty="0">
+                <a:latin typeface="VNI-Times" pitchFamily="2" charset="0"/>
+                <a:ea typeface="+mj-ea"/>
+                <a:cs typeface="+mj-cs"/>
+              </a:rPr>
+              <a:t> </a:t>
+            </a:r>
+            <a:r>
+              <a:rPr lang="en-US" sz="6600" b="1" dirty="0" err="1">
+                <a:latin typeface="VNI-Times" pitchFamily="2" charset="0"/>
+                <a:ea typeface="+mj-ea"/>
+                <a:cs typeface="+mj-cs"/>
+              </a:rPr>
+              <a:t>cho</a:t>
+            </a:r>
+            <a:r>
+              <a:rPr lang="en-US" sz="6600" b="1" dirty="0">
+                <a:latin typeface="VNI-Times" pitchFamily="2" charset="0"/>
+                <a:ea typeface="+mj-ea"/>
+                <a:cs typeface="+mj-cs"/>
+              </a:rPr>
+              <a:t> </a:t>
+            </a:r>
+            <a:r>
+              <a:rPr lang="en-US" sz="6600" b="1" dirty="0" err="1">
+                <a:latin typeface="VNI-Times" pitchFamily="2" charset="0"/>
+                <a:ea typeface="+mj-ea"/>
+                <a:cs typeface="+mj-cs"/>
+              </a:rPr>
+              <a:t>nhau</a:t>
+            </a:r>
+            <a:r>
+              <a:rPr lang="en-US" sz="6600" b="1" dirty="0">
+                <a:latin typeface="VNI-Times" pitchFamily="2" charset="0"/>
+                <a:ea typeface="+mj-ea"/>
+                <a:cs typeface="+mj-cs"/>
+              </a:rPr>
+              <a:t>, </a:t>
             </a:r>
             <a:br>
-              <a:rPr lang="en-US" sz="6600" b="1" smtClean="0">
-                <a:latin typeface="HP-Aptima" pitchFamily="34" charset="0"/>
+              <a:rPr lang="en-US" sz="6600" b="1" dirty="0">
+                <a:latin typeface="VNI-Times" pitchFamily="2" charset="0"/>
                 <a:ea typeface="+mj-ea"/>
                 <a:cs typeface="+mj-cs"/>
               </a:rPr>
             </a:br>
             <a:r>
-              <a:rPr lang="en-US" sz="6600" b="1" smtClean="0">
-                <a:latin typeface="HP-Aptima" pitchFamily="34" charset="0"/>
-                <a:ea typeface="+mj-ea"/>
-                <a:cs typeface="+mj-cs"/>
-              </a:rPr>
-              <a:t>khuùc </a:t>
-            </a:r>
-            <a:r>
-              <a:rPr lang="en-US" sz="6600" b="1">
-                <a:latin typeface="HP-Aptima" pitchFamily="34" charset="0"/>
-                <a:ea typeface="+mj-ea"/>
-                <a:cs typeface="+mj-cs"/>
-              </a:rPr>
-              <a:t>ca vónh sinh.</a:t>
+              <a:rPr lang="en-US" sz="6600" b="1" dirty="0" err="1">
+                <a:latin typeface="VNI-Times" pitchFamily="2" charset="0"/>
+                <a:ea typeface="+mj-ea"/>
+                <a:cs typeface="+mj-cs"/>
+              </a:rPr>
+              <a:t>khuùc</a:t>
+            </a:r>
+            <a:r>
+              <a:rPr lang="en-US" sz="6600" b="1" dirty="0">
+                <a:latin typeface="VNI-Times" pitchFamily="2" charset="0"/>
+                <a:ea typeface="+mj-ea"/>
+                <a:cs typeface="+mj-cs"/>
+              </a:rPr>
+              <a:t> ca </a:t>
+            </a:r>
+            <a:r>
+              <a:rPr lang="en-US" sz="6600" b="1" dirty="0" err="1">
+                <a:latin typeface="VNI-Times" pitchFamily="2" charset="0"/>
+                <a:ea typeface="+mj-ea"/>
+                <a:cs typeface="+mj-cs"/>
+              </a:rPr>
+              <a:t>vónh</a:t>
+            </a:r>
+            <a:r>
+              <a:rPr lang="en-US" sz="6600" b="1" dirty="0">
+                <a:latin typeface="VNI-Times" pitchFamily="2" charset="0"/>
+                <a:ea typeface="+mj-ea"/>
+                <a:cs typeface="+mj-cs"/>
+              </a:rPr>
+              <a:t> </a:t>
+            </a:r>
+            <a:r>
+              <a:rPr lang="en-US" sz="6600" b="1" dirty="0" err="1">
+                <a:latin typeface="VNI-Times" pitchFamily="2" charset="0"/>
+                <a:ea typeface="+mj-ea"/>
+                <a:cs typeface="+mj-cs"/>
+              </a:rPr>
+              <a:t>sinh</a:t>
+            </a:r>
+            <a:r>
+              <a:rPr lang="en-US" sz="6600" b="1" dirty="0">
+                <a:latin typeface="VNI-Times" pitchFamily="2" charset="0"/>
+                <a:ea typeface="+mj-ea"/>
+                <a:cs typeface="+mj-cs"/>
+              </a:rPr>
+              <a:t>.</a:t>
             </a:r>
           </a:p>
         </p:txBody>
@@ -5216,7 +7917,7 @@
               <a:defRPr/>
             </a:pPr>
             <a:r>
-              <a:rPr lang="en-US" sz="3600" b="1" smtClean="0">
+              <a:rPr lang="en-US" sz="3600" b="1" dirty="0">
                 <a:solidFill>
                   <a:srgbClr val="FFFF00"/>
                 </a:solidFill>
@@ -5225,25 +7926,12 @@
                     <a:schemeClr val="tx1"/>
                   </a:glow>
                 </a:effectLst>
-                <a:latin typeface="VNI-Garam" pitchFamily="34" charset="0"/>
+                <a:latin typeface="VNI-Times" pitchFamily="2" charset="0"/>
                 <a:ea typeface="+mj-ea"/>
                 <a:cs typeface="+mj-cs"/>
               </a:rPr>
               <a:t>TC 509  –  NGAØY GIÔØ QUA</a:t>
             </a:r>
-            <a:endParaRPr lang="en-US" sz="3600" b="1">
-              <a:solidFill>
-                <a:srgbClr val="FFFF00"/>
-              </a:solidFill>
-              <a:effectLst>
-                <a:glow rad="101600">
-                  <a:schemeClr val="tx1"/>
-                </a:glow>
-              </a:effectLst>
-              <a:latin typeface="VNI-Garam" pitchFamily="34" charset="0"/>
-              <a:ea typeface="+mj-ea"/>
-              <a:cs typeface="+mj-cs"/>
-            </a:endParaRPr>
           </a:p>
         </p:txBody>
       </p:sp>
@@ -5252,13 +7940,6 @@
   <p:clrMapOvr>
     <a:masterClrMapping/>
   </p:clrMapOvr>
-  <p:timing>
-    <p:tnLst>
-      <p:par>
-        <p:cTn id="1" dur="indefinite" restart="never" nodeType="tmRoot"/>
-      </p:par>
-    </p:tnLst>
-  </p:timing>
 </p:sld>
 </file>
 
@@ -5310,36 +7991,236 @@
               <a:defRPr/>
             </a:pPr>
             <a:r>
-              <a:rPr lang="en-US" sz="4400" b="1">
-                <a:latin typeface="HP-Aptima" pitchFamily="34" charset="0"/>
+              <a:rPr lang="en-US" sz="4400" b="1" dirty="0">
+                <a:latin typeface="VNI-Times" pitchFamily="2" charset="0"/>
                 <a:ea typeface="+mj-ea"/>
                 <a:cs typeface="+mj-cs"/>
               </a:rPr>
               <a:t>2. </a:t>
             </a:r>
             <a:r>
-              <a:rPr lang="en-US" sz="6600" b="1">
-                <a:latin typeface="HP-Aptima" pitchFamily="34" charset="0"/>
-                <a:ea typeface="+mj-ea"/>
-                <a:cs typeface="+mj-cs"/>
-              </a:rPr>
-              <a:t>Baàu trôøi ñoâng moâng lung ngaøy nay ñaâu coù thaáy boùng, Chuùa töû </a:t>
-            </a:r>
-            <a:r>
-              <a:rPr lang="en-US" sz="6600" b="1" smtClean="0">
-                <a:latin typeface="HP-Aptima" pitchFamily="34" charset="0"/>
-                <a:ea typeface="+mj-ea"/>
-                <a:cs typeface="+mj-cs"/>
-              </a:rPr>
-              <a:t>vong, </a:t>
-            </a:r>
-            <a:r>
-              <a:rPr lang="en-US" sz="6600" b="1">
-                <a:latin typeface="HP-Aptima" pitchFamily="34" charset="0"/>
-                <a:ea typeface="+mj-ea"/>
-                <a:cs typeface="+mj-cs"/>
-              </a:rPr>
-              <a:t>heát ruoåi dong. </a:t>
+              <a:rPr lang="en-US" sz="6600" b="1" dirty="0" err="1">
+                <a:latin typeface="VNI-Times" pitchFamily="2" charset="0"/>
+                <a:ea typeface="+mj-ea"/>
+                <a:cs typeface="+mj-cs"/>
+              </a:rPr>
+              <a:t>Baàu</a:t>
+            </a:r>
+            <a:r>
+              <a:rPr lang="en-US" sz="6600" b="1" dirty="0">
+                <a:latin typeface="VNI-Times" pitchFamily="2" charset="0"/>
+                <a:ea typeface="+mj-ea"/>
+                <a:cs typeface="+mj-cs"/>
+              </a:rPr>
+              <a:t> </a:t>
+            </a:r>
+            <a:r>
+              <a:rPr lang="en-US" sz="6600" b="1" dirty="0" err="1">
+                <a:latin typeface="VNI-Times" pitchFamily="2" charset="0"/>
+                <a:ea typeface="+mj-ea"/>
+                <a:cs typeface="+mj-cs"/>
+              </a:rPr>
+              <a:t>trôøi</a:t>
+            </a:r>
+            <a:r>
+              <a:rPr lang="en-US" sz="6600" b="1" dirty="0">
+                <a:latin typeface="VNI-Times" pitchFamily="2" charset="0"/>
+                <a:ea typeface="+mj-ea"/>
+                <a:cs typeface="+mj-cs"/>
+              </a:rPr>
+              <a:t> </a:t>
+            </a:r>
+            <a:r>
+              <a:rPr lang="en-US" sz="6600" b="1" dirty="0" err="1">
+                <a:latin typeface="VNI-Times" pitchFamily="2" charset="0"/>
+                <a:ea typeface="+mj-ea"/>
+                <a:cs typeface="+mj-cs"/>
+              </a:rPr>
+              <a:t>ñoâng</a:t>
+            </a:r>
+            <a:r>
+              <a:rPr lang="en-US" sz="6600" b="1" dirty="0">
+                <a:latin typeface="VNI-Times" pitchFamily="2" charset="0"/>
+                <a:ea typeface="+mj-ea"/>
+                <a:cs typeface="+mj-cs"/>
+              </a:rPr>
+              <a:t> </a:t>
+            </a:r>
+            <a:r>
+              <a:rPr lang="en-US" sz="6600" b="1" dirty="0" err="1">
+                <a:latin typeface="VNI-Times" pitchFamily="2" charset="0"/>
+                <a:ea typeface="+mj-ea"/>
+                <a:cs typeface="+mj-cs"/>
+              </a:rPr>
+              <a:t>moâng</a:t>
+            </a:r>
+            <a:r>
+              <a:rPr lang="en-US" sz="6600" b="1" dirty="0">
+                <a:latin typeface="VNI-Times" pitchFamily="2" charset="0"/>
+                <a:ea typeface="+mj-ea"/>
+                <a:cs typeface="+mj-cs"/>
+              </a:rPr>
+              <a:t> lung </a:t>
+            </a:r>
+            <a:r>
+              <a:rPr lang="en-US" sz="6600" b="1" dirty="0" err="1">
+                <a:latin typeface="VNI-Times" pitchFamily="2" charset="0"/>
+                <a:ea typeface="+mj-ea"/>
+                <a:cs typeface="+mj-cs"/>
+              </a:rPr>
+              <a:t>ngaøy</a:t>
+            </a:r>
+            <a:r>
+              <a:rPr lang="en-US" sz="6600" b="1" dirty="0">
+                <a:latin typeface="VNI-Times" pitchFamily="2" charset="0"/>
+                <a:ea typeface="+mj-ea"/>
+                <a:cs typeface="+mj-cs"/>
+              </a:rPr>
+              <a:t> nay </a:t>
+            </a:r>
+            <a:r>
+              <a:rPr lang="en-US" sz="6600" b="1" dirty="0" err="1">
+                <a:latin typeface="VNI-Times" pitchFamily="2" charset="0"/>
+                <a:ea typeface="+mj-ea"/>
+                <a:cs typeface="+mj-cs"/>
+              </a:rPr>
+              <a:t>ñaâu</a:t>
+            </a:r>
+            <a:r>
+              <a:rPr lang="en-US" sz="6600" b="1" dirty="0">
+                <a:latin typeface="VNI-Times" pitchFamily="2" charset="0"/>
+                <a:ea typeface="+mj-ea"/>
+                <a:cs typeface="+mj-cs"/>
+              </a:rPr>
+              <a:t> </a:t>
+            </a:r>
+            <a:r>
+              <a:rPr lang="en-US" sz="6600" b="1" dirty="0" err="1">
+                <a:latin typeface="VNI-Times" pitchFamily="2" charset="0"/>
+                <a:ea typeface="+mj-ea"/>
+                <a:cs typeface="+mj-cs"/>
+              </a:rPr>
+              <a:t>coù</a:t>
+            </a:r>
+            <a:r>
+              <a:rPr lang="en-US" sz="6600" b="1" dirty="0">
+                <a:latin typeface="VNI-Times" pitchFamily="2" charset="0"/>
+                <a:ea typeface="+mj-ea"/>
+                <a:cs typeface="+mj-cs"/>
+              </a:rPr>
+              <a:t> </a:t>
+            </a:r>
+            <a:r>
+              <a:rPr lang="en-US" sz="6600" b="1" dirty="0" err="1">
+                <a:latin typeface="VNI-Times" pitchFamily="2" charset="0"/>
+                <a:ea typeface="+mj-ea"/>
+                <a:cs typeface="+mj-cs"/>
+              </a:rPr>
+              <a:t>thaáy</a:t>
+            </a:r>
+            <a:r>
+              <a:rPr lang="en-US" sz="6600" b="1" dirty="0">
+                <a:latin typeface="VNI-Times" pitchFamily="2" charset="0"/>
+                <a:ea typeface="+mj-ea"/>
+                <a:cs typeface="+mj-cs"/>
+              </a:rPr>
+              <a:t> </a:t>
+            </a:r>
+            <a:r>
+              <a:rPr lang="en-US" sz="6600" b="1" dirty="0" err="1">
+                <a:latin typeface="VNI-Times" pitchFamily="2" charset="0"/>
+                <a:ea typeface="+mj-ea"/>
+                <a:cs typeface="+mj-cs"/>
+              </a:rPr>
+              <a:t>boùng</a:t>
+            </a:r>
+            <a:r>
+              <a:rPr lang="en-US" sz="6600" b="1" dirty="0">
+                <a:latin typeface="VNI-Times" pitchFamily="2" charset="0"/>
+                <a:ea typeface="+mj-ea"/>
+                <a:cs typeface="+mj-cs"/>
+              </a:rPr>
+              <a:t>, </a:t>
+            </a:r>
+            <a:r>
+              <a:rPr lang="en-US" sz="6600" b="1" dirty="0" err="1">
+                <a:latin typeface="VNI-Times" pitchFamily="2" charset="0"/>
+                <a:ea typeface="+mj-ea"/>
+                <a:cs typeface="+mj-cs"/>
+              </a:rPr>
+              <a:t>Chuùa</a:t>
+            </a:r>
+            <a:r>
+              <a:rPr lang="en-US" sz="6600" b="1" dirty="0">
+                <a:latin typeface="VNI-Times" pitchFamily="2" charset="0"/>
+                <a:ea typeface="+mj-ea"/>
+                <a:cs typeface="+mj-cs"/>
+              </a:rPr>
+              <a:t> </a:t>
+            </a:r>
+            <a:r>
+              <a:rPr lang="en-US" sz="6600" b="1" dirty="0" err="1">
+                <a:latin typeface="VNI-Times" pitchFamily="2" charset="0"/>
+                <a:ea typeface="+mj-ea"/>
+                <a:cs typeface="+mj-cs"/>
+              </a:rPr>
+              <a:t>töû</a:t>
+            </a:r>
+            <a:r>
+              <a:rPr lang="en-US" sz="6600" b="1" dirty="0">
+                <a:latin typeface="VNI-Times" pitchFamily="2" charset="0"/>
+                <a:ea typeface="+mj-ea"/>
+                <a:cs typeface="+mj-cs"/>
+              </a:rPr>
+              <a:t> </a:t>
+            </a:r>
+            <a:r>
+              <a:rPr lang="en-US" sz="6600" b="1" dirty="0" err="1">
+                <a:latin typeface="VNI-Times" pitchFamily="2" charset="0"/>
+                <a:ea typeface="+mj-ea"/>
+                <a:cs typeface="+mj-cs"/>
+              </a:rPr>
+              <a:t>vong</a:t>
+            </a:r>
+            <a:r>
+              <a:rPr lang="en-US" sz="6600" b="1" dirty="0">
+                <a:latin typeface="VNI-Times" pitchFamily="2" charset="0"/>
+                <a:ea typeface="+mj-ea"/>
+                <a:cs typeface="+mj-cs"/>
+              </a:rPr>
+              <a:t>, </a:t>
+            </a:r>
+            <a:r>
+              <a:rPr lang="en-US" sz="6600" b="1" dirty="0" err="1">
+                <a:latin typeface="VNI-Times" pitchFamily="2" charset="0"/>
+                <a:ea typeface="+mj-ea"/>
+                <a:cs typeface="+mj-cs"/>
+              </a:rPr>
+              <a:t>heát</a:t>
+            </a:r>
+            <a:r>
+              <a:rPr lang="en-US" sz="6600" b="1" dirty="0">
+                <a:latin typeface="VNI-Times" pitchFamily="2" charset="0"/>
+                <a:ea typeface="+mj-ea"/>
+                <a:cs typeface="+mj-cs"/>
+              </a:rPr>
+              <a:t> </a:t>
+            </a:r>
+            <a:r>
+              <a:rPr lang="en-US" sz="6600" b="1" dirty="0" err="1">
+                <a:latin typeface="VNI-Times" pitchFamily="2" charset="0"/>
+                <a:ea typeface="+mj-ea"/>
+                <a:cs typeface="+mj-cs"/>
+              </a:rPr>
+              <a:t>ruoåi</a:t>
+            </a:r>
+            <a:r>
+              <a:rPr lang="en-US" sz="6600" b="1" dirty="0">
+                <a:latin typeface="VNI-Times" pitchFamily="2" charset="0"/>
+                <a:ea typeface="+mj-ea"/>
+                <a:cs typeface="+mj-cs"/>
+              </a:rPr>
+              <a:t> dong. </a:t>
             </a:r>
           </a:p>
         </p:txBody>
@@ -5380,7 +8261,7 @@
               <a:defRPr/>
             </a:pPr>
             <a:r>
-              <a:rPr lang="en-US" sz="3600" b="1" smtClean="0">
+              <a:rPr lang="en-US" sz="3600" b="1" dirty="0">
                 <a:solidFill>
                   <a:srgbClr val="FFFF00"/>
                 </a:solidFill>
@@ -5389,25 +8270,12 @@
                     <a:schemeClr val="tx1"/>
                   </a:glow>
                 </a:effectLst>
-                <a:latin typeface="VNI-Garam" pitchFamily="34" charset="0"/>
+                <a:latin typeface="VNI-Times" pitchFamily="2" charset="0"/>
                 <a:ea typeface="+mj-ea"/>
                 <a:cs typeface="+mj-cs"/>
               </a:rPr>
               <a:t>TC 509  –  NGAØY GIÔØ QUA</a:t>
             </a:r>
-            <a:endParaRPr lang="en-US" sz="3600" b="1">
-              <a:solidFill>
-                <a:srgbClr val="FFFF00"/>
-              </a:solidFill>
-              <a:effectLst>
-                <a:glow rad="101600">
-                  <a:schemeClr val="tx1"/>
-                </a:glow>
-              </a:effectLst>
-              <a:latin typeface="VNI-Garam" pitchFamily="34" charset="0"/>
-              <a:ea typeface="+mj-ea"/>
-              <a:cs typeface="+mj-cs"/>
-            </a:endParaRPr>
           </a:p>
         </p:txBody>
       </p:sp>
@@ -5416,13 +8284,6 @@
   <p:clrMapOvr>
     <a:masterClrMapping/>
   </p:clrMapOvr>
-  <p:timing>
-    <p:tnLst>
-      <p:par>
-        <p:cTn id="1" dur="indefinite" restart="never" nodeType="tmRoot"/>
-      </p:par>
-    </p:tnLst>
-  </p:timing>
 </p:sld>
 </file>
 
@@ -5474,222 +8335,522 @@
               <a:defRPr/>
             </a:pPr>
             <a:r>
-              <a:rPr lang="en-US" sz="6600" b="1">
-                <a:effectLst>
-                  <a:glow rad="101600">
-                    <a:schemeClr val="bg1">
-                      <a:alpha val="60000"/>
-                    </a:schemeClr>
-                  </a:glow>
-                </a:effectLst>
-                <a:latin typeface="HP-Aptima" pitchFamily="34" charset="0"/>
-                <a:ea typeface="+mj-ea"/>
-                <a:cs typeface="+mj-cs"/>
-              </a:rPr>
-              <a:t>Baàu trôøi xuaân </a:t>
-            </a:r>
-            <a:r>
-              <a:rPr lang="en-US" sz="6600" b="1" smtClean="0">
-                <a:effectLst>
-                  <a:glow rad="101600">
-                    <a:schemeClr val="bg1">
-                      <a:alpha val="60000"/>
-                    </a:schemeClr>
-                  </a:glow>
-                </a:effectLst>
-                <a:latin typeface="HP-Aptima" pitchFamily="34" charset="0"/>
-                <a:ea typeface="+mj-ea"/>
-                <a:cs typeface="+mj-cs"/>
-              </a:rPr>
-              <a:t>meânh moâng </a:t>
-            </a:r>
-            <a:r>
-              <a:rPr lang="en-US" sz="6600" b="1">
-                <a:effectLst>
-                  <a:glow rad="101600">
-                    <a:schemeClr val="bg1">
-                      <a:alpha val="60000"/>
-                    </a:schemeClr>
-                  </a:glow>
-                </a:effectLst>
-                <a:latin typeface="HP-Aptima" pitchFamily="34" charset="0"/>
-                <a:ea typeface="+mj-ea"/>
-                <a:cs typeface="+mj-cs"/>
-              </a:rPr>
-              <a:t>nghìn muoân </a:t>
-            </a:r>
-            <a:r>
-              <a:rPr lang="en-US" sz="6600" b="1" smtClean="0">
-                <a:effectLst>
-                  <a:glow rad="101600">
-                    <a:schemeClr val="bg1">
-                      <a:alpha val="60000"/>
-                    </a:schemeClr>
-                  </a:glow>
-                </a:effectLst>
-                <a:latin typeface="HP-Aptima" pitchFamily="34" charset="0"/>
-                <a:ea typeface="+mj-ea"/>
-                <a:cs typeface="+mj-cs"/>
-              </a:rPr>
-              <a:t/>
+              <a:rPr lang="en-US" sz="6600" b="1" dirty="0" err="1">
+                <a:effectLst>
+                  <a:glow rad="101600">
+                    <a:schemeClr val="bg1">
+                      <a:alpha val="60000"/>
+                    </a:schemeClr>
+                  </a:glow>
+                </a:effectLst>
+                <a:latin typeface="VNI-Times" pitchFamily="2" charset="0"/>
+                <a:ea typeface="+mj-ea"/>
+                <a:cs typeface="+mj-cs"/>
+              </a:rPr>
+              <a:t>Baàu</a:t>
+            </a:r>
+            <a:r>
+              <a:rPr lang="en-US" sz="6600" b="1" dirty="0">
+                <a:effectLst>
+                  <a:glow rad="101600">
+                    <a:schemeClr val="bg1">
+                      <a:alpha val="60000"/>
+                    </a:schemeClr>
+                  </a:glow>
+                </a:effectLst>
+                <a:latin typeface="VNI-Times" pitchFamily="2" charset="0"/>
+                <a:ea typeface="+mj-ea"/>
+                <a:cs typeface="+mj-cs"/>
+              </a:rPr>
+              <a:t> </a:t>
+            </a:r>
+            <a:r>
+              <a:rPr lang="en-US" sz="6600" b="1" dirty="0" err="1">
+                <a:effectLst>
+                  <a:glow rad="101600">
+                    <a:schemeClr val="bg1">
+                      <a:alpha val="60000"/>
+                    </a:schemeClr>
+                  </a:glow>
+                </a:effectLst>
+                <a:latin typeface="VNI-Times" pitchFamily="2" charset="0"/>
+                <a:ea typeface="+mj-ea"/>
+                <a:cs typeface="+mj-cs"/>
+              </a:rPr>
+              <a:t>trôøi</a:t>
+            </a:r>
+            <a:r>
+              <a:rPr lang="en-US" sz="6600" b="1" dirty="0">
+                <a:effectLst>
+                  <a:glow rad="101600">
+                    <a:schemeClr val="bg1">
+                      <a:alpha val="60000"/>
+                    </a:schemeClr>
+                  </a:glow>
+                </a:effectLst>
+                <a:latin typeface="VNI-Times" pitchFamily="2" charset="0"/>
+                <a:ea typeface="+mj-ea"/>
+                <a:cs typeface="+mj-cs"/>
+              </a:rPr>
+              <a:t> </a:t>
+            </a:r>
+            <a:r>
+              <a:rPr lang="en-US" sz="6600" b="1" dirty="0" err="1">
+                <a:effectLst>
+                  <a:glow rad="101600">
+                    <a:schemeClr val="bg1">
+                      <a:alpha val="60000"/>
+                    </a:schemeClr>
+                  </a:glow>
+                </a:effectLst>
+                <a:latin typeface="VNI-Times" pitchFamily="2" charset="0"/>
+                <a:ea typeface="+mj-ea"/>
+                <a:cs typeface="+mj-cs"/>
+              </a:rPr>
+              <a:t>xuaân</a:t>
+            </a:r>
+            <a:r>
+              <a:rPr lang="en-US" sz="6600" b="1" dirty="0">
+                <a:effectLst>
+                  <a:glow rad="101600">
+                    <a:schemeClr val="bg1">
+                      <a:alpha val="60000"/>
+                    </a:schemeClr>
+                  </a:glow>
+                </a:effectLst>
+                <a:latin typeface="VNI-Times" pitchFamily="2" charset="0"/>
+                <a:ea typeface="+mj-ea"/>
+                <a:cs typeface="+mj-cs"/>
+              </a:rPr>
+              <a:t> </a:t>
+            </a:r>
+            <a:r>
+              <a:rPr lang="en-US" sz="6600" b="1" dirty="0" err="1">
+                <a:effectLst>
+                  <a:glow rad="101600">
+                    <a:schemeClr val="bg1">
+                      <a:alpha val="60000"/>
+                    </a:schemeClr>
+                  </a:glow>
+                </a:effectLst>
+                <a:latin typeface="VNI-Times" pitchFamily="2" charset="0"/>
+                <a:ea typeface="+mj-ea"/>
+                <a:cs typeface="+mj-cs"/>
+              </a:rPr>
+              <a:t>meânh</a:t>
+            </a:r>
+            <a:r>
+              <a:rPr lang="en-US" sz="6600" b="1" dirty="0">
+                <a:effectLst>
+                  <a:glow rad="101600">
+                    <a:schemeClr val="bg1">
+                      <a:alpha val="60000"/>
+                    </a:schemeClr>
+                  </a:glow>
+                </a:effectLst>
+                <a:latin typeface="VNI-Times" pitchFamily="2" charset="0"/>
+                <a:ea typeface="+mj-ea"/>
+                <a:cs typeface="+mj-cs"/>
+              </a:rPr>
+              <a:t> </a:t>
+            </a:r>
+            <a:r>
+              <a:rPr lang="en-US" sz="6600" b="1" dirty="0" err="1">
+                <a:effectLst>
+                  <a:glow rad="101600">
+                    <a:schemeClr val="bg1">
+                      <a:alpha val="60000"/>
+                    </a:schemeClr>
+                  </a:glow>
+                </a:effectLst>
+                <a:latin typeface="VNI-Times" pitchFamily="2" charset="0"/>
+                <a:ea typeface="+mj-ea"/>
+                <a:cs typeface="+mj-cs"/>
+              </a:rPr>
+              <a:t>moâng</a:t>
+            </a:r>
+            <a:r>
+              <a:rPr lang="en-US" sz="6600" b="1" dirty="0">
+                <a:effectLst>
+                  <a:glow rad="101600">
+                    <a:schemeClr val="bg1">
+                      <a:alpha val="60000"/>
+                    </a:schemeClr>
+                  </a:glow>
+                </a:effectLst>
+                <a:latin typeface="VNI-Times" pitchFamily="2" charset="0"/>
+                <a:ea typeface="+mj-ea"/>
+                <a:cs typeface="+mj-cs"/>
+              </a:rPr>
+              <a:t> </a:t>
+            </a:r>
+            <a:r>
+              <a:rPr lang="en-US" sz="6600" b="1" dirty="0" err="1">
+                <a:effectLst>
+                  <a:glow rad="101600">
+                    <a:schemeClr val="bg1">
+                      <a:alpha val="60000"/>
+                    </a:schemeClr>
+                  </a:glow>
+                </a:effectLst>
+                <a:latin typeface="VNI-Times" pitchFamily="2" charset="0"/>
+                <a:ea typeface="+mj-ea"/>
+                <a:cs typeface="+mj-cs"/>
+              </a:rPr>
+              <a:t>nghìn</a:t>
+            </a:r>
+            <a:r>
+              <a:rPr lang="en-US" sz="6600" b="1" dirty="0">
+                <a:effectLst>
+                  <a:glow rad="101600">
+                    <a:schemeClr val="bg1">
+                      <a:alpha val="60000"/>
+                    </a:schemeClr>
+                  </a:glow>
+                </a:effectLst>
+                <a:latin typeface="VNI-Times" pitchFamily="2" charset="0"/>
+                <a:ea typeface="+mj-ea"/>
+                <a:cs typeface="+mj-cs"/>
+              </a:rPr>
+              <a:t> </a:t>
+            </a:r>
+            <a:r>
+              <a:rPr lang="en-US" sz="6600" b="1" dirty="0" err="1">
+                <a:effectLst>
+                  <a:glow rad="101600">
+                    <a:schemeClr val="bg1">
+                      <a:alpha val="60000"/>
+                    </a:schemeClr>
+                  </a:glow>
+                </a:effectLst>
+                <a:latin typeface="VNI-Times" pitchFamily="2" charset="0"/>
+                <a:ea typeface="+mj-ea"/>
+                <a:cs typeface="+mj-cs"/>
+              </a:rPr>
+              <a:t>muoân</a:t>
+            </a:r>
+            <a:r>
+              <a:rPr lang="en-US" sz="6600" b="1" dirty="0">
+                <a:effectLst>
+                  <a:glow rad="101600">
+                    <a:schemeClr val="bg1">
+                      <a:alpha val="60000"/>
+                    </a:schemeClr>
+                  </a:glow>
+                </a:effectLst>
+                <a:latin typeface="VNI-Times" pitchFamily="2" charset="0"/>
+                <a:ea typeface="+mj-ea"/>
+                <a:cs typeface="+mj-cs"/>
+              </a:rPr>
+              <a:t> </a:t>
             </a:r>
             <a:br>
-              <a:rPr lang="en-US" sz="6600" b="1" smtClean="0">
-                <a:effectLst>
-                  <a:glow rad="101600">
-                    <a:schemeClr val="bg1">
-                      <a:alpha val="60000"/>
-                    </a:schemeClr>
-                  </a:glow>
-                </a:effectLst>
-                <a:latin typeface="HP-Aptima" pitchFamily="34" charset="0"/>
+              <a:rPr lang="en-US" sz="6600" b="1" dirty="0">
+                <a:effectLst>
+                  <a:glow rad="101600">
+                    <a:schemeClr val="bg1">
+                      <a:alpha val="60000"/>
+                    </a:schemeClr>
+                  </a:glow>
+                </a:effectLst>
+                <a:latin typeface="VNI-Times" pitchFamily="2" charset="0"/>
                 <a:ea typeface="+mj-ea"/>
                 <a:cs typeface="+mj-cs"/>
               </a:rPr>
             </a:br>
             <a:r>
-              <a:rPr lang="en-US" sz="6600" b="1" smtClean="0">
-                <a:effectLst>
-                  <a:glow rad="101600">
-                    <a:schemeClr val="bg1">
-                      <a:alpha val="60000"/>
-                    </a:schemeClr>
-                  </a:glow>
-                </a:effectLst>
-                <a:latin typeface="HP-Aptima" pitchFamily="34" charset="0"/>
-                <a:ea typeface="+mj-ea"/>
-                <a:cs typeface="+mj-cs"/>
-              </a:rPr>
-              <a:t>tia lôùp</a:t>
-            </a:r>
-            <a:r>
-              <a:rPr lang="en-US" sz="6600" b="1">
-                <a:effectLst>
-                  <a:glow rad="101600">
-                    <a:schemeClr val="bg1">
-                      <a:alpha val="60000"/>
-                    </a:schemeClr>
-                  </a:glow>
-                </a:effectLst>
-                <a:latin typeface="HP-Aptima" pitchFamily="34" charset="0"/>
-                <a:ea typeface="+mj-ea"/>
-                <a:cs typeface="+mj-cs"/>
-              </a:rPr>
-              <a:t>, lôùp </a:t>
-            </a:r>
-            <a:r>
-              <a:rPr lang="en-US" sz="6600" b="1" smtClean="0">
-                <a:effectLst>
-                  <a:glow rad="101600">
-                    <a:schemeClr val="bg1">
-                      <a:alpha val="60000"/>
-                    </a:schemeClr>
-                  </a:glow>
-                </a:effectLst>
-                <a:latin typeface="HP-Aptima" pitchFamily="34" charset="0"/>
-                <a:ea typeface="+mj-ea"/>
-                <a:cs typeface="+mj-cs"/>
-              </a:rPr>
-              <a:t>soùng, </a:t>
+              <a:rPr lang="en-US" sz="6600" b="1" dirty="0" err="1">
+                <a:effectLst>
+                  <a:glow rad="101600">
+                    <a:schemeClr val="bg1">
+                      <a:alpha val="60000"/>
+                    </a:schemeClr>
+                  </a:glow>
+                </a:effectLst>
+                <a:latin typeface="VNI-Times" pitchFamily="2" charset="0"/>
+                <a:ea typeface="+mj-ea"/>
+                <a:cs typeface="+mj-cs"/>
+              </a:rPr>
+              <a:t>tia</a:t>
+            </a:r>
+            <a:r>
+              <a:rPr lang="en-US" sz="6600" b="1" dirty="0">
+                <a:effectLst>
+                  <a:glow rad="101600">
+                    <a:schemeClr val="bg1">
+                      <a:alpha val="60000"/>
+                    </a:schemeClr>
+                  </a:glow>
+                </a:effectLst>
+                <a:latin typeface="VNI-Times" pitchFamily="2" charset="0"/>
+                <a:ea typeface="+mj-ea"/>
+                <a:cs typeface="+mj-cs"/>
+              </a:rPr>
+              <a:t> </a:t>
+            </a:r>
+            <a:r>
+              <a:rPr lang="en-US" sz="6600" b="1" dirty="0" err="1">
+                <a:effectLst>
+                  <a:glow rad="101600">
+                    <a:schemeClr val="bg1">
+                      <a:alpha val="60000"/>
+                    </a:schemeClr>
+                  </a:glow>
+                </a:effectLst>
+                <a:latin typeface="VNI-Times" pitchFamily="2" charset="0"/>
+                <a:ea typeface="+mj-ea"/>
+                <a:cs typeface="+mj-cs"/>
+              </a:rPr>
+              <a:t>lôùp</a:t>
+            </a:r>
+            <a:r>
+              <a:rPr lang="en-US" sz="6600" b="1" dirty="0">
+                <a:effectLst>
+                  <a:glow rad="101600">
+                    <a:schemeClr val="bg1">
+                      <a:alpha val="60000"/>
+                    </a:schemeClr>
+                  </a:glow>
+                </a:effectLst>
+                <a:latin typeface="VNI-Times" pitchFamily="2" charset="0"/>
+                <a:ea typeface="+mj-ea"/>
+                <a:cs typeface="+mj-cs"/>
+              </a:rPr>
+              <a:t>, </a:t>
+            </a:r>
+            <a:r>
+              <a:rPr lang="en-US" sz="6600" b="1" dirty="0" err="1">
+                <a:effectLst>
+                  <a:glow rad="101600">
+                    <a:schemeClr val="bg1">
+                      <a:alpha val="60000"/>
+                    </a:schemeClr>
+                  </a:glow>
+                </a:effectLst>
+                <a:latin typeface="VNI-Times" pitchFamily="2" charset="0"/>
+                <a:ea typeface="+mj-ea"/>
+                <a:cs typeface="+mj-cs"/>
+              </a:rPr>
+              <a:t>lôùp</a:t>
+            </a:r>
+            <a:r>
+              <a:rPr lang="en-US" sz="6600" b="1" dirty="0">
+                <a:effectLst>
+                  <a:glow rad="101600">
+                    <a:schemeClr val="bg1">
+                      <a:alpha val="60000"/>
+                    </a:schemeClr>
+                  </a:glow>
+                </a:effectLst>
+                <a:latin typeface="VNI-Times" pitchFamily="2" charset="0"/>
+                <a:ea typeface="+mj-ea"/>
+                <a:cs typeface="+mj-cs"/>
+              </a:rPr>
+              <a:t> </a:t>
+            </a:r>
+            <a:r>
+              <a:rPr lang="en-US" sz="6600" b="1" dirty="0" err="1">
+                <a:effectLst>
+                  <a:glow rad="101600">
+                    <a:schemeClr val="bg1">
+                      <a:alpha val="60000"/>
+                    </a:schemeClr>
+                  </a:glow>
+                </a:effectLst>
+                <a:latin typeface="VNI-Times" pitchFamily="2" charset="0"/>
+                <a:ea typeface="+mj-ea"/>
+                <a:cs typeface="+mj-cs"/>
+              </a:rPr>
+              <a:t>soùng</a:t>
+            </a:r>
+            <a:r>
+              <a:rPr lang="en-US" sz="6600" b="1" dirty="0">
+                <a:effectLst>
+                  <a:glow rad="101600">
+                    <a:schemeClr val="bg1">
+                      <a:alpha val="60000"/>
+                    </a:schemeClr>
+                  </a:glow>
+                </a:effectLst>
+                <a:latin typeface="VNI-Times" pitchFamily="2" charset="0"/>
+                <a:ea typeface="+mj-ea"/>
+                <a:cs typeface="+mj-cs"/>
+              </a:rPr>
+              <a:t>, </a:t>
             </a:r>
             <a:br>
-              <a:rPr lang="en-US" sz="6600" b="1" smtClean="0">
-                <a:effectLst>
-                  <a:glow rad="101600">
-                    <a:schemeClr val="bg1">
-                      <a:alpha val="60000"/>
-                    </a:schemeClr>
-                  </a:glow>
-                </a:effectLst>
-                <a:latin typeface="HP-Aptima" pitchFamily="34" charset="0"/>
+              <a:rPr lang="en-US" sz="6600" b="1" dirty="0">
+                <a:effectLst>
+                  <a:glow rad="101600">
+                    <a:schemeClr val="bg1">
+                      <a:alpha val="60000"/>
+                    </a:schemeClr>
+                  </a:glow>
+                </a:effectLst>
+                <a:latin typeface="VNI-Times" pitchFamily="2" charset="0"/>
                 <a:ea typeface="+mj-ea"/>
                 <a:cs typeface="+mj-cs"/>
               </a:rPr>
             </a:br>
             <a:r>
-              <a:rPr lang="en-US" sz="6600" b="1" smtClean="0">
-                <a:effectLst>
-                  <a:glow rad="101600">
-                    <a:schemeClr val="bg1">
-                      <a:alpha val="60000"/>
-                    </a:schemeClr>
-                  </a:glow>
-                </a:effectLst>
-                <a:latin typeface="HP-Aptima" pitchFamily="34" charset="0"/>
-                <a:ea typeface="+mj-ea"/>
-                <a:cs typeface="+mj-cs"/>
-              </a:rPr>
-              <a:t>phöôùc </a:t>
-            </a:r>
-            <a:r>
-              <a:rPr lang="en-US" sz="6600" b="1">
-                <a:effectLst>
-                  <a:glow rad="101600">
-                    <a:schemeClr val="bg1">
-                      <a:alpha val="60000"/>
-                    </a:schemeClr>
-                  </a:glow>
-                </a:effectLst>
-                <a:latin typeface="HP-Aptima" pitchFamily="34" charset="0"/>
-                <a:ea typeface="+mj-ea"/>
-                <a:cs typeface="+mj-cs"/>
-              </a:rPr>
-              <a:t>maõn song, </a:t>
-            </a:r>
-            <a:r>
-              <a:rPr lang="en-US" sz="6600" b="1" smtClean="0">
-                <a:effectLst>
-                  <a:glow rad="101600">
-                    <a:schemeClr val="bg1">
-                      <a:alpha val="60000"/>
-                    </a:schemeClr>
-                  </a:glow>
-                </a:effectLst>
-                <a:latin typeface="HP-Aptima" pitchFamily="34" charset="0"/>
-                <a:ea typeface="+mj-ea"/>
-                <a:cs typeface="+mj-cs"/>
-              </a:rPr>
-              <a:t/>
+              <a:rPr lang="en-US" sz="6600" b="1" dirty="0" err="1">
+                <a:effectLst>
+                  <a:glow rad="101600">
+                    <a:schemeClr val="bg1">
+                      <a:alpha val="60000"/>
+                    </a:schemeClr>
+                  </a:glow>
+                </a:effectLst>
+                <a:latin typeface="VNI-Times" pitchFamily="2" charset="0"/>
+                <a:ea typeface="+mj-ea"/>
+                <a:cs typeface="+mj-cs"/>
+              </a:rPr>
+              <a:t>phöôùc</a:t>
+            </a:r>
+            <a:r>
+              <a:rPr lang="en-US" sz="6600" b="1" dirty="0">
+                <a:effectLst>
+                  <a:glow rad="101600">
+                    <a:schemeClr val="bg1">
+                      <a:alpha val="60000"/>
+                    </a:schemeClr>
+                  </a:glow>
+                </a:effectLst>
+                <a:latin typeface="VNI-Times" pitchFamily="2" charset="0"/>
+                <a:ea typeface="+mj-ea"/>
+                <a:cs typeface="+mj-cs"/>
+              </a:rPr>
+              <a:t> </a:t>
+            </a:r>
+            <a:r>
+              <a:rPr lang="en-US" sz="6600" b="1" dirty="0" err="1">
+                <a:effectLst>
+                  <a:glow rad="101600">
+                    <a:schemeClr val="bg1">
+                      <a:alpha val="60000"/>
+                    </a:schemeClr>
+                  </a:glow>
+                </a:effectLst>
+                <a:latin typeface="VNI-Times" pitchFamily="2" charset="0"/>
+                <a:ea typeface="+mj-ea"/>
+                <a:cs typeface="+mj-cs"/>
+              </a:rPr>
+              <a:t>maõn</a:t>
+            </a:r>
+            <a:r>
+              <a:rPr lang="en-US" sz="6600" b="1" dirty="0">
+                <a:effectLst>
+                  <a:glow rad="101600">
+                    <a:schemeClr val="bg1">
+                      <a:alpha val="60000"/>
+                    </a:schemeClr>
+                  </a:glow>
+                </a:effectLst>
+                <a:latin typeface="VNI-Times" pitchFamily="2" charset="0"/>
+                <a:ea typeface="+mj-ea"/>
+                <a:cs typeface="+mj-cs"/>
+              </a:rPr>
+              <a:t> song, </a:t>
             </a:r>
             <a:br>
-              <a:rPr lang="en-US" sz="6600" b="1" smtClean="0">
-                <a:effectLst>
-                  <a:glow rad="101600">
-                    <a:schemeClr val="bg1">
-                      <a:alpha val="60000"/>
-                    </a:schemeClr>
-                  </a:glow>
-                </a:effectLst>
-                <a:latin typeface="HP-Aptima" pitchFamily="34" charset="0"/>
+              <a:rPr lang="en-US" sz="6600" b="1" dirty="0">
+                <a:effectLst>
+                  <a:glow rad="101600">
+                    <a:schemeClr val="bg1">
+                      <a:alpha val="60000"/>
+                    </a:schemeClr>
+                  </a:glow>
+                </a:effectLst>
+                <a:latin typeface="VNI-Times" pitchFamily="2" charset="0"/>
                 <a:ea typeface="+mj-ea"/>
                 <a:cs typeface="+mj-cs"/>
               </a:rPr>
             </a:br>
             <a:r>
-              <a:rPr lang="en-US" sz="6600" b="1" smtClean="0">
-                <a:effectLst>
-                  <a:glow rad="101600">
-                    <a:schemeClr val="bg1">
-                      <a:alpha val="60000"/>
-                    </a:schemeClr>
-                  </a:glow>
-                </a:effectLst>
-                <a:latin typeface="HP-Aptima" pitchFamily="34" charset="0"/>
-                <a:ea typeface="+mj-ea"/>
-                <a:cs typeface="+mj-cs"/>
-              </a:rPr>
-              <a:t>raát thoûa mong</a:t>
-            </a:r>
-            <a:r>
-              <a:rPr lang="en-US" sz="6600" b="1">
-                <a:effectLst>
-                  <a:glow rad="101600">
-                    <a:schemeClr val="bg1">
-                      <a:alpha val="60000"/>
-                    </a:schemeClr>
-                  </a:glow>
-                </a:effectLst>
-                <a:latin typeface="HP-Aptima" pitchFamily="34" charset="0"/>
+              <a:rPr lang="en-US" sz="6600" b="1" dirty="0" err="1">
+                <a:effectLst>
+                  <a:glow rad="101600">
+                    <a:schemeClr val="bg1">
+                      <a:alpha val="60000"/>
+                    </a:schemeClr>
+                  </a:glow>
+                </a:effectLst>
+                <a:latin typeface="VNI-Times" pitchFamily="2" charset="0"/>
+                <a:ea typeface="+mj-ea"/>
+                <a:cs typeface="+mj-cs"/>
+              </a:rPr>
+              <a:t>raát</a:t>
+            </a:r>
+            <a:r>
+              <a:rPr lang="en-US" sz="6600" b="1" dirty="0">
+                <a:effectLst>
+                  <a:glow rad="101600">
+                    <a:schemeClr val="bg1">
+                      <a:alpha val="60000"/>
+                    </a:schemeClr>
+                  </a:glow>
+                </a:effectLst>
+                <a:latin typeface="VNI-Times" pitchFamily="2" charset="0"/>
+                <a:ea typeface="+mj-ea"/>
+                <a:cs typeface="+mj-cs"/>
+              </a:rPr>
+              <a:t> </a:t>
+            </a:r>
+            <a:r>
+              <a:rPr lang="en-US" sz="6600" b="1" dirty="0" err="1">
+                <a:effectLst>
+                  <a:glow rad="101600">
+                    <a:schemeClr val="bg1">
+                      <a:alpha val="60000"/>
+                    </a:schemeClr>
+                  </a:glow>
+                </a:effectLst>
+                <a:latin typeface="VNI-Times" pitchFamily="2" charset="0"/>
+                <a:ea typeface="+mj-ea"/>
+                <a:cs typeface="+mj-cs"/>
+              </a:rPr>
+              <a:t>thoûa</a:t>
+            </a:r>
+            <a:r>
+              <a:rPr lang="en-US" sz="6600" b="1" dirty="0">
+                <a:effectLst>
+                  <a:glow rad="101600">
+                    <a:schemeClr val="bg1">
+                      <a:alpha val="60000"/>
+                    </a:schemeClr>
+                  </a:glow>
+                </a:effectLst>
+                <a:latin typeface="VNI-Times" pitchFamily="2" charset="0"/>
+                <a:ea typeface="+mj-ea"/>
+                <a:cs typeface="+mj-cs"/>
+              </a:rPr>
+              <a:t> </a:t>
+            </a:r>
+            <a:r>
+              <a:rPr lang="en-US" sz="6600" b="1" dirty="0" err="1">
+                <a:effectLst>
+                  <a:glow rad="101600">
+                    <a:schemeClr val="bg1">
+                      <a:alpha val="60000"/>
+                    </a:schemeClr>
+                  </a:glow>
+                </a:effectLst>
+                <a:latin typeface="VNI-Times" pitchFamily="2" charset="0"/>
+                <a:ea typeface="+mj-ea"/>
+                <a:cs typeface="+mj-cs"/>
+              </a:rPr>
+              <a:t>mong</a:t>
+            </a:r>
+            <a:r>
+              <a:rPr lang="en-US" sz="6600" b="1" dirty="0">
+                <a:effectLst>
+                  <a:glow rad="101600">
+                    <a:schemeClr val="bg1">
+                      <a:alpha val="60000"/>
+                    </a:schemeClr>
+                  </a:glow>
+                </a:effectLst>
+                <a:latin typeface="VNI-Times" pitchFamily="2" charset="0"/>
                 <a:ea typeface="+mj-ea"/>
                 <a:cs typeface="+mj-cs"/>
               </a:rPr>
@@ -5734,7 +8895,7 @@
               <a:defRPr/>
             </a:pPr>
             <a:r>
-              <a:rPr lang="en-US" sz="3600" b="1" smtClean="0">
+              <a:rPr lang="en-US" sz="3600" b="1" dirty="0">
                 <a:solidFill>
                   <a:srgbClr val="FFFF00"/>
                 </a:solidFill>
@@ -5743,25 +8904,12 @@
                     <a:schemeClr val="tx1"/>
                   </a:glow>
                 </a:effectLst>
-                <a:latin typeface="VNI-Garam" pitchFamily="34" charset="0"/>
+                <a:latin typeface="VNI-Times" pitchFamily="2" charset="0"/>
                 <a:ea typeface="+mj-ea"/>
                 <a:cs typeface="+mj-cs"/>
               </a:rPr>
               <a:t>TC 509  –  NGAØY GIÔØ QUA</a:t>
             </a:r>
-            <a:endParaRPr lang="en-US" sz="3600" b="1">
-              <a:solidFill>
-                <a:srgbClr val="FFFF00"/>
-              </a:solidFill>
-              <a:effectLst>
-                <a:glow rad="101600">
-                  <a:schemeClr val="tx1"/>
-                </a:glow>
-              </a:effectLst>
-              <a:latin typeface="VNI-Garam" pitchFamily="34" charset="0"/>
-              <a:ea typeface="+mj-ea"/>
-              <a:cs typeface="+mj-cs"/>
-            </a:endParaRPr>
           </a:p>
         </p:txBody>
       </p:sp>
@@ -5770,13 +8918,6 @@
   <p:clrMapOvr>
     <a:masterClrMapping/>
   </p:clrMapOvr>
-  <p:timing>
-    <p:tnLst>
-      <p:par>
-        <p:cTn id="1" dur="indefinite" restart="never" nodeType="tmRoot"/>
-      </p:par>
-    </p:tnLst>
-  </p:timing>
 </p:sld>
 </file>
 
@@ -5828,68 +8969,228 @@
               <a:defRPr/>
             </a:pPr>
             <a:r>
-              <a:rPr lang="en-US" sz="4400" b="1" i="1" u="sng" smtClean="0">
-                <a:latin typeface="HP-Aptima" pitchFamily="34" charset="0"/>
-                <a:ea typeface="+mj-ea"/>
-                <a:cs typeface="+mj-cs"/>
-              </a:rPr>
-              <a:t>ÑK</a:t>
-            </a:r>
-            <a:r>
-              <a:rPr lang="en-US" sz="4400" b="1" i="1" u="sng">
-                <a:latin typeface="HP-Aptima" pitchFamily="34" charset="0"/>
-                <a:ea typeface="+mj-ea"/>
-                <a:cs typeface="+mj-cs"/>
-              </a:rPr>
-              <a:t>:</a:t>
-            </a:r>
-            <a:r>
-              <a:rPr lang="en-US" sz="4800" b="1">
-                <a:latin typeface="HP-Aptima" pitchFamily="34" charset="0"/>
-                <a:ea typeface="+mj-ea"/>
-                <a:cs typeface="+mj-cs"/>
-              </a:rPr>
-              <a:t> </a:t>
-            </a:r>
-            <a:r>
-              <a:rPr lang="en-US" sz="6600" b="1">
-                <a:latin typeface="HP-Aptima" pitchFamily="34" charset="0"/>
-                <a:ea typeface="+mj-ea"/>
-                <a:cs typeface="+mj-cs"/>
-              </a:rPr>
-              <a:t>Kìa taân xuaân </a:t>
-            </a:r>
-            <a:r>
-              <a:rPr lang="en-US" sz="6600" b="1" smtClean="0">
-                <a:latin typeface="HP-Aptima" pitchFamily="34" charset="0"/>
-                <a:ea typeface="+mj-ea"/>
-                <a:cs typeface="+mj-cs"/>
-              </a:rPr>
-              <a:t>ñeán </a:t>
-            </a:r>
-            <a:r>
-              <a:rPr lang="en-US" sz="6600" b="1">
-                <a:latin typeface="HP-Aptima" pitchFamily="34" charset="0"/>
-                <a:ea typeface="+mj-ea"/>
-                <a:cs typeface="+mj-cs"/>
-              </a:rPr>
-              <a:t>kia, chim ca </a:t>
-            </a:r>
-            <a:r>
-              <a:rPr lang="en-US" sz="6600" b="1" smtClean="0">
-                <a:latin typeface="HP-Aptima" pitchFamily="34" charset="0"/>
-                <a:ea typeface="+mj-ea"/>
-                <a:cs typeface="+mj-cs"/>
-              </a:rPr>
-              <a:t>hoan nghinh</a:t>
-            </a:r>
-            <a:r>
-              <a:rPr lang="en-US" sz="6600" b="1">
-                <a:latin typeface="HP-Aptima" pitchFamily="34" charset="0"/>
-                <a:ea typeface="+mj-ea"/>
-                <a:cs typeface="+mj-cs"/>
-              </a:rPr>
-              <a:t>, khaép non soâng baùo tin bình minh.</a:t>
+              <a:rPr lang="en-US" sz="4400" b="1" u="sng" dirty="0">
+                <a:latin typeface="VNI-Times" pitchFamily="2" charset="0"/>
+                <a:ea typeface="+mj-ea"/>
+                <a:cs typeface="+mj-cs"/>
+              </a:rPr>
+              <a:t>ÑK:</a:t>
+            </a:r>
+            <a:r>
+              <a:rPr lang="en-US" sz="4800" b="1" dirty="0">
+                <a:latin typeface="VNI-Times" pitchFamily="2" charset="0"/>
+                <a:ea typeface="+mj-ea"/>
+                <a:cs typeface="+mj-cs"/>
+              </a:rPr>
+              <a:t> </a:t>
+            </a:r>
+            <a:r>
+              <a:rPr lang="en-US" sz="6600" b="1" dirty="0" err="1">
+                <a:latin typeface="VNI-Times" pitchFamily="2" charset="0"/>
+                <a:ea typeface="+mj-ea"/>
+                <a:cs typeface="+mj-cs"/>
+              </a:rPr>
+              <a:t>Kìa</a:t>
+            </a:r>
+            <a:r>
+              <a:rPr lang="en-US" sz="6600" b="1" dirty="0">
+                <a:latin typeface="VNI-Times" pitchFamily="2" charset="0"/>
+                <a:ea typeface="+mj-ea"/>
+                <a:cs typeface="+mj-cs"/>
+              </a:rPr>
+              <a:t> </a:t>
+            </a:r>
+            <a:r>
+              <a:rPr lang="en-US" sz="6600" b="1" dirty="0" err="1">
+                <a:latin typeface="VNI-Times" pitchFamily="2" charset="0"/>
+                <a:ea typeface="+mj-ea"/>
+                <a:cs typeface="+mj-cs"/>
+              </a:rPr>
+              <a:t>taân</a:t>
+            </a:r>
+            <a:r>
+              <a:rPr lang="en-US" sz="6600" b="1" dirty="0">
+                <a:latin typeface="VNI-Times" pitchFamily="2" charset="0"/>
+                <a:ea typeface="+mj-ea"/>
+                <a:cs typeface="+mj-cs"/>
+              </a:rPr>
+              <a:t> </a:t>
+            </a:r>
+            <a:r>
+              <a:rPr lang="en-US" sz="6600" b="1" dirty="0" err="1">
+                <a:latin typeface="VNI-Times" pitchFamily="2" charset="0"/>
+                <a:ea typeface="+mj-ea"/>
+                <a:cs typeface="+mj-cs"/>
+              </a:rPr>
+              <a:t>xuaân</a:t>
+            </a:r>
+            <a:r>
+              <a:rPr lang="en-US" sz="6600" b="1" dirty="0">
+                <a:latin typeface="VNI-Times" pitchFamily="2" charset="0"/>
+                <a:ea typeface="+mj-ea"/>
+                <a:cs typeface="+mj-cs"/>
+              </a:rPr>
+              <a:t> </a:t>
+            </a:r>
+            <a:r>
+              <a:rPr lang="en-US" sz="6600" b="1" dirty="0" err="1">
+                <a:latin typeface="VNI-Times" pitchFamily="2" charset="0"/>
+                <a:ea typeface="+mj-ea"/>
+                <a:cs typeface="+mj-cs"/>
+              </a:rPr>
+              <a:t>ñeán</a:t>
+            </a:r>
+            <a:r>
+              <a:rPr lang="en-US" sz="6600" b="1" dirty="0">
+                <a:latin typeface="VNI-Times" pitchFamily="2" charset="0"/>
+                <a:ea typeface="+mj-ea"/>
+                <a:cs typeface="+mj-cs"/>
+              </a:rPr>
+              <a:t> </a:t>
+            </a:r>
+            <a:r>
+              <a:rPr lang="en-US" sz="6600" b="1" dirty="0" err="1">
+                <a:latin typeface="VNI-Times" pitchFamily="2" charset="0"/>
+                <a:ea typeface="+mj-ea"/>
+                <a:cs typeface="+mj-cs"/>
+              </a:rPr>
+              <a:t>kia</a:t>
+            </a:r>
+            <a:r>
+              <a:rPr lang="en-US" sz="6600" b="1" dirty="0">
+                <a:latin typeface="VNI-Times" pitchFamily="2" charset="0"/>
+                <a:ea typeface="+mj-ea"/>
+                <a:cs typeface="+mj-cs"/>
+              </a:rPr>
+              <a:t>, </a:t>
+            </a:r>
+            <a:r>
+              <a:rPr lang="en-US" sz="6600" b="1" dirty="0" err="1">
+                <a:latin typeface="VNI-Times" pitchFamily="2" charset="0"/>
+                <a:ea typeface="+mj-ea"/>
+                <a:cs typeface="+mj-cs"/>
+              </a:rPr>
+              <a:t>chim</a:t>
+            </a:r>
+            <a:r>
+              <a:rPr lang="en-US" sz="6600" b="1" dirty="0">
+                <a:latin typeface="VNI-Times" pitchFamily="2" charset="0"/>
+                <a:ea typeface="+mj-ea"/>
+                <a:cs typeface="+mj-cs"/>
+              </a:rPr>
+              <a:t> ca </a:t>
+            </a:r>
+            <a:r>
+              <a:rPr lang="en-US" sz="6600" b="1" dirty="0" err="1">
+                <a:latin typeface="VNI-Times" pitchFamily="2" charset="0"/>
+                <a:ea typeface="+mj-ea"/>
+                <a:cs typeface="+mj-cs"/>
+              </a:rPr>
+              <a:t>hoan</a:t>
+            </a:r>
+            <a:r>
+              <a:rPr lang="en-US" sz="6600" b="1" dirty="0">
+                <a:latin typeface="VNI-Times" pitchFamily="2" charset="0"/>
+                <a:ea typeface="+mj-ea"/>
+                <a:cs typeface="+mj-cs"/>
+              </a:rPr>
+              <a:t> </a:t>
+            </a:r>
+            <a:r>
+              <a:rPr lang="en-US" sz="6600" b="1" dirty="0" err="1">
+                <a:latin typeface="VNI-Times" pitchFamily="2" charset="0"/>
+                <a:ea typeface="+mj-ea"/>
+                <a:cs typeface="+mj-cs"/>
+              </a:rPr>
+              <a:t>nghinh</a:t>
+            </a:r>
+            <a:r>
+              <a:rPr lang="en-US" sz="6600" b="1" dirty="0">
+                <a:latin typeface="VNI-Times" pitchFamily="2" charset="0"/>
+                <a:ea typeface="+mj-ea"/>
+                <a:cs typeface="+mj-cs"/>
+              </a:rPr>
+              <a:t>, </a:t>
+            </a:r>
+            <a:r>
+              <a:rPr lang="en-US" sz="6600" b="1" dirty="0" err="1">
+                <a:latin typeface="VNI-Times" pitchFamily="2" charset="0"/>
+                <a:ea typeface="+mj-ea"/>
+                <a:cs typeface="+mj-cs"/>
+              </a:rPr>
+              <a:t>khaép</a:t>
+            </a:r>
+            <a:r>
+              <a:rPr lang="en-US" sz="6600" b="1" dirty="0">
+                <a:latin typeface="VNI-Times" pitchFamily="2" charset="0"/>
+                <a:ea typeface="+mj-ea"/>
+                <a:cs typeface="+mj-cs"/>
+              </a:rPr>
+              <a:t> non </a:t>
+            </a:r>
+            <a:r>
+              <a:rPr lang="en-US" sz="6600" b="1" dirty="0" err="1">
+                <a:latin typeface="VNI-Times" pitchFamily="2" charset="0"/>
+                <a:ea typeface="+mj-ea"/>
+                <a:cs typeface="+mj-cs"/>
+              </a:rPr>
+              <a:t>soâng</a:t>
+            </a:r>
+            <a:r>
+              <a:rPr lang="en-US" sz="6600" b="1" dirty="0">
+                <a:latin typeface="VNI-Times" pitchFamily="2" charset="0"/>
+                <a:ea typeface="+mj-ea"/>
+                <a:cs typeface="+mj-cs"/>
+              </a:rPr>
+              <a:t> </a:t>
+            </a:r>
+            <a:r>
+              <a:rPr lang="en-US" sz="6600" b="1" dirty="0" err="1">
+                <a:latin typeface="VNI-Times" pitchFamily="2" charset="0"/>
+                <a:ea typeface="+mj-ea"/>
+                <a:cs typeface="+mj-cs"/>
+              </a:rPr>
+              <a:t>baùo</a:t>
+            </a:r>
+            <a:r>
+              <a:rPr lang="en-US" sz="6600" b="1" dirty="0">
+                <a:latin typeface="VNI-Times" pitchFamily="2" charset="0"/>
+                <a:ea typeface="+mj-ea"/>
+                <a:cs typeface="+mj-cs"/>
+              </a:rPr>
+              <a:t> tin </a:t>
+            </a:r>
+            <a:r>
+              <a:rPr lang="en-US" sz="6600" b="1" dirty="0" err="1">
+                <a:latin typeface="VNI-Times" pitchFamily="2" charset="0"/>
+                <a:ea typeface="+mj-ea"/>
+                <a:cs typeface="+mj-cs"/>
+              </a:rPr>
+              <a:t>bình</a:t>
+            </a:r>
+            <a:r>
+              <a:rPr lang="en-US" sz="6600" b="1" dirty="0">
+                <a:latin typeface="VNI-Times" pitchFamily="2" charset="0"/>
+                <a:ea typeface="+mj-ea"/>
+                <a:cs typeface="+mj-cs"/>
+              </a:rPr>
+              <a:t> </a:t>
+            </a:r>
+            <a:r>
+              <a:rPr lang="en-US" sz="6600" b="1" dirty="0" err="1">
+                <a:latin typeface="VNI-Times" pitchFamily="2" charset="0"/>
+                <a:ea typeface="+mj-ea"/>
+                <a:cs typeface="+mj-cs"/>
+              </a:rPr>
+              <a:t>minh</a:t>
+            </a:r>
+            <a:r>
+              <a:rPr lang="en-US" sz="6600" b="1" dirty="0">
+                <a:latin typeface="VNI-Times" pitchFamily="2" charset="0"/>
+                <a:ea typeface="+mj-ea"/>
+                <a:cs typeface="+mj-cs"/>
+              </a:rPr>
+              <a:t>.</a:t>
             </a:r>
           </a:p>
         </p:txBody>
@@ -5930,7 +9231,7 @@
               <a:defRPr/>
             </a:pPr>
             <a:r>
-              <a:rPr lang="en-US" sz="3600" b="1" smtClean="0">
+              <a:rPr lang="en-US" sz="3600" b="1" dirty="0">
                 <a:solidFill>
                   <a:srgbClr val="FFFF00"/>
                 </a:solidFill>
@@ -5939,25 +9240,12 @@
                     <a:schemeClr val="tx1"/>
                   </a:glow>
                 </a:effectLst>
-                <a:latin typeface="VNI-Garam" pitchFamily="34" charset="0"/>
+                <a:latin typeface="VNI-Times" pitchFamily="2" charset="0"/>
                 <a:ea typeface="+mj-ea"/>
                 <a:cs typeface="+mj-cs"/>
               </a:rPr>
               <a:t>TC 509  –  NGAØY GIÔØ QUA</a:t>
             </a:r>
-            <a:endParaRPr lang="en-US" sz="3600" b="1">
-              <a:solidFill>
-                <a:srgbClr val="FFFF00"/>
-              </a:solidFill>
-              <a:effectLst>
-                <a:glow rad="101600">
-                  <a:schemeClr val="tx1"/>
-                </a:glow>
-              </a:effectLst>
-              <a:latin typeface="VNI-Garam" pitchFamily="34" charset="0"/>
-              <a:ea typeface="+mj-ea"/>
-              <a:cs typeface="+mj-cs"/>
-            </a:endParaRPr>
           </a:p>
         </p:txBody>
       </p:sp>
@@ -5971,13 +9259,6 @@
   <p:clrMapOvr>
     <a:masterClrMapping/>
   </p:clrMapOvr>
-  <p:timing>
-    <p:tnLst>
-      <p:par>
-        <p:cTn id="1" dur="indefinite" restart="never" nodeType="tmRoot"/>
-      </p:par>
-    </p:tnLst>
-  </p:timing>
 </p:sld>
 </file>
 
@@ -6029,59 +9310,235 @@
               <a:defRPr/>
             </a:pPr>
             <a:r>
-              <a:rPr lang="en-US" sz="6600" b="1">
-                <a:latin typeface="HP-Aptima" pitchFamily="34" charset="0"/>
-                <a:ea typeface="+mj-ea"/>
-                <a:cs typeface="+mj-cs"/>
-              </a:rPr>
-              <a:t>Cuøng nhau ta soáng vui trong ôn quang vinh, </a:t>
-            </a:r>
-            <a:r>
-              <a:rPr lang="en-US" sz="6600" b="1" smtClean="0">
-                <a:latin typeface="HP-Aptima" pitchFamily="34" charset="0"/>
-                <a:ea typeface="+mj-ea"/>
-                <a:cs typeface="+mj-cs"/>
-              </a:rPr>
-              <a:t>chuùc </a:t>
-            </a:r>
-            <a:r>
-              <a:rPr lang="en-US" sz="6600" b="1">
-                <a:latin typeface="HP-Aptima" pitchFamily="34" charset="0"/>
-                <a:ea typeface="+mj-ea"/>
-                <a:cs typeface="+mj-cs"/>
-              </a:rPr>
-              <a:t>cho nhau, </a:t>
-            </a:r>
-            <a:r>
-              <a:rPr lang="en-US" sz="6600" b="1" smtClean="0">
-                <a:latin typeface="HP-Aptima" pitchFamily="34" charset="0"/>
-                <a:ea typeface="+mj-ea"/>
-                <a:cs typeface="+mj-cs"/>
-              </a:rPr>
-              <a:t/>
+              <a:rPr lang="en-US" sz="6600" b="1" dirty="0" err="1">
+                <a:latin typeface="VNI-Times" pitchFamily="2" charset="0"/>
+                <a:ea typeface="+mj-ea"/>
+                <a:cs typeface="+mj-cs"/>
+              </a:rPr>
+              <a:t>Cuøng</a:t>
+            </a:r>
+            <a:r>
+              <a:rPr lang="en-US" sz="6600" b="1" dirty="0">
+                <a:latin typeface="VNI-Times" pitchFamily="2" charset="0"/>
+                <a:ea typeface="+mj-ea"/>
+                <a:cs typeface="+mj-cs"/>
+              </a:rPr>
+              <a:t> </a:t>
+            </a:r>
+            <a:r>
+              <a:rPr lang="en-US" sz="6600" b="1" dirty="0" err="1">
+                <a:latin typeface="VNI-Times" pitchFamily="2" charset="0"/>
+                <a:ea typeface="+mj-ea"/>
+                <a:cs typeface="+mj-cs"/>
+              </a:rPr>
+              <a:t>nhau</a:t>
+            </a:r>
+            <a:r>
+              <a:rPr lang="en-US" sz="6600" b="1" dirty="0">
+                <a:latin typeface="VNI-Times" pitchFamily="2" charset="0"/>
+                <a:ea typeface="+mj-ea"/>
+                <a:cs typeface="+mj-cs"/>
+              </a:rPr>
+              <a:t> ta </a:t>
+            </a:r>
+            <a:r>
+              <a:rPr lang="en-US" sz="6600" b="1" dirty="0" err="1">
+                <a:latin typeface="VNI-Times" pitchFamily="2" charset="0"/>
+                <a:ea typeface="+mj-ea"/>
+                <a:cs typeface="+mj-cs"/>
+              </a:rPr>
+              <a:t>soáng</a:t>
+            </a:r>
+            <a:r>
+              <a:rPr lang="en-US" sz="6600" b="1" dirty="0">
+                <a:latin typeface="VNI-Times" pitchFamily="2" charset="0"/>
+                <a:ea typeface="+mj-ea"/>
+                <a:cs typeface="+mj-cs"/>
+              </a:rPr>
+              <a:t> </a:t>
+            </a:r>
+            <a:r>
+              <a:rPr lang="en-US" sz="6600" b="1" dirty="0" err="1">
+                <a:latin typeface="VNI-Times" pitchFamily="2" charset="0"/>
+                <a:ea typeface="+mj-ea"/>
+                <a:cs typeface="+mj-cs"/>
+              </a:rPr>
+              <a:t>vui</a:t>
+            </a:r>
+            <a:r>
+              <a:rPr lang="en-US" sz="6600" b="1" dirty="0">
+                <a:latin typeface="VNI-Times" pitchFamily="2" charset="0"/>
+                <a:ea typeface="+mj-ea"/>
+                <a:cs typeface="+mj-cs"/>
+              </a:rPr>
+              <a:t> </a:t>
+            </a:r>
+            <a:r>
+              <a:rPr lang="en-US" sz="6600" b="1" dirty="0" err="1">
+                <a:latin typeface="VNI-Times" pitchFamily="2" charset="0"/>
+                <a:ea typeface="+mj-ea"/>
+                <a:cs typeface="+mj-cs"/>
+              </a:rPr>
+              <a:t>trong</a:t>
+            </a:r>
+            <a:r>
+              <a:rPr lang="en-US" sz="6600" b="1" dirty="0">
+                <a:latin typeface="VNI-Times" pitchFamily="2" charset="0"/>
+                <a:ea typeface="+mj-ea"/>
+                <a:cs typeface="+mj-cs"/>
+              </a:rPr>
+              <a:t> </a:t>
+            </a:r>
+            <a:r>
+              <a:rPr lang="en-US" sz="6600" b="1" dirty="0" err="1">
+                <a:latin typeface="VNI-Times" pitchFamily="2" charset="0"/>
+                <a:ea typeface="+mj-ea"/>
+                <a:cs typeface="+mj-cs"/>
+              </a:rPr>
+              <a:t>ôn</a:t>
+            </a:r>
+            <a:r>
+              <a:rPr lang="en-US" sz="6600" b="1" dirty="0">
+                <a:latin typeface="VNI-Times" pitchFamily="2" charset="0"/>
+                <a:ea typeface="+mj-ea"/>
+                <a:cs typeface="+mj-cs"/>
+              </a:rPr>
+              <a:t> </a:t>
+            </a:r>
+            <a:r>
+              <a:rPr lang="en-US" sz="6600" b="1" dirty="0" err="1">
+                <a:latin typeface="VNI-Times" pitchFamily="2" charset="0"/>
+                <a:ea typeface="+mj-ea"/>
+                <a:cs typeface="+mj-cs"/>
+              </a:rPr>
+              <a:t>quang</a:t>
+            </a:r>
+            <a:r>
+              <a:rPr lang="en-US" sz="6600" b="1" dirty="0">
+                <a:latin typeface="VNI-Times" pitchFamily="2" charset="0"/>
+                <a:ea typeface="+mj-ea"/>
+                <a:cs typeface="+mj-cs"/>
+              </a:rPr>
+              <a:t> </a:t>
+            </a:r>
+            <a:r>
+              <a:rPr lang="en-US" sz="6600" b="1" dirty="0" err="1">
+                <a:latin typeface="VNI-Times" pitchFamily="2" charset="0"/>
+                <a:ea typeface="+mj-ea"/>
+                <a:cs typeface="+mj-cs"/>
+              </a:rPr>
+              <a:t>vinh</a:t>
+            </a:r>
+            <a:r>
+              <a:rPr lang="en-US" sz="6600" b="1" dirty="0">
+                <a:latin typeface="VNI-Times" pitchFamily="2" charset="0"/>
+                <a:ea typeface="+mj-ea"/>
+                <a:cs typeface="+mj-cs"/>
+              </a:rPr>
+              <a:t>, </a:t>
+            </a:r>
+            <a:r>
+              <a:rPr lang="en-US" sz="6600" b="1" dirty="0" err="1">
+                <a:latin typeface="VNI-Times" pitchFamily="2" charset="0"/>
+                <a:ea typeface="+mj-ea"/>
+                <a:cs typeface="+mj-cs"/>
+              </a:rPr>
+              <a:t>chuùc</a:t>
+            </a:r>
+            <a:r>
+              <a:rPr lang="en-US" sz="6600" b="1" dirty="0">
+                <a:latin typeface="VNI-Times" pitchFamily="2" charset="0"/>
+                <a:ea typeface="+mj-ea"/>
+                <a:cs typeface="+mj-cs"/>
+              </a:rPr>
+              <a:t> </a:t>
+            </a:r>
+            <a:r>
+              <a:rPr lang="en-US" sz="6600" b="1" dirty="0" err="1">
+                <a:latin typeface="VNI-Times" pitchFamily="2" charset="0"/>
+                <a:ea typeface="+mj-ea"/>
+                <a:cs typeface="+mj-cs"/>
+              </a:rPr>
+              <a:t>cho</a:t>
+            </a:r>
+            <a:r>
+              <a:rPr lang="en-US" sz="6600" b="1" dirty="0">
+                <a:latin typeface="VNI-Times" pitchFamily="2" charset="0"/>
+                <a:ea typeface="+mj-ea"/>
+                <a:cs typeface="+mj-cs"/>
+              </a:rPr>
+              <a:t> </a:t>
+            </a:r>
+            <a:r>
+              <a:rPr lang="en-US" sz="6600" b="1" dirty="0" err="1">
+                <a:latin typeface="VNI-Times" pitchFamily="2" charset="0"/>
+                <a:ea typeface="+mj-ea"/>
+                <a:cs typeface="+mj-cs"/>
+              </a:rPr>
+              <a:t>nhau</a:t>
+            </a:r>
+            <a:r>
+              <a:rPr lang="en-US" sz="6600" b="1" dirty="0">
+                <a:latin typeface="VNI-Times" pitchFamily="2" charset="0"/>
+                <a:ea typeface="+mj-ea"/>
+                <a:cs typeface="+mj-cs"/>
+              </a:rPr>
+              <a:t>, </a:t>
             </a:r>
             <a:br>
-              <a:rPr lang="en-US" sz="6600" b="1" smtClean="0">
-                <a:latin typeface="HP-Aptima" pitchFamily="34" charset="0"/>
+              <a:rPr lang="en-US" sz="6600" b="1" dirty="0">
+                <a:latin typeface="VNI-Times" pitchFamily="2" charset="0"/>
                 <a:ea typeface="+mj-ea"/>
                 <a:cs typeface="+mj-cs"/>
               </a:rPr>
             </a:br>
             <a:r>
-              <a:rPr lang="en-US" sz="6600" b="1" smtClean="0">
-                <a:latin typeface="HP-Aptima" pitchFamily="34" charset="0"/>
-                <a:ea typeface="+mj-ea"/>
-                <a:cs typeface="+mj-cs"/>
-              </a:rPr>
-              <a:t>khuùc </a:t>
-            </a:r>
-            <a:r>
-              <a:rPr lang="en-US" sz="6600" b="1">
-                <a:latin typeface="HP-Aptima" pitchFamily="34" charset="0"/>
-                <a:ea typeface="+mj-ea"/>
-                <a:cs typeface="+mj-cs"/>
-              </a:rPr>
-              <a:t>ca vónh sinh.</a:t>
+              <a:rPr lang="en-US" sz="6600" b="1" dirty="0" err="1">
+                <a:latin typeface="VNI-Times" pitchFamily="2" charset="0"/>
+                <a:ea typeface="+mj-ea"/>
+                <a:cs typeface="+mj-cs"/>
+              </a:rPr>
+              <a:t>khuùc</a:t>
+            </a:r>
+            <a:r>
+              <a:rPr lang="en-US" sz="6600" b="1" dirty="0">
+                <a:latin typeface="VNI-Times" pitchFamily="2" charset="0"/>
+                <a:ea typeface="+mj-ea"/>
+                <a:cs typeface="+mj-cs"/>
+              </a:rPr>
+              <a:t> ca </a:t>
+            </a:r>
+            <a:r>
+              <a:rPr lang="en-US" sz="6600" b="1" dirty="0" err="1">
+                <a:latin typeface="VNI-Times" pitchFamily="2" charset="0"/>
+                <a:ea typeface="+mj-ea"/>
+                <a:cs typeface="+mj-cs"/>
+              </a:rPr>
+              <a:t>vónh</a:t>
+            </a:r>
+            <a:r>
+              <a:rPr lang="en-US" sz="6600" b="1" dirty="0">
+                <a:latin typeface="VNI-Times" pitchFamily="2" charset="0"/>
+                <a:ea typeface="+mj-ea"/>
+                <a:cs typeface="+mj-cs"/>
+              </a:rPr>
+              <a:t> </a:t>
+            </a:r>
+            <a:r>
+              <a:rPr lang="en-US" sz="6600" b="1" dirty="0" err="1">
+                <a:latin typeface="VNI-Times" pitchFamily="2" charset="0"/>
+                <a:ea typeface="+mj-ea"/>
+                <a:cs typeface="+mj-cs"/>
+              </a:rPr>
+              <a:t>sinh</a:t>
+            </a:r>
+            <a:r>
+              <a:rPr lang="en-US" sz="6600" b="1" dirty="0">
+                <a:latin typeface="VNI-Times" pitchFamily="2" charset="0"/>
+                <a:ea typeface="+mj-ea"/>
+                <a:cs typeface="+mj-cs"/>
+              </a:rPr>
+              <a:t>.</a:t>
             </a:r>
           </a:p>
         </p:txBody>
@@ -6122,7 +9579,7 @@
               <a:defRPr/>
             </a:pPr>
             <a:r>
-              <a:rPr lang="en-US" sz="3600" b="1" smtClean="0">
+              <a:rPr lang="en-US" sz="3600" b="1" dirty="0">
                 <a:solidFill>
                   <a:srgbClr val="FFFF00"/>
                 </a:solidFill>
@@ -6131,25 +9588,12 @@
                     <a:schemeClr val="tx1"/>
                   </a:glow>
                 </a:effectLst>
-                <a:latin typeface="VNI-Garam" pitchFamily="34" charset="0"/>
+                <a:latin typeface="VNI-Times" pitchFamily="2" charset="0"/>
                 <a:ea typeface="+mj-ea"/>
                 <a:cs typeface="+mj-cs"/>
               </a:rPr>
               <a:t>TC 509  –  NGAØY GIÔØ QUA</a:t>
             </a:r>
-            <a:endParaRPr lang="en-US" sz="3600" b="1">
-              <a:solidFill>
-                <a:srgbClr val="FFFF00"/>
-              </a:solidFill>
-              <a:effectLst>
-                <a:glow rad="101600">
-                  <a:schemeClr val="tx1"/>
-                </a:glow>
-              </a:effectLst>
-              <a:latin typeface="VNI-Garam" pitchFamily="34" charset="0"/>
-              <a:ea typeface="+mj-ea"/>
-              <a:cs typeface="+mj-cs"/>
-            </a:endParaRPr>
           </a:p>
         </p:txBody>
       </p:sp>
@@ -6163,13 +9607,6 @@
   <p:clrMapOvr>
     <a:masterClrMapping/>
   </p:clrMapOvr>
-  <p:timing>
-    <p:tnLst>
-      <p:par>
-        <p:cTn id="1" dur="indefinite" restart="never" nodeType="tmRoot"/>
-      </p:par>
-    </p:tnLst>
-  </p:timing>
 </p:sld>
 </file>
 
